--- a/MatchCard.pptx
+++ b/MatchCard.pptx
@@ -11,32 +11,31 @@
     <p:sldId id="265" r:id="rId5"/>
     <p:sldId id="270" r:id="rId6"/>
     <p:sldId id="271" r:id="rId7"/>
-    <p:sldId id="272" r:id="rId8"/>
-    <p:sldId id="259" r:id="rId9"/>
-    <p:sldId id="269" r:id="rId10"/>
-    <p:sldId id="268" r:id="rId11"/>
-    <p:sldId id="267" r:id="rId12"/>
-    <p:sldId id="266" r:id="rId13"/>
-    <p:sldId id="260" r:id="rId14"/>
-    <p:sldId id="261" r:id="rId15"/>
-    <p:sldId id="262" r:id="rId16"/>
-    <p:sldId id="264" r:id="rId17"/>
+    <p:sldId id="259" r:id="rId8"/>
+    <p:sldId id="269" r:id="rId9"/>
+    <p:sldId id="268" r:id="rId10"/>
+    <p:sldId id="267" r:id="rId11"/>
+    <p:sldId id="266" r:id="rId12"/>
+    <p:sldId id="260" r:id="rId13"/>
+    <p:sldId id="261" r:id="rId14"/>
+    <p:sldId id="262" r:id="rId15"/>
+    <p:sldId id="264" r:id="rId16"/>
   </p:sldIdLst>
   <p:sldSz cx="12192000" cy="6858000"/>
   <p:notesSz cx="6858000" cy="9144000"/>
   <p:embeddedFontLst>
     <p:embeddedFont>
-      <p:font typeface="KoPubWorld돋움체 Light" panose="020B0600000101010101" charset="-127"/>
-      <p:regular r:id="rId18"/>
+      <p:font typeface="KoPubWorld돋움체 Bold" panose="020B0600000101010101" charset="-127"/>
+      <p:bold r:id="rId17"/>
     </p:embeddedFont>
     <p:embeddedFont>
-      <p:font typeface="KoPubWorld돋움체 Bold" panose="020B0600000101010101" charset="-127"/>
+      <p:font typeface="맑은 고딕" panose="020B0503020000020004" pitchFamily="50" charset="-127"/>
+      <p:regular r:id="rId18"/>
       <p:bold r:id="rId19"/>
     </p:embeddedFont>
     <p:embeddedFont>
-      <p:font typeface="맑은 고딕" panose="020B0503020000020004" pitchFamily="50" charset="-127"/>
+      <p:font typeface="KoPubWorld돋움체 Light" panose="020B0600000101010101" charset="-127"/>
       <p:regular r:id="rId20"/>
-      <p:bold r:id="rId21"/>
     </p:embeddedFont>
   </p:embeddedFontLst>
   <p:defaultTextStyle>
@@ -4325,676 +4324,6 @@
           <a:chExt cx="0" cy="0"/>
         </a:xfrm>
       </p:grpSpPr>
-      <p:sp>
-        <p:nvSpPr>
-          <p:cNvPr id="23" name="직사각형 22">
-            <a:extLst>
-              <a:ext uri="{FF2B5EF4-FFF2-40B4-BE49-F238E27FC236}">
-                <a16:creationId xmlns:a16="http://schemas.microsoft.com/office/drawing/2014/main" id="{505D9C9E-8325-4A59-BEFC-3BC22C85BDAD}"/>
-              </a:ext>
-            </a:extLst>
-          </p:cNvPr>
-          <p:cNvSpPr/>
-          <p:nvPr/>
-        </p:nvSpPr>
-        <p:spPr>
-          <a:xfrm flipV="1">
-            <a:off x="557400" y="1001162"/>
-            <a:ext cx="11077200" cy="18000"/>
-          </a:xfrm>
-          <a:prstGeom prst="rect">
-            <a:avLst/>
-          </a:prstGeom>
-          <a:solidFill>
-            <a:srgbClr val="64DECF"/>
-          </a:solidFill>
-          <a:ln>
-            <a:noFill/>
-          </a:ln>
-        </p:spPr>
-        <p:style>
-          <a:lnRef idx="2">
-            <a:schemeClr val="accent1">
-              <a:shade val="50000"/>
-            </a:schemeClr>
-          </a:lnRef>
-          <a:fillRef idx="1">
-            <a:schemeClr val="accent1"/>
-          </a:fillRef>
-          <a:effectRef idx="0">
-            <a:schemeClr val="accent1"/>
-          </a:effectRef>
-          <a:fontRef idx="minor">
-            <a:schemeClr val="lt1"/>
-          </a:fontRef>
-        </p:style>
-        <p:txBody>
-          <a:bodyPr rtlCol="0" anchor="ctr"/>
-          <a:lstStyle/>
-          <a:p>
-            <a:pPr algn="ctr"/>
-            <a:endParaRPr lang="ko-KR" altLang="en-US"/>
-          </a:p>
-        </p:txBody>
-      </p:sp>
-      <p:grpSp>
-        <p:nvGrpSpPr>
-          <p:cNvPr id="7" name="그룹 6">
-            <a:extLst>
-              <a:ext uri="{FF2B5EF4-FFF2-40B4-BE49-F238E27FC236}">
-                <a16:creationId xmlns:a16="http://schemas.microsoft.com/office/drawing/2014/main" id="{1B0813F0-0608-43A3-9E53-0BA015EDE231}"/>
-              </a:ext>
-            </a:extLst>
-          </p:cNvPr>
-          <p:cNvGrpSpPr/>
-          <p:nvPr/>
-        </p:nvGrpSpPr>
-        <p:grpSpPr>
-          <a:xfrm>
-            <a:off x="557400" y="188165"/>
-            <a:ext cx="3862199" cy="830997"/>
-            <a:chOff x="3819245" y="188165"/>
-            <a:chExt cx="3862199" cy="830997"/>
-          </a:xfrm>
-        </p:grpSpPr>
-        <p:sp>
-          <p:nvSpPr>
-            <p:cNvPr id="8" name="직사각형 7">
-              <a:extLst>
-                <a:ext uri="{FF2B5EF4-FFF2-40B4-BE49-F238E27FC236}">
-                  <a16:creationId xmlns:a16="http://schemas.microsoft.com/office/drawing/2014/main" id="{7D0033C3-456D-4151-9AAB-F0A2E961A5B6}"/>
-                </a:ext>
-              </a:extLst>
-            </p:cNvPr>
-            <p:cNvSpPr/>
-            <p:nvPr/>
-          </p:nvSpPr>
-          <p:spPr>
-            <a:xfrm>
-              <a:off x="4264699" y="274417"/>
-              <a:ext cx="3416745" cy="523220"/>
-            </a:xfrm>
-            <a:prstGeom prst="rect">
-              <a:avLst/>
-            </a:prstGeom>
-          </p:spPr>
-          <p:txBody>
-            <a:bodyPr wrap="square" anchor="ctr">
-              <a:spAutoFit/>
-            </a:bodyPr>
-            <a:lstStyle/>
-            <a:p>
-              <a:r>
-                <a:rPr lang="ko-KR" altLang="en-US" sz="2800" b="1" dirty="0" smtClean="0">
-                  <a:solidFill>
-                    <a:schemeClr val="tx1">
-                      <a:lumMod val="65000"/>
-                      <a:lumOff val="35000"/>
-                    </a:schemeClr>
-                  </a:solidFill>
-                  <a:latin typeface="+mn-ea"/>
-                  <a:cs typeface="KoPubWorld돋움체 Bold" panose="00000800000000000000" pitchFamily="2" charset="-127"/>
-                </a:rPr>
-                <a:t>사용된 변수 </a:t>
-              </a:r>
-              <a:r>
-                <a:rPr lang="en-US" altLang="ko-KR" sz="2800" b="1" dirty="0" smtClean="0">
-                  <a:solidFill>
-                    <a:schemeClr val="tx1">
-                      <a:lumMod val="65000"/>
-                      <a:lumOff val="35000"/>
-                    </a:schemeClr>
-                  </a:solidFill>
-                  <a:latin typeface="+mn-ea"/>
-                  <a:cs typeface="KoPubWorld돋움체 Bold" panose="00000800000000000000" pitchFamily="2" charset="-127"/>
-                </a:rPr>
-                <a:t>&amp; </a:t>
-              </a:r>
-              <a:r>
-                <a:rPr lang="ko-KR" altLang="en-US" sz="2800" b="1" dirty="0" smtClean="0">
-                  <a:solidFill>
-                    <a:schemeClr val="tx1">
-                      <a:lumMod val="65000"/>
-                      <a:lumOff val="35000"/>
-                    </a:schemeClr>
-                  </a:solidFill>
-                  <a:latin typeface="+mn-ea"/>
-                  <a:cs typeface="KoPubWorld돋움체 Bold" panose="00000800000000000000" pitchFamily="2" charset="-127"/>
-                </a:rPr>
-                <a:t>함수</a:t>
-              </a:r>
-              <a:endParaRPr lang="ko-KR" altLang="en-US" sz="2800" b="1" dirty="0">
-                <a:solidFill>
-                  <a:schemeClr val="tx1">
-                    <a:lumMod val="65000"/>
-                    <a:lumOff val="35000"/>
-                  </a:schemeClr>
-                </a:solidFill>
-                <a:latin typeface="+mn-ea"/>
-                <a:cs typeface="KoPubWorld돋움체 Bold" panose="00000800000000000000" pitchFamily="2" charset="-127"/>
-              </a:endParaRPr>
-            </a:p>
-          </p:txBody>
-        </p:sp>
-        <p:sp>
-          <p:nvSpPr>
-            <p:cNvPr id="9" name="TextBox 8">
-              <a:extLst>
-                <a:ext uri="{FF2B5EF4-FFF2-40B4-BE49-F238E27FC236}">
-                  <a16:creationId xmlns:a16="http://schemas.microsoft.com/office/drawing/2014/main" id="{1841637C-F02D-4ED4-9B17-10A92FFC6619}"/>
-                </a:ext>
-              </a:extLst>
-            </p:cNvPr>
-            <p:cNvSpPr txBox="1"/>
-            <p:nvPr/>
-          </p:nvSpPr>
-          <p:spPr>
-            <a:xfrm>
-              <a:off x="3819245" y="188165"/>
-              <a:ext cx="530915" cy="830997"/>
-            </a:xfrm>
-            <a:prstGeom prst="rect">
-              <a:avLst/>
-            </a:prstGeom>
-            <a:noFill/>
-          </p:spPr>
-          <p:txBody>
-            <a:bodyPr wrap="none" rtlCol="0">
-              <a:spAutoFit/>
-            </a:bodyPr>
-            <a:lstStyle/>
-            <a:p>
-              <a:r>
-                <a:rPr lang="en-US" altLang="ko-KR" sz="4800" b="1" dirty="0" smtClean="0">
-                  <a:solidFill>
-                    <a:srgbClr val="64DECF"/>
-                  </a:solidFill>
-                  <a:latin typeface="KoPubWorld돋움체 Bold" panose="00000800000000000000" pitchFamily="2" charset="-127"/>
-                  <a:ea typeface="KoPubWorld돋움체 Bold" panose="00000800000000000000" pitchFamily="2" charset="-127"/>
-                  <a:cs typeface="KoPubWorld돋움체 Bold" panose="00000800000000000000" pitchFamily="2" charset="-127"/>
-                </a:rPr>
-                <a:t>3</a:t>
-              </a:r>
-              <a:endParaRPr lang="ko-KR" altLang="en-US" sz="4800" b="1" dirty="0">
-                <a:solidFill>
-                  <a:srgbClr val="64DECF"/>
-                </a:solidFill>
-                <a:latin typeface="KoPubWorld돋움체 Bold" panose="00000800000000000000" pitchFamily="2" charset="-127"/>
-                <a:ea typeface="KoPubWorld돋움체 Bold" panose="00000800000000000000" pitchFamily="2" charset="-127"/>
-                <a:cs typeface="KoPubWorld돋움체 Bold" panose="00000800000000000000" pitchFamily="2" charset="-127"/>
-              </a:endParaRPr>
-            </a:p>
-          </p:txBody>
-        </p:sp>
-      </p:grpSp>
-      <p:sp>
-        <p:nvSpPr>
-          <p:cNvPr id="11" name="TextBox 10">
-            <a:extLst>
-              <a:ext uri="{FF2B5EF4-FFF2-40B4-BE49-F238E27FC236}">
-                <a16:creationId xmlns:a16="http://schemas.microsoft.com/office/drawing/2014/main" id="{9BD65EA8-75FC-4381-8F1B-C7736D8545B7}"/>
-              </a:ext>
-            </a:extLst>
-          </p:cNvPr>
-          <p:cNvSpPr txBox="1"/>
-          <p:nvPr/>
-        </p:nvSpPr>
-        <p:spPr>
-          <a:xfrm>
-            <a:off x="557401" y="1222687"/>
-            <a:ext cx="4219698" cy="400110"/>
-          </a:xfrm>
-          <a:prstGeom prst="rect">
-            <a:avLst/>
-          </a:prstGeom>
-          <a:noFill/>
-        </p:spPr>
-        <p:txBody>
-          <a:bodyPr wrap="square" rtlCol="0" anchor="ctr">
-            <a:spAutoFit/>
-          </a:bodyPr>
-          <a:lstStyle/>
-          <a:p>
-            <a:r>
-              <a:rPr lang="en-US" altLang="ko-KR" sz="2000" b="1" dirty="0" smtClean="0">
-                <a:solidFill>
-                  <a:srgbClr val="36D2CE"/>
-                </a:solidFill>
-                <a:latin typeface="+mn-ea"/>
-                <a:cs typeface="KoPubWorld돋움체 Bold" panose="00000800000000000000" pitchFamily="2" charset="-127"/>
-              </a:rPr>
-              <a:t>char</a:t>
-            </a:r>
-            <a:r>
-              <a:rPr lang="en-US" altLang="ko-KR" sz="2000" b="1" dirty="0" smtClean="0">
-                <a:solidFill>
-                  <a:schemeClr val="tx1">
-                    <a:lumMod val="65000"/>
-                    <a:lumOff val="35000"/>
-                  </a:schemeClr>
-                </a:solidFill>
-                <a:latin typeface="+mn-ea"/>
-                <a:cs typeface="KoPubWorld돋움체 Bold" panose="00000800000000000000" pitchFamily="2" charset="-127"/>
-              </a:rPr>
-              <a:t> Title</a:t>
-            </a:r>
-            <a:endParaRPr lang="ko-KR" altLang="en-US" sz="2000" b="1" dirty="0">
-              <a:solidFill>
-                <a:schemeClr val="tx1">
-                  <a:lumMod val="65000"/>
-                  <a:lumOff val="35000"/>
-                </a:schemeClr>
-              </a:solidFill>
-              <a:latin typeface="+mn-ea"/>
-              <a:cs typeface="KoPubWorld돋움체 Bold" panose="00000800000000000000" pitchFamily="2" charset="-127"/>
-            </a:endParaRPr>
-          </a:p>
-        </p:txBody>
-      </p:sp>
-      <p:pic>
-        <p:nvPicPr>
-          <p:cNvPr id="15" name="그림 14"/>
-          <p:cNvPicPr>
-            <a:picLocks noChangeAspect="1"/>
-          </p:cNvPicPr>
-          <p:nvPr/>
-        </p:nvPicPr>
-        <p:blipFill>
-          <a:blip r:embed="rId2"/>
-          <a:stretch>
-            <a:fillRect/>
-          </a:stretch>
-        </p:blipFill>
-        <p:spPr>
-          <a:xfrm>
-            <a:off x="557399" y="1622797"/>
-            <a:ext cx="2772162" cy="362001"/>
-          </a:xfrm>
-          <a:prstGeom prst="rect">
-            <a:avLst/>
-          </a:prstGeom>
-        </p:spPr>
-      </p:pic>
-      <p:pic>
-        <p:nvPicPr>
-          <p:cNvPr id="17" name="그림 16"/>
-          <p:cNvPicPr>
-            <a:picLocks noChangeAspect="1"/>
-          </p:cNvPicPr>
-          <p:nvPr/>
-        </p:nvPicPr>
-        <p:blipFill>
-          <a:blip r:embed="rId3"/>
-          <a:stretch>
-            <a:fillRect/>
-          </a:stretch>
-        </p:blipFill>
-        <p:spPr>
-          <a:xfrm>
-            <a:off x="557400" y="3547879"/>
-            <a:ext cx="7287640" cy="2046206"/>
-          </a:xfrm>
-          <a:prstGeom prst="rect">
-            <a:avLst/>
-          </a:prstGeom>
-        </p:spPr>
-      </p:pic>
-      <p:sp>
-        <p:nvSpPr>
-          <p:cNvPr id="21" name="TextBox 20">
-            <a:extLst>
-              <a:ext uri="{FF2B5EF4-FFF2-40B4-BE49-F238E27FC236}">
-                <a16:creationId xmlns:a16="http://schemas.microsoft.com/office/drawing/2014/main" id="{9BD65EA8-75FC-4381-8F1B-C7736D8545B7}"/>
-              </a:ext>
-            </a:extLst>
-          </p:cNvPr>
-          <p:cNvSpPr txBox="1"/>
-          <p:nvPr/>
-        </p:nvSpPr>
-        <p:spPr>
-          <a:xfrm>
-            <a:off x="557400" y="3147769"/>
-            <a:ext cx="2772161" cy="400110"/>
-          </a:xfrm>
-          <a:prstGeom prst="rect">
-            <a:avLst/>
-          </a:prstGeom>
-          <a:noFill/>
-        </p:spPr>
-        <p:txBody>
-          <a:bodyPr wrap="square" rtlCol="0" anchor="ctr">
-            <a:spAutoFit/>
-          </a:bodyPr>
-          <a:lstStyle/>
-          <a:p>
-            <a:r>
-              <a:rPr lang="en-US" altLang="ko-KR" sz="2000" b="1" dirty="0" smtClean="0">
-                <a:solidFill>
-                  <a:srgbClr val="36D2CE"/>
-                </a:solidFill>
-                <a:latin typeface="+mn-ea"/>
-                <a:cs typeface="KoPubWorld돋움체 Bold" panose="00000800000000000000" pitchFamily="2" charset="-127"/>
-              </a:rPr>
-              <a:t>void</a:t>
-            </a:r>
-            <a:r>
-              <a:rPr lang="en-US" altLang="ko-KR" sz="2000" b="1" dirty="0" smtClean="0">
-                <a:solidFill>
-                  <a:schemeClr val="tx1">
-                    <a:lumMod val="65000"/>
-                    <a:lumOff val="35000"/>
-                  </a:schemeClr>
-                </a:solidFill>
-                <a:latin typeface="+mn-ea"/>
-                <a:cs typeface="KoPubWorld돋움체 Bold" panose="00000800000000000000" pitchFamily="2" charset="-127"/>
-              </a:rPr>
-              <a:t> </a:t>
-            </a:r>
-            <a:r>
-              <a:rPr lang="en-US" altLang="ko-KR" sz="2000" b="1" dirty="0" err="1" smtClean="0">
-                <a:solidFill>
-                  <a:schemeClr val="tx1">
-                    <a:lumMod val="65000"/>
-                    <a:lumOff val="35000"/>
-                  </a:schemeClr>
-                </a:solidFill>
-                <a:latin typeface="+mn-ea"/>
-                <a:cs typeface="KoPubWorld돋움체 Bold" panose="00000800000000000000" pitchFamily="2" charset="-127"/>
-              </a:rPr>
-              <a:t>CreateTitle</a:t>
-            </a:r>
-            <a:r>
-              <a:rPr lang="en-US" altLang="ko-KR" sz="2000" b="1" dirty="0" smtClean="0">
-                <a:solidFill>
-                  <a:schemeClr val="tx1">
-                    <a:lumMod val="65000"/>
-                    <a:lumOff val="35000"/>
-                  </a:schemeClr>
-                </a:solidFill>
-                <a:latin typeface="+mn-ea"/>
-                <a:cs typeface="KoPubWorld돋움체 Bold" panose="00000800000000000000" pitchFamily="2" charset="-127"/>
-              </a:rPr>
-              <a:t>()</a:t>
-            </a:r>
-            <a:endParaRPr lang="ko-KR" altLang="en-US" sz="2000" b="1" dirty="0">
-              <a:solidFill>
-                <a:schemeClr val="tx1">
-                  <a:lumMod val="65000"/>
-                  <a:lumOff val="35000"/>
-                </a:schemeClr>
-              </a:solidFill>
-              <a:latin typeface="+mn-ea"/>
-              <a:cs typeface="KoPubWorld돋움체 Bold" panose="00000800000000000000" pitchFamily="2" charset="-127"/>
-            </a:endParaRPr>
-          </a:p>
-        </p:txBody>
-      </p:sp>
-      <p:sp>
-        <p:nvSpPr>
-          <p:cNvPr id="19" name="직사각형 18"/>
-          <p:cNvSpPr/>
-          <p:nvPr/>
-        </p:nvSpPr>
-        <p:spPr>
-          <a:xfrm>
-            <a:off x="557399" y="2041464"/>
-            <a:ext cx="3971872" cy="878723"/>
-          </a:xfrm>
-          <a:prstGeom prst="rect">
-            <a:avLst/>
-          </a:prstGeom>
-          <a:noFill/>
-          <a:ln>
-            <a:noFill/>
-          </a:ln>
-        </p:spPr>
-        <p:style>
-          <a:lnRef idx="2">
-            <a:schemeClr val="accent1">
-              <a:shade val="50000"/>
-            </a:schemeClr>
-          </a:lnRef>
-          <a:fillRef idx="1">
-            <a:schemeClr val="accent1"/>
-          </a:fillRef>
-          <a:effectRef idx="0">
-            <a:schemeClr val="accent1"/>
-          </a:effectRef>
-          <a:fontRef idx="minor">
-            <a:schemeClr val="lt1"/>
-          </a:fontRef>
-        </p:style>
-        <p:txBody>
-          <a:bodyPr rtlCol="0" anchor="t"/>
-          <a:lstStyle/>
-          <a:p>
-            <a:pPr marL="285750" indent="-285750">
-              <a:buFont typeface="Arial" panose="020B0604020202020204" pitchFamily="34" charset="0"/>
-              <a:buChar char="•"/>
-            </a:pPr>
-            <a:r>
-              <a:rPr lang="en-US" altLang="ko-KR" sz="1400" dirty="0" smtClean="0">
-                <a:solidFill>
-                  <a:schemeClr val="tx1">
-                    <a:lumMod val="65000"/>
-                    <a:lumOff val="35000"/>
-                  </a:schemeClr>
-                </a:solidFill>
-              </a:rPr>
-              <a:t>2</a:t>
-            </a:r>
-            <a:r>
-              <a:rPr lang="ko-KR" altLang="en-US" sz="1400" dirty="0" smtClean="0">
-                <a:solidFill>
-                  <a:schemeClr val="tx1">
-                    <a:lumMod val="65000"/>
-                    <a:lumOff val="35000"/>
-                  </a:schemeClr>
-                </a:solidFill>
-              </a:rPr>
-              <a:t>차원 문자열로 이루어진 전역 변수</a:t>
-            </a:r>
-            <a:endParaRPr lang="en-US" altLang="ko-KR" sz="1400" dirty="0" smtClean="0">
-              <a:solidFill>
-                <a:schemeClr val="tx1">
-                  <a:lumMod val="65000"/>
-                  <a:lumOff val="35000"/>
-                </a:schemeClr>
-              </a:solidFill>
-            </a:endParaRPr>
-          </a:p>
-          <a:p>
-            <a:pPr marL="285750" indent="-285750">
-              <a:buFont typeface="Arial" panose="020B0604020202020204" pitchFamily="34" charset="0"/>
-              <a:buChar char="•"/>
-            </a:pPr>
-            <a:endParaRPr lang="en-US" altLang="ko-KR" sz="800" dirty="0" smtClean="0">
-              <a:solidFill>
-                <a:schemeClr val="tx1">
-                  <a:lumMod val="65000"/>
-                  <a:lumOff val="35000"/>
-                </a:schemeClr>
-              </a:solidFill>
-            </a:endParaRPr>
-          </a:p>
-          <a:p>
-            <a:pPr marL="285750" indent="-285750">
-              <a:buFont typeface="Arial" panose="020B0604020202020204" pitchFamily="34" charset="0"/>
-              <a:buChar char="•"/>
-            </a:pPr>
-            <a:r>
-              <a:rPr lang="ko-KR" altLang="en-US" sz="1400" dirty="0" smtClean="0">
-                <a:solidFill>
-                  <a:schemeClr val="tx1">
-                    <a:lumMod val="65000"/>
-                    <a:lumOff val="35000"/>
-                  </a:schemeClr>
-                </a:solidFill>
-              </a:rPr>
-              <a:t>난이도 선택 장면에서 사용</a:t>
-            </a:r>
-            <a:endParaRPr lang="ko-KR" altLang="en-US" sz="1400" dirty="0">
-              <a:solidFill>
-                <a:schemeClr val="tx1">
-                  <a:lumMod val="65000"/>
-                  <a:lumOff val="35000"/>
-                </a:schemeClr>
-              </a:solidFill>
-            </a:endParaRPr>
-          </a:p>
-        </p:txBody>
-      </p:sp>
-      <p:sp>
-        <p:nvSpPr>
-          <p:cNvPr id="25" name="직사각형 24"/>
-          <p:cNvSpPr/>
-          <p:nvPr/>
-        </p:nvSpPr>
-        <p:spPr>
-          <a:xfrm>
-            <a:off x="557398" y="5594086"/>
-            <a:ext cx="5185375" cy="627692"/>
-          </a:xfrm>
-          <a:prstGeom prst="rect">
-            <a:avLst/>
-          </a:prstGeom>
-          <a:noFill/>
-          <a:ln>
-            <a:noFill/>
-          </a:ln>
-        </p:spPr>
-        <p:style>
-          <a:lnRef idx="2">
-            <a:schemeClr val="accent1">
-              <a:shade val="50000"/>
-            </a:schemeClr>
-          </a:lnRef>
-          <a:fillRef idx="1">
-            <a:schemeClr val="accent1"/>
-          </a:fillRef>
-          <a:effectRef idx="0">
-            <a:schemeClr val="accent1"/>
-          </a:effectRef>
-          <a:fontRef idx="minor">
-            <a:schemeClr val="lt1"/>
-          </a:fontRef>
-        </p:style>
-        <p:txBody>
-          <a:bodyPr rtlCol="0" anchor="t"/>
-          <a:lstStyle/>
-          <a:p>
-            <a:pPr marL="285750" indent="-285750">
-              <a:buFont typeface="Arial" panose="020B0604020202020204" pitchFamily="34" charset="0"/>
-              <a:buChar char="•"/>
-            </a:pPr>
-            <a:r>
-              <a:rPr lang="en-US" altLang="ko-KR" sz="1400" dirty="0" smtClean="0">
-                <a:solidFill>
-                  <a:schemeClr val="tx1">
-                    <a:lumMod val="65000"/>
-                    <a:lumOff val="35000"/>
-                  </a:schemeClr>
-                </a:solidFill>
-              </a:rPr>
-              <a:t>Title </a:t>
-            </a:r>
-            <a:r>
-              <a:rPr lang="ko-KR" altLang="en-US" sz="1400" dirty="0" smtClean="0">
-                <a:solidFill>
-                  <a:schemeClr val="tx1">
-                    <a:lumMod val="65000"/>
-                    <a:lumOff val="35000"/>
-                  </a:schemeClr>
-                </a:solidFill>
-              </a:rPr>
-              <a:t>문자열에 </a:t>
-            </a:r>
-            <a:r>
-              <a:rPr lang="en-US" altLang="ko-KR" sz="1400" b="1" dirty="0" err="1" smtClean="0">
-                <a:solidFill>
-                  <a:srgbClr val="36D2CE"/>
-                </a:solidFill>
-              </a:rPr>
-              <a:t>strcpy</a:t>
-            </a:r>
-            <a:r>
-              <a:rPr lang="ko-KR" altLang="en-US" sz="1400" b="1" dirty="0" smtClean="0">
-                <a:solidFill>
-                  <a:srgbClr val="36D2CE"/>
-                </a:solidFill>
-              </a:rPr>
-              <a:t>를 사용</a:t>
-            </a:r>
-            <a:r>
-              <a:rPr lang="ko-KR" altLang="en-US" sz="1400" dirty="0" smtClean="0">
-                <a:solidFill>
-                  <a:schemeClr val="tx1">
-                    <a:lumMod val="65000"/>
-                    <a:lumOff val="35000"/>
-                  </a:schemeClr>
-                </a:solidFill>
-              </a:rPr>
-              <a:t>하여 문자 </a:t>
-            </a:r>
-            <a:r>
-              <a:rPr lang="ko-KR" altLang="en-US" sz="1400" dirty="0" smtClean="0">
-                <a:solidFill>
-                  <a:schemeClr val="tx1">
-                    <a:lumMod val="65000"/>
-                    <a:lumOff val="35000"/>
-                  </a:schemeClr>
-                </a:solidFill>
-              </a:rPr>
-              <a:t>복사</a:t>
-            </a:r>
-            <a:endParaRPr lang="en-US" altLang="ko-KR" sz="1400" dirty="0" smtClean="0">
-              <a:solidFill>
-                <a:schemeClr val="tx1">
-                  <a:lumMod val="65000"/>
-                  <a:lumOff val="35000"/>
-                </a:schemeClr>
-              </a:solidFill>
-            </a:endParaRPr>
-          </a:p>
-        </p:txBody>
-      </p:sp>
-    </p:spTree>
-    <p:extLst>
-      <p:ext uri="{BB962C8B-B14F-4D97-AF65-F5344CB8AC3E}">
-        <p14:creationId xmlns:p14="http://schemas.microsoft.com/office/powerpoint/2010/main" val="1432520772"/>
-      </p:ext>
-    </p:extLst>
-  </p:cSld>
-  <p:clrMapOvr>
-    <a:masterClrMapping/>
-  </p:clrMapOvr>
-  <p:timing>
-    <p:tnLst>
-      <p:par>
-        <p:cTn id="1" dur="indefinite" restart="never" nodeType="tmRoot"/>
-      </p:par>
-    </p:tnLst>
-  </p:timing>
-</p:sld>
-</file>
-
-<file path=ppt/slides/slide11.xml><?xml version="1.0" encoding="utf-8"?>
-<p:sld xmlns:a="http://schemas.openxmlformats.org/drawingml/2006/main" xmlns:r="http://schemas.openxmlformats.org/officeDocument/2006/relationships" xmlns:p="http://schemas.openxmlformats.org/presentationml/2006/main">
-  <p:cSld>
-    <p:spTree>
-      <p:nvGrpSpPr>
-        <p:cNvPr id="1" name=""/>
-        <p:cNvGrpSpPr/>
-        <p:nvPr/>
-      </p:nvGrpSpPr>
-      <p:grpSpPr>
-        <a:xfrm>
-          <a:off x="0" y="0"/>
-          <a:ext cx="0" cy="0"/>
-          <a:chOff x="0" y="0"/>
-          <a:chExt cx="0" cy="0"/>
-        </a:xfrm>
-      </p:grpSpPr>
       <p:pic>
         <p:nvPicPr>
           <p:cNvPr id="3" name="그림 2"/>
@@ -5070,156 +4399,6 @@
           </a:p>
         </p:txBody>
       </p:sp>
-      <p:grpSp>
-        <p:nvGrpSpPr>
-          <p:cNvPr id="7" name="그룹 6">
-            <a:extLst>
-              <a:ext uri="{FF2B5EF4-FFF2-40B4-BE49-F238E27FC236}">
-                <a16:creationId xmlns:a16="http://schemas.microsoft.com/office/drawing/2014/main" id="{1B0813F0-0608-43A3-9E53-0BA015EDE231}"/>
-              </a:ext>
-            </a:extLst>
-          </p:cNvPr>
-          <p:cNvGrpSpPr/>
-          <p:nvPr/>
-        </p:nvGrpSpPr>
-        <p:grpSpPr>
-          <a:xfrm>
-            <a:off x="557400" y="188165"/>
-            <a:ext cx="3862199" cy="830997"/>
-            <a:chOff x="3819245" y="188165"/>
-            <a:chExt cx="3862199" cy="830997"/>
-          </a:xfrm>
-        </p:grpSpPr>
-        <p:sp>
-          <p:nvSpPr>
-            <p:cNvPr id="8" name="직사각형 7">
-              <a:extLst>
-                <a:ext uri="{FF2B5EF4-FFF2-40B4-BE49-F238E27FC236}">
-                  <a16:creationId xmlns:a16="http://schemas.microsoft.com/office/drawing/2014/main" id="{7D0033C3-456D-4151-9AAB-F0A2E961A5B6}"/>
-                </a:ext>
-              </a:extLst>
-            </p:cNvPr>
-            <p:cNvSpPr/>
-            <p:nvPr/>
-          </p:nvSpPr>
-          <p:spPr>
-            <a:xfrm>
-              <a:off x="4264699" y="274417"/>
-              <a:ext cx="3416745" cy="523220"/>
-            </a:xfrm>
-            <a:prstGeom prst="rect">
-              <a:avLst/>
-            </a:prstGeom>
-          </p:spPr>
-          <p:txBody>
-            <a:bodyPr wrap="square" anchor="ctr">
-              <a:spAutoFit/>
-            </a:bodyPr>
-            <a:lstStyle/>
-            <a:p>
-              <a:r>
-                <a:rPr lang="ko-KR" altLang="en-US" sz="2800" b="1" dirty="0" smtClean="0">
-                  <a:solidFill>
-                    <a:schemeClr val="tx1">
-                      <a:lumMod val="65000"/>
-                      <a:lumOff val="35000"/>
-                    </a:schemeClr>
-                  </a:solidFill>
-                  <a:latin typeface="+mn-ea"/>
-                  <a:cs typeface="KoPubWorld돋움체 Bold" panose="00000800000000000000" pitchFamily="2" charset="-127"/>
-                </a:rPr>
-                <a:t>사용된 변수 </a:t>
-              </a:r>
-              <a:r>
-                <a:rPr lang="en-US" altLang="ko-KR" sz="2800" b="1" dirty="0" smtClean="0">
-                  <a:solidFill>
-                    <a:schemeClr val="tx1">
-                      <a:lumMod val="65000"/>
-                      <a:lumOff val="35000"/>
-                    </a:schemeClr>
-                  </a:solidFill>
-                  <a:latin typeface="+mn-ea"/>
-                  <a:cs typeface="KoPubWorld돋움체 Bold" panose="00000800000000000000" pitchFamily="2" charset="-127"/>
-                </a:rPr>
-                <a:t>&amp; </a:t>
-              </a:r>
-              <a:r>
-                <a:rPr lang="ko-KR" altLang="en-US" sz="2800" b="1" dirty="0" smtClean="0">
-                  <a:solidFill>
-                    <a:schemeClr val="tx1">
-                      <a:lumMod val="65000"/>
-                      <a:lumOff val="35000"/>
-                    </a:schemeClr>
-                  </a:solidFill>
-                  <a:latin typeface="+mn-ea"/>
-                  <a:cs typeface="KoPubWorld돋움체 Bold" panose="00000800000000000000" pitchFamily="2" charset="-127"/>
-                </a:rPr>
-                <a:t>함수</a:t>
-              </a:r>
-              <a:endParaRPr lang="ko-KR" altLang="en-US" sz="2800" b="1" dirty="0">
-                <a:solidFill>
-                  <a:schemeClr val="tx1">
-                    <a:lumMod val="65000"/>
-                    <a:lumOff val="35000"/>
-                  </a:schemeClr>
-                </a:solidFill>
-                <a:latin typeface="+mn-ea"/>
-                <a:cs typeface="KoPubWorld돋움체 Bold" panose="00000800000000000000" pitchFamily="2" charset="-127"/>
-              </a:endParaRPr>
-            </a:p>
-          </p:txBody>
-        </p:sp>
-        <p:sp>
-          <p:nvSpPr>
-            <p:cNvPr id="9" name="TextBox 8">
-              <a:extLst>
-                <a:ext uri="{FF2B5EF4-FFF2-40B4-BE49-F238E27FC236}">
-                  <a16:creationId xmlns:a16="http://schemas.microsoft.com/office/drawing/2014/main" id="{1841637C-F02D-4ED4-9B17-10A92FFC6619}"/>
-                </a:ext>
-              </a:extLst>
-            </p:cNvPr>
-            <p:cNvSpPr txBox="1"/>
-            <p:nvPr/>
-          </p:nvSpPr>
-          <p:spPr>
-            <a:xfrm>
-              <a:off x="3819245" y="188165"/>
-              <a:ext cx="530915" cy="830997"/>
-            </a:xfrm>
-            <a:prstGeom prst="rect">
-              <a:avLst/>
-            </a:prstGeom>
-            <a:noFill/>
-          </p:spPr>
-          <p:txBody>
-            <a:bodyPr wrap="none" rtlCol="0">
-              <a:spAutoFit/>
-            </a:bodyPr>
-            <a:lstStyle/>
-            <a:p>
-              <a:r>
-                <a:rPr lang="en-US" altLang="ko-KR" sz="4800" b="1" dirty="0" smtClean="0">
-                  <a:solidFill>
-                    <a:srgbClr val="64DECF"/>
-                  </a:solidFill>
-                  <a:latin typeface="KoPubWorld돋움체 Bold" panose="00000800000000000000" pitchFamily="2" charset="-127"/>
-                  <a:ea typeface="KoPubWorld돋움체 Bold" panose="00000800000000000000" pitchFamily="2" charset="-127"/>
-                  <a:cs typeface="KoPubWorld돋움체 Bold" panose="00000800000000000000" pitchFamily="2" charset="-127"/>
-                </a:rPr>
-                <a:t>3</a:t>
-              </a:r>
-              <a:endParaRPr lang="ko-KR" altLang="en-US" sz="4800" b="1" dirty="0">
-                <a:solidFill>
-                  <a:srgbClr val="64DECF"/>
-                </a:solidFill>
-                <a:latin typeface="KoPubWorld돋움체 Bold" panose="00000800000000000000" pitchFamily="2" charset="-127"/>
-                <a:ea typeface="KoPubWorld돋움체 Bold" panose="00000800000000000000" pitchFamily="2" charset="-127"/>
-                <a:cs typeface="KoPubWorld돋움체 Bold" panose="00000800000000000000" pitchFamily="2" charset="-127"/>
-              </a:endParaRPr>
-            </a:p>
-          </p:txBody>
-        </p:sp>
-      </p:grpSp>
       <p:sp>
         <p:nvSpPr>
           <p:cNvPr id="11" name="TextBox 10">
@@ -5517,6 +4696,143 @@
           </a:p>
         </p:txBody>
       </p:sp>
+      <p:grpSp>
+        <p:nvGrpSpPr>
+          <p:cNvPr id="12" name="그룹 11">
+            <a:extLst>
+              <a:ext uri="{FF2B5EF4-FFF2-40B4-BE49-F238E27FC236}">
+                <a16:creationId xmlns:a16="http://schemas.microsoft.com/office/drawing/2014/main" id="{1B0813F0-0608-43A3-9E53-0BA015EDE231}"/>
+              </a:ext>
+            </a:extLst>
+          </p:cNvPr>
+          <p:cNvGrpSpPr/>
+          <p:nvPr/>
+        </p:nvGrpSpPr>
+        <p:grpSpPr>
+          <a:xfrm>
+            <a:off x="557400" y="188165"/>
+            <a:ext cx="3862199" cy="830997"/>
+            <a:chOff x="3819245" y="188165"/>
+            <a:chExt cx="3862199" cy="830997"/>
+          </a:xfrm>
+        </p:grpSpPr>
+        <p:sp>
+          <p:nvSpPr>
+            <p:cNvPr id="13" name="직사각형 12">
+              <a:extLst>
+                <a:ext uri="{FF2B5EF4-FFF2-40B4-BE49-F238E27FC236}">
+                  <a16:creationId xmlns:a16="http://schemas.microsoft.com/office/drawing/2014/main" id="{7D0033C3-456D-4151-9AAB-F0A2E961A5B6}"/>
+                </a:ext>
+              </a:extLst>
+            </p:cNvPr>
+            <p:cNvSpPr/>
+            <p:nvPr/>
+          </p:nvSpPr>
+          <p:spPr>
+            <a:xfrm>
+              <a:off x="4264699" y="274417"/>
+              <a:ext cx="3416745" cy="523220"/>
+            </a:xfrm>
+            <a:prstGeom prst="rect">
+              <a:avLst/>
+            </a:prstGeom>
+          </p:spPr>
+          <p:txBody>
+            <a:bodyPr wrap="square" anchor="ctr">
+              <a:spAutoFit/>
+            </a:bodyPr>
+            <a:lstStyle/>
+            <a:p>
+              <a:r>
+                <a:rPr lang="ko-KR" altLang="en-US" sz="2800" b="1" dirty="0" err="1" smtClean="0">
+                  <a:solidFill>
+                    <a:schemeClr val="tx1">
+                      <a:lumMod val="65000"/>
+                      <a:lumOff val="35000"/>
+                    </a:schemeClr>
+                  </a:solidFill>
+                  <a:latin typeface="+mn-ea"/>
+                  <a:cs typeface="KoPubWorld돋움체 Bold" panose="00000800000000000000" pitchFamily="2" charset="-127"/>
+                </a:rPr>
+                <a:t>로직</a:t>
+              </a:r>
+              <a:r>
+                <a:rPr lang="ko-KR" altLang="en-US" sz="2800" b="1" dirty="0" smtClean="0">
+                  <a:solidFill>
+                    <a:schemeClr val="tx1">
+                      <a:lumMod val="65000"/>
+                      <a:lumOff val="35000"/>
+                    </a:schemeClr>
+                  </a:solidFill>
+                  <a:latin typeface="+mn-ea"/>
+                  <a:cs typeface="KoPubWorld돋움체 Bold" panose="00000800000000000000" pitchFamily="2" charset="-127"/>
+                </a:rPr>
+                <a:t> 설명</a:t>
+              </a:r>
+              <a:endParaRPr lang="ko-KR" altLang="en-US" sz="2800" b="1" dirty="0">
+                <a:solidFill>
+                  <a:schemeClr val="tx1">
+                    <a:lumMod val="65000"/>
+                    <a:lumOff val="35000"/>
+                  </a:schemeClr>
+                </a:solidFill>
+                <a:latin typeface="+mn-ea"/>
+                <a:cs typeface="KoPubWorld돋움체 Bold" panose="00000800000000000000" pitchFamily="2" charset="-127"/>
+              </a:endParaRPr>
+            </a:p>
+          </p:txBody>
+        </p:sp>
+        <p:sp>
+          <p:nvSpPr>
+            <p:cNvPr id="14" name="TextBox 13">
+              <a:extLst>
+                <a:ext uri="{FF2B5EF4-FFF2-40B4-BE49-F238E27FC236}">
+                  <a16:creationId xmlns:a16="http://schemas.microsoft.com/office/drawing/2014/main" id="{1841637C-F02D-4ED4-9B17-10A92FFC6619}"/>
+                </a:ext>
+              </a:extLst>
+            </p:cNvPr>
+            <p:cNvSpPr txBox="1"/>
+            <p:nvPr/>
+          </p:nvSpPr>
+          <p:spPr>
+            <a:xfrm>
+              <a:off x="3819245" y="188165"/>
+              <a:ext cx="530915" cy="830997"/>
+            </a:xfrm>
+            <a:prstGeom prst="rect">
+              <a:avLst/>
+            </a:prstGeom>
+            <a:noFill/>
+          </p:spPr>
+          <p:txBody>
+            <a:bodyPr wrap="none" rtlCol="0">
+              <a:spAutoFit/>
+            </a:bodyPr>
+            <a:lstStyle/>
+            <a:p>
+              <a:r>
+                <a:rPr lang="en-US" altLang="ko-KR" sz="4800" b="1" dirty="0" smtClean="0">
+                  <a:solidFill>
+                    <a:srgbClr val="64DECF"/>
+                  </a:solidFill>
+                  <a:latin typeface="KoPubWorld돋움체 Bold" panose="00000800000000000000" pitchFamily="2" charset="-127"/>
+                  <a:ea typeface="KoPubWorld돋움체 Bold" panose="00000800000000000000" pitchFamily="2" charset="-127"/>
+                  <a:cs typeface="KoPubWorld돋움체 Bold" panose="00000800000000000000" pitchFamily="2" charset="-127"/>
+                </a:rPr>
+                <a:t>4</a:t>
+              </a:r>
+              <a:endParaRPr lang="ko-KR" altLang="en-US" sz="4800" b="1" dirty="0">
+                <a:solidFill>
+                  <a:srgbClr val="64DECF"/>
+                </a:solidFill>
+                <a:latin typeface="KoPubWorld돋움체 Bold" panose="00000800000000000000" pitchFamily="2" charset="-127"/>
+                <a:ea typeface="KoPubWorld돋움체 Bold" panose="00000800000000000000" pitchFamily="2" charset="-127"/>
+                <a:cs typeface="KoPubWorld돋움체 Bold" panose="00000800000000000000" pitchFamily="2" charset="-127"/>
+              </a:endParaRPr>
+            </a:p>
+          </p:txBody>
+        </p:sp>
+      </p:grpSp>
     </p:spTree>
     <p:extLst>
       <p:ext uri="{BB962C8B-B14F-4D97-AF65-F5344CB8AC3E}">
@@ -5537,7 +4853,7 @@
 </p:sld>
 </file>
 
-<file path=ppt/slides/slide12.xml><?xml version="1.0" encoding="utf-8"?>
+<file path=ppt/slides/slide11.xml><?xml version="1.0" encoding="utf-8"?>
 <p:sld xmlns:a="http://schemas.openxmlformats.org/drawingml/2006/main" xmlns:r="http://schemas.openxmlformats.org/officeDocument/2006/relationships" xmlns:p="http://schemas.openxmlformats.org/presentationml/2006/main">
   <p:cSld>
     <p:spTree>
@@ -5606,156 +4922,6 @@
           </a:p>
         </p:txBody>
       </p:sp>
-      <p:grpSp>
-        <p:nvGrpSpPr>
-          <p:cNvPr id="7" name="그룹 6">
-            <a:extLst>
-              <a:ext uri="{FF2B5EF4-FFF2-40B4-BE49-F238E27FC236}">
-                <a16:creationId xmlns:a16="http://schemas.microsoft.com/office/drawing/2014/main" id="{1B0813F0-0608-43A3-9E53-0BA015EDE231}"/>
-              </a:ext>
-            </a:extLst>
-          </p:cNvPr>
-          <p:cNvGrpSpPr/>
-          <p:nvPr/>
-        </p:nvGrpSpPr>
-        <p:grpSpPr>
-          <a:xfrm>
-            <a:off x="557400" y="188165"/>
-            <a:ext cx="3862199" cy="830997"/>
-            <a:chOff x="3819245" y="188165"/>
-            <a:chExt cx="3862199" cy="830997"/>
-          </a:xfrm>
-        </p:grpSpPr>
-        <p:sp>
-          <p:nvSpPr>
-            <p:cNvPr id="8" name="직사각형 7">
-              <a:extLst>
-                <a:ext uri="{FF2B5EF4-FFF2-40B4-BE49-F238E27FC236}">
-                  <a16:creationId xmlns:a16="http://schemas.microsoft.com/office/drawing/2014/main" id="{7D0033C3-456D-4151-9AAB-F0A2E961A5B6}"/>
-                </a:ext>
-              </a:extLst>
-            </p:cNvPr>
-            <p:cNvSpPr/>
-            <p:nvPr/>
-          </p:nvSpPr>
-          <p:spPr>
-            <a:xfrm>
-              <a:off x="4264699" y="274417"/>
-              <a:ext cx="3416745" cy="523220"/>
-            </a:xfrm>
-            <a:prstGeom prst="rect">
-              <a:avLst/>
-            </a:prstGeom>
-          </p:spPr>
-          <p:txBody>
-            <a:bodyPr wrap="square" anchor="ctr">
-              <a:spAutoFit/>
-            </a:bodyPr>
-            <a:lstStyle/>
-            <a:p>
-              <a:r>
-                <a:rPr lang="ko-KR" altLang="en-US" sz="2800" b="1" dirty="0" smtClean="0">
-                  <a:solidFill>
-                    <a:schemeClr val="tx1">
-                      <a:lumMod val="65000"/>
-                      <a:lumOff val="35000"/>
-                    </a:schemeClr>
-                  </a:solidFill>
-                  <a:latin typeface="+mn-ea"/>
-                  <a:cs typeface="KoPubWorld돋움체 Bold" panose="00000800000000000000" pitchFamily="2" charset="-127"/>
-                </a:rPr>
-                <a:t>사용된 변수 </a:t>
-              </a:r>
-              <a:r>
-                <a:rPr lang="en-US" altLang="ko-KR" sz="2800" b="1" dirty="0" smtClean="0">
-                  <a:solidFill>
-                    <a:schemeClr val="tx1">
-                      <a:lumMod val="65000"/>
-                      <a:lumOff val="35000"/>
-                    </a:schemeClr>
-                  </a:solidFill>
-                  <a:latin typeface="+mn-ea"/>
-                  <a:cs typeface="KoPubWorld돋움체 Bold" panose="00000800000000000000" pitchFamily="2" charset="-127"/>
-                </a:rPr>
-                <a:t>&amp; </a:t>
-              </a:r>
-              <a:r>
-                <a:rPr lang="ko-KR" altLang="en-US" sz="2800" b="1" dirty="0" smtClean="0">
-                  <a:solidFill>
-                    <a:schemeClr val="tx1">
-                      <a:lumMod val="65000"/>
-                      <a:lumOff val="35000"/>
-                    </a:schemeClr>
-                  </a:solidFill>
-                  <a:latin typeface="+mn-ea"/>
-                  <a:cs typeface="KoPubWorld돋움체 Bold" panose="00000800000000000000" pitchFamily="2" charset="-127"/>
-                </a:rPr>
-                <a:t>함수</a:t>
-              </a:r>
-              <a:endParaRPr lang="ko-KR" altLang="en-US" sz="2800" b="1" dirty="0">
-                <a:solidFill>
-                  <a:schemeClr val="tx1">
-                    <a:lumMod val="65000"/>
-                    <a:lumOff val="35000"/>
-                  </a:schemeClr>
-                </a:solidFill>
-                <a:latin typeface="+mn-ea"/>
-                <a:cs typeface="KoPubWorld돋움체 Bold" panose="00000800000000000000" pitchFamily="2" charset="-127"/>
-              </a:endParaRPr>
-            </a:p>
-          </p:txBody>
-        </p:sp>
-        <p:sp>
-          <p:nvSpPr>
-            <p:cNvPr id="9" name="TextBox 8">
-              <a:extLst>
-                <a:ext uri="{FF2B5EF4-FFF2-40B4-BE49-F238E27FC236}">
-                  <a16:creationId xmlns:a16="http://schemas.microsoft.com/office/drawing/2014/main" id="{1841637C-F02D-4ED4-9B17-10A92FFC6619}"/>
-                </a:ext>
-              </a:extLst>
-            </p:cNvPr>
-            <p:cNvSpPr txBox="1"/>
-            <p:nvPr/>
-          </p:nvSpPr>
-          <p:spPr>
-            <a:xfrm>
-              <a:off x="3819245" y="188165"/>
-              <a:ext cx="530915" cy="830997"/>
-            </a:xfrm>
-            <a:prstGeom prst="rect">
-              <a:avLst/>
-            </a:prstGeom>
-            <a:noFill/>
-          </p:spPr>
-          <p:txBody>
-            <a:bodyPr wrap="none" rtlCol="0">
-              <a:spAutoFit/>
-            </a:bodyPr>
-            <a:lstStyle/>
-            <a:p>
-              <a:r>
-                <a:rPr lang="en-US" altLang="ko-KR" sz="4800" b="1" dirty="0" smtClean="0">
-                  <a:solidFill>
-                    <a:srgbClr val="64DECF"/>
-                  </a:solidFill>
-                  <a:latin typeface="KoPubWorld돋움체 Bold" panose="00000800000000000000" pitchFamily="2" charset="-127"/>
-                  <a:ea typeface="KoPubWorld돋움체 Bold" panose="00000800000000000000" pitchFamily="2" charset="-127"/>
-                  <a:cs typeface="KoPubWorld돋움체 Bold" panose="00000800000000000000" pitchFamily="2" charset="-127"/>
-                </a:rPr>
-                <a:t>3</a:t>
-              </a:r>
-              <a:endParaRPr lang="ko-KR" altLang="en-US" sz="4800" b="1" dirty="0">
-                <a:solidFill>
-                  <a:srgbClr val="64DECF"/>
-                </a:solidFill>
-                <a:latin typeface="KoPubWorld돋움체 Bold" panose="00000800000000000000" pitchFamily="2" charset="-127"/>
-                <a:ea typeface="KoPubWorld돋움체 Bold" panose="00000800000000000000" pitchFamily="2" charset="-127"/>
-                <a:cs typeface="KoPubWorld돋움체 Bold" panose="00000800000000000000" pitchFamily="2" charset="-127"/>
-              </a:endParaRPr>
-            </a:p>
-          </p:txBody>
-        </p:sp>
-      </p:grpSp>
       <p:pic>
         <p:nvPicPr>
           <p:cNvPr id="2" name="그림 1"/>
@@ -7724,6 +6890,143 @@
           </a:p>
         </p:txBody>
       </p:sp>
+      <p:grpSp>
+        <p:nvGrpSpPr>
+          <p:cNvPr id="10" name="그룹 9">
+            <a:extLst>
+              <a:ext uri="{FF2B5EF4-FFF2-40B4-BE49-F238E27FC236}">
+                <a16:creationId xmlns:a16="http://schemas.microsoft.com/office/drawing/2014/main" id="{1B0813F0-0608-43A3-9E53-0BA015EDE231}"/>
+              </a:ext>
+            </a:extLst>
+          </p:cNvPr>
+          <p:cNvGrpSpPr/>
+          <p:nvPr/>
+        </p:nvGrpSpPr>
+        <p:grpSpPr>
+          <a:xfrm>
+            <a:off x="557400" y="188165"/>
+            <a:ext cx="3862199" cy="830997"/>
+            <a:chOff x="3819245" y="188165"/>
+            <a:chExt cx="3862199" cy="830997"/>
+          </a:xfrm>
+        </p:grpSpPr>
+        <p:sp>
+          <p:nvSpPr>
+            <p:cNvPr id="12" name="직사각형 11">
+              <a:extLst>
+                <a:ext uri="{FF2B5EF4-FFF2-40B4-BE49-F238E27FC236}">
+                  <a16:creationId xmlns:a16="http://schemas.microsoft.com/office/drawing/2014/main" id="{7D0033C3-456D-4151-9AAB-F0A2E961A5B6}"/>
+                </a:ext>
+              </a:extLst>
+            </p:cNvPr>
+            <p:cNvSpPr/>
+            <p:nvPr/>
+          </p:nvSpPr>
+          <p:spPr>
+            <a:xfrm>
+              <a:off x="4264699" y="274417"/>
+              <a:ext cx="3416745" cy="523220"/>
+            </a:xfrm>
+            <a:prstGeom prst="rect">
+              <a:avLst/>
+            </a:prstGeom>
+          </p:spPr>
+          <p:txBody>
+            <a:bodyPr wrap="square" anchor="ctr">
+              <a:spAutoFit/>
+            </a:bodyPr>
+            <a:lstStyle/>
+            <a:p>
+              <a:r>
+                <a:rPr lang="ko-KR" altLang="en-US" sz="2800" b="1" dirty="0" err="1" smtClean="0">
+                  <a:solidFill>
+                    <a:schemeClr val="tx1">
+                      <a:lumMod val="65000"/>
+                      <a:lumOff val="35000"/>
+                    </a:schemeClr>
+                  </a:solidFill>
+                  <a:latin typeface="+mn-ea"/>
+                  <a:cs typeface="KoPubWorld돋움체 Bold" panose="00000800000000000000" pitchFamily="2" charset="-127"/>
+                </a:rPr>
+                <a:t>로직</a:t>
+              </a:r>
+              <a:r>
+                <a:rPr lang="ko-KR" altLang="en-US" sz="2800" b="1" dirty="0" smtClean="0">
+                  <a:solidFill>
+                    <a:schemeClr val="tx1">
+                      <a:lumMod val="65000"/>
+                      <a:lumOff val="35000"/>
+                    </a:schemeClr>
+                  </a:solidFill>
+                  <a:latin typeface="+mn-ea"/>
+                  <a:cs typeface="KoPubWorld돋움체 Bold" panose="00000800000000000000" pitchFamily="2" charset="-127"/>
+                </a:rPr>
+                <a:t> 설명</a:t>
+              </a:r>
+              <a:endParaRPr lang="ko-KR" altLang="en-US" sz="2800" b="1" dirty="0">
+                <a:solidFill>
+                  <a:schemeClr val="tx1">
+                    <a:lumMod val="65000"/>
+                    <a:lumOff val="35000"/>
+                  </a:schemeClr>
+                </a:solidFill>
+                <a:latin typeface="+mn-ea"/>
+                <a:cs typeface="KoPubWorld돋움체 Bold" panose="00000800000000000000" pitchFamily="2" charset="-127"/>
+              </a:endParaRPr>
+            </a:p>
+          </p:txBody>
+        </p:sp>
+        <p:sp>
+          <p:nvSpPr>
+            <p:cNvPr id="14" name="TextBox 13">
+              <a:extLst>
+                <a:ext uri="{FF2B5EF4-FFF2-40B4-BE49-F238E27FC236}">
+                  <a16:creationId xmlns:a16="http://schemas.microsoft.com/office/drawing/2014/main" id="{1841637C-F02D-4ED4-9B17-10A92FFC6619}"/>
+                </a:ext>
+              </a:extLst>
+            </p:cNvPr>
+            <p:cNvSpPr txBox="1"/>
+            <p:nvPr/>
+          </p:nvSpPr>
+          <p:spPr>
+            <a:xfrm>
+              <a:off x="3819245" y="188165"/>
+              <a:ext cx="530915" cy="830997"/>
+            </a:xfrm>
+            <a:prstGeom prst="rect">
+              <a:avLst/>
+            </a:prstGeom>
+            <a:noFill/>
+          </p:spPr>
+          <p:txBody>
+            <a:bodyPr wrap="none" rtlCol="0">
+              <a:spAutoFit/>
+            </a:bodyPr>
+            <a:lstStyle/>
+            <a:p>
+              <a:r>
+                <a:rPr lang="en-US" altLang="ko-KR" sz="4800" b="1" dirty="0" smtClean="0">
+                  <a:solidFill>
+                    <a:srgbClr val="64DECF"/>
+                  </a:solidFill>
+                  <a:latin typeface="KoPubWorld돋움체 Bold" panose="00000800000000000000" pitchFamily="2" charset="-127"/>
+                  <a:ea typeface="KoPubWorld돋움체 Bold" panose="00000800000000000000" pitchFamily="2" charset="-127"/>
+                  <a:cs typeface="KoPubWorld돋움체 Bold" panose="00000800000000000000" pitchFamily="2" charset="-127"/>
+                </a:rPr>
+                <a:t>4</a:t>
+              </a:r>
+              <a:endParaRPr lang="ko-KR" altLang="en-US" sz="4800" b="1" dirty="0">
+                <a:solidFill>
+                  <a:srgbClr val="64DECF"/>
+                </a:solidFill>
+                <a:latin typeface="KoPubWorld돋움체 Bold" panose="00000800000000000000" pitchFamily="2" charset="-127"/>
+                <a:ea typeface="KoPubWorld돋움체 Bold" panose="00000800000000000000" pitchFamily="2" charset="-127"/>
+                <a:cs typeface="KoPubWorld돋움체 Bold" panose="00000800000000000000" pitchFamily="2" charset="-127"/>
+              </a:endParaRPr>
+            </a:p>
+          </p:txBody>
+        </p:sp>
+      </p:grpSp>
     </p:spTree>
     <p:extLst>
       <p:ext uri="{BB962C8B-B14F-4D97-AF65-F5344CB8AC3E}">
@@ -7744,7 +7047,7 @@
 </p:sld>
 </file>
 
-<file path=ppt/slides/slide13.xml><?xml version="1.0" encoding="utf-8"?>
+<file path=ppt/slides/slide12.xml><?xml version="1.0" encoding="utf-8"?>
 <p:sld xmlns:a="http://schemas.openxmlformats.org/drawingml/2006/main" xmlns:r="http://schemas.openxmlformats.org/officeDocument/2006/relationships" xmlns:p="http://schemas.openxmlformats.org/presentationml/2006/main">
   <p:cSld>
     <p:spTree>
@@ -9062,7 +8365,7 @@
 </p:sld>
 </file>
 
-<file path=ppt/slides/slide14.xml><?xml version="1.0" encoding="utf-8"?>
+<file path=ppt/slides/slide13.xml><?xml version="1.0" encoding="utf-8"?>
 <p:sld xmlns:a="http://schemas.openxmlformats.org/drawingml/2006/main" xmlns:r="http://schemas.openxmlformats.org/officeDocument/2006/relationships" xmlns:p="http://schemas.openxmlformats.org/presentationml/2006/main">
   <p:cSld>
     <p:spTree>
@@ -10077,7 +9380,7 @@
 </p:sld>
 </file>
 
-<file path=ppt/slides/slide15.xml><?xml version="1.0" encoding="utf-8"?>
+<file path=ppt/slides/slide14.xml><?xml version="1.0" encoding="utf-8"?>
 <p:sld xmlns:a="http://schemas.openxmlformats.org/drawingml/2006/main" xmlns:r="http://schemas.openxmlformats.org/officeDocument/2006/relationships" xmlns:p="http://schemas.openxmlformats.org/presentationml/2006/main">
   <p:cSld>
     <p:spTree>
@@ -10466,7 +9769,7 @@
 </p:sld>
 </file>
 
-<file path=ppt/slides/slide16.xml><?xml version="1.0" encoding="utf-8"?>
+<file path=ppt/slides/slide15.xml><?xml version="1.0" encoding="utf-8"?>
 <p:sld xmlns:a="http://schemas.openxmlformats.org/drawingml/2006/main" xmlns:r="http://schemas.openxmlformats.org/officeDocument/2006/relationships" xmlns:p="http://schemas.openxmlformats.org/presentationml/2006/main">
   <p:cSld>
     <p:spTree>
@@ -13630,6 +12933,84 @@
           </a:prstGeom>
         </p:spPr>
       </p:pic>
+      <p:pic>
+        <p:nvPicPr>
+          <p:cNvPr id="10" name="그림 9"/>
+          <p:cNvPicPr>
+            <a:picLocks noChangeAspect="1"/>
+          </p:cNvPicPr>
+          <p:nvPr/>
+        </p:nvPicPr>
+        <p:blipFill>
+          <a:blip r:embed="rId3"/>
+          <a:stretch>
+            <a:fillRect/>
+          </a:stretch>
+        </p:blipFill>
+        <p:spPr>
+          <a:xfrm>
+            <a:off x="4758139" y="1622795"/>
+            <a:ext cx="6876461" cy="4945058"/>
+          </a:xfrm>
+          <a:prstGeom prst="rect">
+            <a:avLst/>
+          </a:prstGeom>
+        </p:spPr>
+      </p:pic>
+      <p:sp>
+        <p:nvSpPr>
+          <p:cNvPr id="12" name="TextBox 11">
+            <a:extLst>
+              <a:ext uri="{FF2B5EF4-FFF2-40B4-BE49-F238E27FC236}">
+                <a16:creationId xmlns:a16="http://schemas.microsoft.com/office/drawing/2014/main" id="{9BD65EA8-75FC-4381-8F1B-C7736D8545B7}"/>
+              </a:ext>
+            </a:extLst>
+          </p:cNvPr>
+          <p:cNvSpPr txBox="1"/>
+          <p:nvPr/>
+        </p:nvSpPr>
+        <p:spPr>
+          <a:xfrm>
+            <a:off x="4758141" y="1222687"/>
+            <a:ext cx="844109" cy="400110"/>
+          </a:xfrm>
+          <a:prstGeom prst="rect">
+            <a:avLst/>
+          </a:prstGeom>
+          <a:noFill/>
+        </p:spPr>
+        <p:txBody>
+          <a:bodyPr wrap="square" rtlCol="0" anchor="ctr">
+            <a:spAutoFit/>
+          </a:bodyPr>
+          <a:lstStyle/>
+          <a:p>
+            <a:r>
+              <a:rPr lang="ko-KR" altLang="en-US" sz="2000" b="1" dirty="0" smtClean="0">
+                <a:solidFill>
+                  <a:schemeClr val="tx1">
+                    <a:lumMod val="65000"/>
+                    <a:lumOff val="35000"/>
+                  </a:schemeClr>
+                </a:solidFill>
+                <a:latin typeface="+mn-ea"/>
+                <a:cs typeface="KoPubWorld돋움체 Bold" panose="00000800000000000000" pitchFamily="2" charset="-127"/>
+              </a:rPr>
+              <a:t>함수</a:t>
+            </a:r>
+            <a:endParaRPr lang="ko-KR" altLang="en-US" sz="2000" b="1" dirty="0">
+              <a:solidFill>
+                <a:schemeClr val="tx1">
+                  <a:lumMod val="65000"/>
+                  <a:lumOff val="35000"/>
+                </a:schemeClr>
+              </a:solidFill>
+              <a:latin typeface="+mn-ea"/>
+              <a:cs typeface="KoPubWorld돋움체 Bold" panose="00000800000000000000" pitchFamily="2" charset="-127"/>
+            </a:endParaRPr>
+          </a:p>
+        </p:txBody>
+      </p:sp>
     </p:spTree>
     <p:extLst>
       <p:ext uri="{BB962C8B-B14F-4D97-AF65-F5344CB8AC3E}">
@@ -13669,7 +13050,7 @@
       </p:grpSpPr>
       <p:pic>
         <p:nvPicPr>
-          <p:cNvPr id="2" name="그림 1"/>
+          <p:cNvPr id="20" name="그림 19"/>
           <p:cNvPicPr>
             <a:picLocks noChangeAspect="1"/>
           </p:cNvPicPr>
@@ -13683,8 +13064,8 @@
         </p:blipFill>
         <p:spPr>
           <a:xfrm>
-            <a:off x="557399" y="1622795"/>
-            <a:ext cx="6876461" cy="4945058"/>
+            <a:off x="557399" y="1622796"/>
+            <a:ext cx="7963469" cy="4945057"/>
           </a:xfrm>
           <a:prstGeom prst="rect">
             <a:avLst/>
@@ -13908,323 +13289,6 @@
         <p:spPr>
           <a:xfrm>
             <a:off x="557401" y="1222687"/>
-            <a:ext cx="844109" cy="400110"/>
-          </a:xfrm>
-          <a:prstGeom prst="rect">
-            <a:avLst/>
-          </a:prstGeom>
-          <a:noFill/>
-        </p:spPr>
-        <p:txBody>
-          <a:bodyPr wrap="square" rtlCol="0" anchor="ctr">
-            <a:spAutoFit/>
-          </a:bodyPr>
-          <a:lstStyle/>
-          <a:p>
-            <a:r>
-              <a:rPr lang="ko-KR" altLang="en-US" sz="2000" b="1" dirty="0" smtClean="0">
-                <a:solidFill>
-                  <a:schemeClr val="tx1">
-                    <a:lumMod val="65000"/>
-                    <a:lumOff val="35000"/>
-                  </a:schemeClr>
-                </a:solidFill>
-                <a:latin typeface="+mn-ea"/>
-                <a:cs typeface="KoPubWorld돋움체 Bold" panose="00000800000000000000" pitchFamily="2" charset="-127"/>
-              </a:rPr>
-              <a:t>함수</a:t>
-            </a:r>
-            <a:endParaRPr lang="ko-KR" altLang="en-US" sz="2000" b="1" dirty="0">
-              <a:solidFill>
-                <a:schemeClr val="tx1">
-                  <a:lumMod val="65000"/>
-                  <a:lumOff val="35000"/>
-                </a:schemeClr>
-              </a:solidFill>
-              <a:latin typeface="+mn-ea"/>
-              <a:cs typeface="KoPubWorld돋움체 Bold" panose="00000800000000000000" pitchFamily="2" charset="-127"/>
-            </a:endParaRPr>
-          </a:p>
-        </p:txBody>
-      </p:sp>
-    </p:spTree>
-    <p:extLst>
-      <p:ext uri="{BB962C8B-B14F-4D97-AF65-F5344CB8AC3E}">
-        <p14:creationId xmlns:p14="http://schemas.microsoft.com/office/powerpoint/2010/main" val="1758750722"/>
-      </p:ext>
-    </p:extLst>
-  </p:cSld>
-  <p:clrMapOvr>
-    <a:masterClrMapping/>
-  </p:clrMapOvr>
-  <p:timing>
-    <p:tnLst>
-      <p:par>
-        <p:cTn id="1" dur="indefinite" restart="never" nodeType="tmRoot"/>
-      </p:par>
-    </p:tnLst>
-  </p:timing>
-</p:sld>
-</file>
-
-<file path=ppt/slides/slide8.xml><?xml version="1.0" encoding="utf-8"?>
-<p:sld xmlns:a="http://schemas.openxmlformats.org/drawingml/2006/main" xmlns:r="http://schemas.openxmlformats.org/officeDocument/2006/relationships" xmlns:p="http://schemas.openxmlformats.org/presentationml/2006/main">
-  <p:cSld>
-    <p:spTree>
-      <p:nvGrpSpPr>
-        <p:cNvPr id="1" name=""/>
-        <p:cNvGrpSpPr/>
-        <p:nvPr/>
-      </p:nvGrpSpPr>
-      <p:grpSpPr>
-        <a:xfrm>
-          <a:off x="0" y="0"/>
-          <a:ext cx="0" cy="0"/>
-          <a:chOff x="0" y="0"/>
-          <a:chExt cx="0" cy="0"/>
-        </a:xfrm>
-      </p:grpSpPr>
-      <p:pic>
-        <p:nvPicPr>
-          <p:cNvPr id="20" name="그림 19"/>
-          <p:cNvPicPr>
-            <a:picLocks noChangeAspect="1"/>
-          </p:cNvPicPr>
-          <p:nvPr/>
-        </p:nvPicPr>
-        <p:blipFill>
-          <a:blip r:embed="rId2"/>
-          <a:stretch>
-            <a:fillRect/>
-          </a:stretch>
-        </p:blipFill>
-        <p:spPr>
-          <a:xfrm>
-            <a:off x="557399" y="1622796"/>
-            <a:ext cx="7963469" cy="4945057"/>
-          </a:xfrm>
-          <a:prstGeom prst="rect">
-            <a:avLst/>
-          </a:prstGeom>
-        </p:spPr>
-      </p:pic>
-      <p:sp>
-        <p:nvSpPr>
-          <p:cNvPr id="23" name="직사각형 22">
-            <a:extLst>
-              <a:ext uri="{FF2B5EF4-FFF2-40B4-BE49-F238E27FC236}">
-                <a16:creationId xmlns:a16="http://schemas.microsoft.com/office/drawing/2014/main" id="{505D9C9E-8325-4A59-BEFC-3BC22C85BDAD}"/>
-              </a:ext>
-            </a:extLst>
-          </p:cNvPr>
-          <p:cNvSpPr/>
-          <p:nvPr/>
-        </p:nvSpPr>
-        <p:spPr>
-          <a:xfrm flipV="1">
-            <a:off x="557400" y="1001162"/>
-            <a:ext cx="11077200" cy="18000"/>
-          </a:xfrm>
-          <a:prstGeom prst="rect">
-            <a:avLst/>
-          </a:prstGeom>
-          <a:solidFill>
-            <a:srgbClr val="64DECF"/>
-          </a:solidFill>
-          <a:ln>
-            <a:noFill/>
-          </a:ln>
-        </p:spPr>
-        <p:style>
-          <a:lnRef idx="2">
-            <a:schemeClr val="accent1">
-              <a:shade val="50000"/>
-            </a:schemeClr>
-          </a:lnRef>
-          <a:fillRef idx="1">
-            <a:schemeClr val="accent1"/>
-          </a:fillRef>
-          <a:effectRef idx="0">
-            <a:schemeClr val="accent1"/>
-          </a:effectRef>
-          <a:fontRef idx="minor">
-            <a:schemeClr val="lt1"/>
-          </a:fontRef>
-        </p:style>
-        <p:txBody>
-          <a:bodyPr rtlCol="0" anchor="ctr"/>
-          <a:lstStyle/>
-          <a:p>
-            <a:pPr algn="ctr"/>
-            <a:endParaRPr lang="ko-KR" altLang="en-US"/>
-          </a:p>
-        </p:txBody>
-      </p:sp>
-      <p:grpSp>
-        <p:nvGrpSpPr>
-          <p:cNvPr id="7" name="그룹 6">
-            <a:extLst>
-              <a:ext uri="{FF2B5EF4-FFF2-40B4-BE49-F238E27FC236}">
-                <a16:creationId xmlns:a16="http://schemas.microsoft.com/office/drawing/2014/main" id="{1B0813F0-0608-43A3-9E53-0BA015EDE231}"/>
-              </a:ext>
-            </a:extLst>
-          </p:cNvPr>
-          <p:cNvGrpSpPr/>
-          <p:nvPr/>
-        </p:nvGrpSpPr>
-        <p:grpSpPr>
-          <a:xfrm>
-            <a:off x="557400" y="188165"/>
-            <a:ext cx="3862199" cy="830997"/>
-            <a:chOff x="3819245" y="188165"/>
-            <a:chExt cx="3862199" cy="830997"/>
-          </a:xfrm>
-        </p:grpSpPr>
-        <p:sp>
-          <p:nvSpPr>
-            <p:cNvPr id="8" name="직사각형 7">
-              <a:extLst>
-                <a:ext uri="{FF2B5EF4-FFF2-40B4-BE49-F238E27FC236}">
-                  <a16:creationId xmlns:a16="http://schemas.microsoft.com/office/drawing/2014/main" id="{7D0033C3-456D-4151-9AAB-F0A2E961A5B6}"/>
-                </a:ext>
-              </a:extLst>
-            </p:cNvPr>
-            <p:cNvSpPr/>
-            <p:nvPr/>
-          </p:nvSpPr>
-          <p:spPr>
-            <a:xfrm>
-              <a:off x="4264699" y="274417"/>
-              <a:ext cx="3416745" cy="523220"/>
-            </a:xfrm>
-            <a:prstGeom prst="rect">
-              <a:avLst/>
-            </a:prstGeom>
-          </p:spPr>
-          <p:txBody>
-            <a:bodyPr wrap="square" anchor="ctr">
-              <a:spAutoFit/>
-            </a:bodyPr>
-            <a:lstStyle/>
-            <a:p>
-              <a:r>
-                <a:rPr lang="ko-KR" altLang="en-US" sz="2800" b="1" dirty="0" smtClean="0">
-                  <a:solidFill>
-                    <a:schemeClr val="tx1">
-                      <a:lumMod val="65000"/>
-                      <a:lumOff val="35000"/>
-                    </a:schemeClr>
-                  </a:solidFill>
-                  <a:latin typeface="+mn-ea"/>
-                  <a:cs typeface="KoPubWorld돋움체 Bold" panose="00000800000000000000" pitchFamily="2" charset="-127"/>
-                </a:rPr>
-                <a:t>사용된 변수 </a:t>
-              </a:r>
-              <a:r>
-                <a:rPr lang="en-US" altLang="ko-KR" sz="2800" b="1" dirty="0" smtClean="0">
-                  <a:solidFill>
-                    <a:schemeClr val="tx1">
-                      <a:lumMod val="65000"/>
-                      <a:lumOff val="35000"/>
-                    </a:schemeClr>
-                  </a:solidFill>
-                  <a:latin typeface="+mn-ea"/>
-                  <a:cs typeface="KoPubWorld돋움체 Bold" panose="00000800000000000000" pitchFamily="2" charset="-127"/>
-                </a:rPr>
-                <a:t>&amp; </a:t>
-              </a:r>
-              <a:r>
-                <a:rPr lang="ko-KR" altLang="en-US" sz="2800" b="1" dirty="0" smtClean="0">
-                  <a:solidFill>
-                    <a:schemeClr val="tx1">
-                      <a:lumMod val="65000"/>
-                      <a:lumOff val="35000"/>
-                    </a:schemeClr>
-                  </a:solidFill>
-                  <a:latin typeface="+mn-ea"/>
-                  <a:cs typeface="KoPubWorld돋움체 Bold" panose="00000800000000000000" pitchFamily="2" charset="-127"/>
-                </a:rPr>
-                <a:t>함수</a:t>
-              </a:r>
-              <a:endParaRPr lang="ko-KR" altLang="en-US" sz="2800" b="1" dirty="0">
-                <a:solidFill>
-                  <a:schemeClr val="tx1">
-                    <a:lumMod val="65000"/>
-                    <a:lumOff val="35000"/>
-                  </a:schemeClr>
-                </a:solidFill>
-                <a:latin typeface="+mn-ea"/>
-                <a:cs typeface="KoPubWorld돋움체 Bold" panose="00000800000000000000" pitchFamily="2" charset="-127"/>
-              </a:endParaRPr>
-            </a:p>
-          </p:txBody>
-        </p:sp>
-        <p:sp>
-          <p:nvSpPr>
-            <p:cNvPr id="9" name="TextBox 8">
-              <a:extLst>
-                <a:ext uri="{FF2B5EF4-FFF2-40B4-BE49-F238E27FC236}">
-                  <a16:creationId xmlns:a16="http://schemas.microsoft.com/office/drawing/2014/main" id="{1841637C-F02D-4ED4-9B17-10A92FFC6619}"/>
-                </a:ext>
-              </a:extLst>
-            </p:cNvPr>
-            <p:cNvSpPr txBox="1"/>
-            <p:nvPr/>
-          </p:nvSpPr>
-          <p:spPr>
-            <a:xfrm>
-              <a:off x="3819245" y="188165"/>
-              <a:ext cx="530915" cy="830997"/>
-            </a:xfrm>
-            <a:prstGeom prst="rect">
-              <a:avLst/>
-            </a:prstGeom>
-            <a:noFill/>
-          </p:spPr>
-          <p:txBody>
-            <a:bodyPr wrap="none" rtlCol="0">
-              <a:spAutoFit/>
-            </a:bodyPr>
-            <a:lstStyle/>
-            <a:p>
-              <a:r>
-                <a:rPr lang="en-US" altLang="ko-KR" sz="4800" b="1" dirty="0" smtClean="0">
-                  <a:solidFill>
-                    <a:srgbClr val="64DECF"/>
-                  </a:solidFill>
-                  <a:latin typeface="KoPubWorld돋움체 Bold" panose="00000800000000000000" pitchFamily="2" charset="-127"/>
-                  <a:ea typeface="KoPubWorld돋움체 Bold" panose="00000800000000000000" pitchFamily="2" charset="-127"/>
-                  <a:cs typeface="KoPubWorld돋움체 Bold" panose="00000800000000000000" pitchFamily="2" charset="-127"/>
-                </a:rPr>
-                <a:t>3</a:t>
-              </a:r>
-              <a:endParaRPr lang="ko-KR" altLang="en-US" sz="4800" b="1" dirty="0">
-                <a:solidFill>
-                  <a:srgbClr val="64DECF"/>
-                </a:solidFill>
-                <a:latin typeface="KoPubWorld돋움체 Bold" panose="00000800000000000000" pitchFamily="2" charset="-127"/>
-                <a:ea typeface="KoPubWorld돋움체 Bold" panose="00000800000000000000" pitchFamily="2" charset="-127"/>
-                <a:cs typeface="KoPubWorld돋움체 Bold" panose="00000800000000000000" pitchFamily="2" charset="-127"/>
-              </a:endParaRPr>
-            </a:p>
-          </p:txBody>
-        </p:sp>
-      </p:grpSp>
-      <p:sp>
-        <p:nvSpPr>
-          <p:cNvPr id="11" name="TextBox 10">
-            <a:extLst>
-              <a:ext uri="{FF2B5EF4-FFF2-40B4-BE49-F238E27FC236}">
-                <a16:creationId xmlns:a16="http://schemas.microsoft.com/office/drawing/2014/main" id="{9BD65EA8-75FC-4381-8F1B-C7736D8545B7}"/>
-              </a:ext>
-            </a:extLst>
-          </p:cNvPr>
-          <p:cNvSpPr txBox="1"/>
-          <p:nvPr/>
-        </p:nvSpPr>
-        <p:spPr>
-          <a:xfrm>
-            <a:off x="557401" y="1222687"/>
             <a:ext cx="5588422" cy="400110"/>
           </a:xfrm>
           <a:prstGeom prst="rect">
@@ -14421,7 +13485,7 @@
 </p:sld>
 </file>
 
-<file path=ppt/slides/slide9.xml><?xml version="1.0" encoding="utf-8"?>
+<file path=ppt/slides/slide8.xml><?xml version="1.0" encoding="utf-8"?>
 <p:sld xmlns:a="http://schemas.openxmlformats.org/drawingml/2006/main" xmlns:r="http://schemas.openxmlformats.org/officeDocument/2006/relationships" xmlns:p="http://schemas.openxmlformats.org/presentationml/2006/main">
   <p:cSld>
     <p:spTree>
@@ -14538,7 +13602,7 @@
             <a:lstStyle/>
             <a:p>
               <a:r>
-                <a:rPr lang="ko-KR" altLang="en-US" sz="2800" b="1" dirty="0" smtClean="0">
+                <a:rPr lang="ko-KR" altLang="en-US" sz="2800" b="1" dirty="0" err="1" smtClean="0">
                   <a:solidFill>
                     <a:schemeClr val="tx1">
                       <a:lumMod val="65000"/>
@@ -14548,20 +13612,7 @@
                   <a:latin typeface="+mn-ea"/>
                   <a:cs typeface="KoPubWorld돋움체 Bold" panose="00000800000000000000" pitchFamily="2" charset="-127"/>
                 </a:rPr>
-                <a:t>사용된 변수 </a:t>
-              </a:r>
-              <a:r>
-                <a:rPr lang="en-US" altLang="ko-KR" sz="2800" b="1" dirty="0" smtClean="0">
-                  <a:solidFill>
-                    <a:schemeClr val="tx1">
-                      <a:lumMod val="65000"/>
-                      <a:lumOff val="35000"/>
-                    </a:schemeClr>
-                  </a:solidFill>
-                  <a:latin typeface="+mn-ea"/>
-                  <a:cs typeface="KoPubWorld돋움체 Bold" panose="00000800000000000000" pitchFamily="2" charset="-127"/>
-                </a:rPr>
-                <a:t>&amp; </a:t>
+                <a:t>로직</a:t>
               </a:r>
               <a:r>
                 <a:rPr lang="ko-KR" altLang="en-US" sz="2800" b="1" dirty="0" smtClean="0">
@@ -14574,7 +13625,7 @@
                   <a:latin typeface="+mn-ea"/>
                   <a:cs typeface="KoPubWorld돋움체 Bold" panose="00000800000000000000" pitchFamily="2" charset="-127"/>
                 </a:rPr>
-                <a:t>함수</a:t>
+                <a:t> 설명</a:t>
               </a:r>
               <a:endParaRPr lang="ko-KR" altLang="en-US" sz="2800" b="1" dirty="0">
                 <a:solidFill>
@@ -14626,7 +13677,7 @@
                   <a:ea typeface="KoPubWorld돋움체 Bold" panose="00000800000000000000" pitchFamily="2" charset="-127"/>
                   <a:cs typeface="KoPubWorld돋움체 Bold" panose="00000800000000000000" pitchFamily="2" charset="-127"/>
                 </a:rPr>
-                <a:t>3</a:t>
+                <a:t>4</a:t>
               </a:r>
               <a:endParaRPr lang="ko-KR" altLang="en-US" sz="4800" b="1" dirty="0">
                 <a:solidFill>
@@ -15138,6 +14189,652 @@
     <p:extLst>
       <p:ext uri="{BB962C8B-B14F-4D97-AF65-F5344CB8AC3E}">
         <p14:creationId xmlns:p14="http://schemas.microsoft.com/office/powerpoint/2010/main" val="2239034251"/>
+      </p:ext>
+    </p:extLst>
+  </p:cSld>
+  <p:clrMapOvr>
+    <a:masterClrMapping/>
+  </p:clrMapOvr>
+  <p:timing>
+    <p:tnLst>
+      <p:par>
+        <p:cTn id="1" dur="indefinite" restart="never" nodeType="tmRoot"/>
+      </p:par>
+    </p:tnLst>
+  </p:timing>
+</p:sld>
+</file>
+
+<file path=ppt/slides/slide9.xml><?xml version="1.0" encoding="utf-8"?>
+<p:sld xmlns:a="http://schemas.openxmlformats.org/drawingml/2006/main" xmlns:r="http://schemas.openxmlformats.org/officeDocument/2006/relationships" xmlns:p="http://schemas.openxmlformats.org/presentationml/2006/main">
+  <p:cSld>
+    <p:spTree>
+      <p:nvGrpSpPr>
+        <p:cNvPr id="1" name=""/>
+        <p:cNvGrpSpPr/>
+        <p:nvPr/>
+      </p:nvGrpSpPr>
+      <p:grpSpPr>
+        <a:xfrm>
+          <a:off x="0" y="0"/>
+          <a:ext cx="0" cy="0"/>
+          <a:chOff x="0" y="0"/>
+          <a:chExt cx="0" cy="0"/>
+        </a:xfrm>
+      </p:grpSpPr>
+      <p:sp>
+        <p:nvSpPr>
+          <p:cNvPr id="23" name="직사각형 22">
+            <a:extLst>
+              <a:ext uri="{FF2B5EF4-FFF2-40B4-BE49-F238E27FC236}">
+                <a16:creationId xmlns:a16="http://schemas.microsoft.com/office/drawing/2014/main" id="{505D9C9E-8325-4A59-BEFC-3BC22C85BDAD}"/>
+              </a:ext>
+            </a:extLst>
+          </p:cNvPr>
+          <p:cNvSpPr/>
+          <p:nvPr/>
+        </p:nvSpPr>
+        <p:spPr>
+          <a:xfrm flipV="1">
+            <a:off x="557400" y="1001162"/>
+            <a:ext cx="11077200" cy="18000"/>
+          </a:xfrm>
+          <a:prstGeom prst="rect">
+            <a:avLst/>
+          </a:prstGeom>
+          <a:solidFill>
+            <a:srgbClr val="64DECF"/>
+          </a:solidFill>
+          <a:ln>
+            <a:noFill/>
+          </a:ln>
+        </p:spPr>
+        <p:style>
+          <a:lnRef idx="2">
+            <a:schemeClr val="accent1">
+              <a:shade val="50000"/>
+            </a:schemeClr>
+          </a:lnRef>
+          <a:fillRef idx="1">
+            <a:schemeClr val="accent1"/>
+          </a:fillRef>
+          <a:effectRef idx="0">
+            <a:schemeClr val="accent1"/>
+          </a:effectRef>
+          <a:fontRef idx="minor">
+            <a:schemeClr val="lt1"/>
+          </a:fontRef>
+        </p:style>
+        <p:txBody>
+          <a:bodyPr rtlCol="0" anchor="ctr"/>
+          <a:lstStyle/>
+          <a:p>
+            <a:pPr algn="ctr"/>
+            <a:endParaRPr lang="ko-KR" altLang="en-US"/>
+          </a:p>
+        </p:txBody>
+      </p:sp>
+      <p:sp>
+        <p:nvSpPr>
+          <p:cNvPr id="11" name="TextBox 10">
+            <a:extLst>
+              <a:ext uri="{FF2B5EF4-FFF2-40B4-BE49-F238E27FC236}">
+                <a16:creationId xmlns:a16="http://schemas.microsoft.com/office/drawing/2014/main" id="{9BD65EA8-75FC-4381-8F1B-C7736D8545B7}"/>
+              </a:ext>
+            </a:extLst>
+          </p:cNvPr>
+          <p:cNvSpPr txBox="1"/>
+          <p:nvPr/>
+        </p:nvSpPr>
+        <p:spPr>
+          <a:xfrm>
+            <a:off x="557401" y="1222687"/>
+            <a:ext cx="4219698" cy="400110"/>
+          </a:xfrm>
+          <a:prstGeom prst="rect">
+            <a:avLst/>
+          </a:prstGeom>
+          <a:noFill/>
+        </p:spPr>
+        <p:txBody>
+          <a:bodyPr wrap="square" rtlCol="0" anchor="ctr">
+            <a:spAutoFit/>
+          </a:bodyPr>
+          <a:lstStyle/>
+          <a:p>
+            <a:r>
+              <a:rPr lang="en-US" altLang="ko-KR" sz="2000" b="1" dirty="0" smtClean="0">
+                <a:solidFill>
+                  <a:srgbClr val="36D2CE"/>
+                </a:solidFill>
+                <a:latin typeface="+mn-ea"/>
+                <a:cs typeface="KoPubWorld돋움체 Bold" panose="00000800000000000000" pitchFamily="2" charset="-127"/>
+              </a:rPr>
+              <a:t>char</a:t>
+            </a:r>
+            <a:r>
+              <a:rPr lang="en-US" altLang="ko-KR" sz="2000" b="1" dirty="0" smtClean="0">
+                <a:solidFill>
+                  <a:schemeClr val="tx1">
+                    <a:lumMod val="65000"/>
+                    <a:lumOff val="35000"/>
+                  </a:schemeClr>
+                </a:solidFill>
+                <a:latin typeface="+mn-ea"/>
+                <a:cs typeface="KoPubWorld돋움체 Bold" panose="00000800000000000000" pitchFamily="2" charset="-127"/>
+              </a:rPr>
+              <a:t> Title</a:t>
+            </a:r>
+            <a:endParaRPr lang="ko-KR" altLang="en-US" sz="2000" b="1" dirty="0">
+              <a:solidFill>
+                <a:schemeClr val="tx1">
+                  <a:lumMod val="65000"/>
+                  <a:lumOff val="35000"/>
+                </a:schemeClr>
+              </a:solidFill>
+              <a:latin typeface="+mn-ea"/>
+              <a:cs typeface="KoPubWorld돋움체 Bold" panose="00000800000000000000" pitchFamily="2" charset="-127"/>
+            </a:endParaRPr>
+          </a:p>
+        </p:txBody>
+      </p:sp>
+      <p:pic>
+        <p:nvPicPr>
+          <p:cNvPr id="15" name="그림 14"/>
+          <p:cNvPicPr>
+            <a:picLocks noChangeAspect="1"/>
+          </p:cNvPicPr>
+          <p:nvPr/>
+        </p:nvPicPr>
+        <p:blipFill>
+          <a:blip r:embed="rId2"/>
+          <a:stretch>
+            <a:fillRect/>
+          </a:stretch>
+        </p:blipFill>
+        <p:spPr>
+          <a:xfrm>
+            <a:off x="557399" y="1622797"/>
+            <a:ext cx="2772162" cy="362001"/>
+          </a:xfrm>
+          <a:prstGeom prst="rect">
+            <a:avLst/>
+          </a:prstGeom>
+        </p:spPr>
+      </p:pic>
+      <p:pic>
+        <p:nvPicPr>
+          <p:cNvPr id="17" name="그림 16"/>
+          <p:cNvPicPr>
+            <a:picLocks noChangeAspect="1"/>
+          </p:cNvPicPr>
+          <p:nvPr/>
+        </p:nvPicPr>
+        <p:blipFill>
+          <a:blip r:embed="rId3"/>
+          <a:stretch>
+            <a:fillRect/>
+          </a:stretch>
+        </p:blipFill>
+        <p:spPr>
+          <a:xfrm>
+            <a:off x="557400" y="3547879"/>
+            <a:ext cx="7287640" cy="2046206"/>
+          </a:xfrm>
+          <a:prstGeom prst="rect">
+            <a:avLst/>
+          </a:prstGeom>
+        </p:spPr>
+      </p:pic>
+      <p:sp>
+        <p:nvSpPr>
+          <p:cNvPr id="21" name="TextBox 20">
+            <a:extLst>
+              <a:ext uri="{FF2B5EF4-FFF2-40B4-BE49-F238E27FC236}">
+                <a16:creationId xmlns:a16="http://schemas.microsoft.com/office/drawing/2014/main" id="{9BD65EA8-75FC-4381-8F1B-C7736D8545B7}"/>
+              </a:ext>
+            </a:extLst>
+          </p:cNvPr>
+          <p:cNvSpPr txBox="1"/>
+          <p:nvPr/>
+        </p:nvSpPr>
+        <p:spPr>
+          <a:xfrm>
+            <a:off x="557400" y="3147769"/>
+            <a:ext cx="2772161" cy="400110"/>
+          </a:xfrm>
+          <a:prstGeom prst="rect">
+            <a:avLst/>
+          </a:prstGeom>
+          <a:noFill/>
+        </p:spPr>
+        <p:txBody>
+          <a:bodyPr wrap="square" rtlCol="0" anchor="ctr">
+            <a:spAutoFit/>
+          </a:bodyPr>
+          <a:lstStyle/>
+          <a:p>
+            <a:r>
+              <a:rPr lang="en-US" altLang="ko-KR" sz="2000" b="1" dirty="0" smtClean="0">
+                <a:solidFill>
+                  <a:srgbClr val="36D2CE"/>
+                </a:solidFill>
+                <a:latin typeface="+mn-ea"/>
+                <a:cs typeface="KoPubWorld돋움체 Bold" panose="00000800000000000000" pitchFamily="2" charset="-127"/>
+              </a:rPr>
+              <a:t>void</a:t>
+            </a:r>
+            <a:r>
+              <a:rPr lang="en-US" altLang="ko-KR" sz="2000" b="1" dirty="0" smtClean="0">
+                <a:solidFill>
+                  <a:schemeClr val="tx1">
+                    <a:lumMod val="65000"/>
+                    <a:lumOff val="35000"/>
+                  </a:schemeClr>
+                </a:solidFill>
+                <a:latin typeface="+mn-ea"/>
+                <a:cs typeface="KoPubWorld돋움체 Bold" panose="00000800000000000000" pitchFamily="2" charset="-127"/>
+              </a:rPr>
+              <a:t> </a:t>
+            </a:r>
+            <a:r>
+              <a:rPr lang="en-US" altLang="ko-KR" sz="2000" b="1" dirty="0" err="1" smtClean="0">
+                <a:solidFill>
+                  <a:schemeClr val="tx1">
+                    <a:lumMod val="65000"/>
+                    <a:lumOff val="35000"/>
+                  </a:schemeClr>
+                </a:solidFill>
+                <a:latin typeface="+mn-ea"/>
+                <a:cs typeface="KoPubWorld돋움체 Bold" panose="00000800000000000000" pitchFamily="2" charset="-127"/>
+              </a:rPr>
+              <a:t>CreateTitle</a:t>
+            </a:r>
+            <a:r>
+              <a:rPr lang="en-US" altLang="ko-KR" sz="2000" b="1" dirty="0" smtClean="0">
+                <a:solidFill>
+                  <a:schemeClr val="tx1">
+                    <a:lumMod val="65000"/>
+                    <a:lumOff val="35000"/>
+                  </a:schemeClr>
+                </a:solidFill>
+                <a:latin typeface="+mn-ea"/>
+                <a:cs typeface="KoPubWorld돋움체 Bold" panose="00000800000000000000" pitchFamily="2" charset="-127"/>
+              </a:rPr>
+              <a:t>()</a:t>
+            </a:r>
+            <a:endParaRPr lang="ko-KR" altLang="en-US" sz="2000" b="1" dirty="0">
+              <a:solidFill>
+                <a:schemeClr val="tx1">
+                  <a:lumMod val="65000"/>
+                  <a:lumOff val="35000"/>
+                </a:schemeClr>
+              </a:solidFill>
+              <a:latin typeface="+mn-ea"/>
+              <a:cs typeface="KoPubWorld돋움체 Bold" panose="00000800000000000000" pitchFamily="2" charset="-127"/>
+            </a:endParaRPr>
+          </a:p>
+        </p:txBody>
+      </p:sp>
+      <p:sp>
+        <p:nvSpPr>
+          <p:cNvPr id="19" name="직사각형 18"/>
+          <p:cNvSpPr/>
+          <p:nvPr/>
+        </p:nvSpPr>
+        <p:spPr>
+          <a:xfrm>
+            <a:off x="557399" y="2041464"/>
+            <a:ext cx="3971872" cy="878723"/>
+          </a:xfrm>
+          <a:prstGeom prst="rect">
+            <a:avLst/>
+          </a:prstGeom>
+          <a:noFill/>
+          <a:ln>
+            <a:noFill/>
+          </a:ln>
+        </p:spPr>
+        <p:style>
+          <a:lnRef idx="2">
+            <a:schemeClr val="accent1">
+              <a:shade val="50000"/>
+            </a:schemeClr>
+          </a:lnRef>
+          <a:fillRef idx="1">
+            <a:schemeClr val="accent1"/>
+          </a:fillRef>
+          <a:effectRef idx="0">
+            <a:schemeClr val="accent1"/>
+          </a:effectRef>
+          <a:fontRef idx="minor">
+            <a:schemeClr val="lt1"/>
+          </a:fontRef>
+        </p:style>
+        <p:txBody>
+          <a:bodyPr rtlCol="0" anchor="t"/>
+          <a:lstStyle/>
+          <a:p>
+            <a:pPr marL="285750" indent="-285750">
+              <a:buFont typeface="Arial" panose="020B0604020202020204" pitchFamily="34" charset="0"/>
+              <a:buChar char="•"/>
+            </a:pPr>
+            <a:r>
+              <a:rPr lang="en-US" altLang="ko-KR" sz="1400" dirty="0" smtClean="0">
+                <a:solidFill>
+                  <a:schemeClr val="tx1">
+                    <a:lumMod val="65000"/>
+                    <a:lumOff val="35000"/>
+                  </a:schemeClr>
+                </a:solidFill>
+              </a:rPr>
+              <a:t>2</a:t>
+            </a:r>
+            <a:r>
+              <a:rPr lang="ko-KR" altLang="en-US" sz="1400" dirty="0" smtClean="0">
+                <a:solidFill>
+                  <a:schemeClr val="tx1">
+                    <a:lumMod val="65000"/>
+                    <a:lumOff val="35000"/>
+                  </a:schemeClr>
+                </a:solidFill>
+              </a:rPr>
+              <a:t>차원 문자열로 이루어진 전역 변수</a:t>
+            </a:r>
+            <a:endParaRPr lang="en-US" altLang="ko-KR" sz="1400" dirty="0" smtClean="0">
+              <a:solidFill>
+                <a:schemeClr val="tx1">
+                  <a:lumMod val="65000"/>
+                  <a:lumOff val="35000"/>
+                </a:schemeClr>
+              </a:solidFill>
+            </a:endParaRPr>
+          </a:p>
+          <a:p>
+            <a:pPr marL="285750" indent="-285750">
+              <a:buFont typeface="Arial" panose="020B0604020202020204" pitchFamily="34" charset="0"/>
+              <a:buChar char="•"/>
+            </a:pPr>
+            <a:endParaRPr lang="en-US" altLang="ko-KR" sz="800" dirty="0" smtClean="0">
+              <a:solidFill>
+                <a:schemeClr val="tx1">
+                  <a:lumMod val="65000"/>
+                  <a:lumOff val="35000"/>
+                </a:schemeClr>
+              </a:solidFill>
+            </a:endParaRPr>
+          </a:p>
+          <a:p>
+            <a:pPr marL="285750" indent="-285750">
+              <a:buFont typeface="Arial" panose="020B0604020202020204" pitchFamily="34" charset="0"/>
+              <a:buChar char="•"/>
+            </a:pPr>
+            <a:r>
+              <a:rPr lang="ko-KR" altLang="en-US" sz="1400" dirty="0" smtClean="0">
+                <a:solidFill>
+                  <a:schemeClr val="tx1">
+                    <a:lumMod val="65000"/>
+                    <a:lumOff val="35000"/>
+                  </a:schemeClr>
+                </a:solidFill>
+              </a:rPr>
+              <a:t>난이도 선택 장면에서 사용</a:t>
+            </a:r>
+            <a:endParaRPr lang="ko-KR" altLang="en-US" sz="1400" dirty="0">
+              <a:solidFill>
+                <a:schemeClr val="tx1">
+                  <a:lumMod val="65000"/>
+                  <a:lumOff val="35000"/>
+                </a:schemeClr>
+              </a:solidFill>
+            </a:endParaRPr>
+          </a:p>
+        </p:txBody>
+      </p:sp>
+      <p:sp>
+        <p:nvSpPr>
+          <p:cNvPr id="25" name="직사각형 24"/>
+          <p:cNvSpPr/>
+          <p:nvPr/>
+        </p:nvSpPr>
+        <p:spPr>
+          <a:xfrm>
+            <a:off x="557398" y="5594086"/>
+            <a:ext cx="5185375" cy="627692"/>
+          </a:xfrm>
+          <a:prstGeom prst="rect">
+            <a:avLst/>
+          </a:prstGeom>
+          <a:noFill/>
+          <a:ln>
+            <a:noFill/>
+          </a:ln>
+        </p:spPr>
+        <p:style>
+          <a:lnRef idx="2">
+            <a:schemeClr val="accent1">
+              <a:shade val="50000"/>
+            </a:schemeClr>
+          </a:lnRef>
+          <a:fillRef idx="1">
+            <a:schemeClr val="accent1"/>
+          </a:fillRef>
+          <a:effectRef idx="0">
+            <a:schemeClr val="accent1"/>
+          </a:effectRef>
+          <a:fontRef idx="minor">
+            <a:schemeClr val="lt1"/>
+          </a:fontRef>
+        </p:style>
+        <p:txBody>
+          <a:bodyPr rtlCol="0" anchor="t"/>
+          <a:lstStyle/>
+          <a:p>
+            <a:pPr marL="285750" indent="-285750">
+              <a:buFont typeface="Arial" panose="020B0604020202020204" pitchFamily="34" charset="0"/>
+              <a:buChar char="•"/>
+            </a:pPr>
+            <a:r>
+              <a:rPr lang="en-US" altLang="ko-KR" sz="1400" dirty="0" smtClean="0">
+                <a:solidFill>
+                  <a:schemeClr val="tx1">
+                    <a:lumMod val="65000"/>
+                    <a:lumOff val="35000"/>
+                  </a:schemeClr>
+                </a:solidFill>
+              </a:rPr>
+              <a:t>Title </a:t>
+            </a:r>
+            <a:r>
+              <a:rPr lang="ko-KR" altLang="en-US" sz="1400" dirty="0" smtClean="0">
+                <a:solidFill>
+                  <a:schemeClr val="tx1">
+                    <a:lumMod val="65000"/>
+                    <a:lumOff val="35000"/>
+                  </a:schemeClr>
+                </a:solidFill>
+              </a:rPr>
+              <a:t>문자열에 </a:t>
+            </a:r>
+            <a:r>
+              <a:rPr lang="en-US" altLang="ko-KR" sz="1400" b="1" dirty="0" err="1" smtClean="0">
+                <a:solidFill>
+                  <a:srgbClr val="36D2CE"/>
+                </a:solidFill>
+              </a:rPr>
+              <a:t>strcpy</a:t>
+            </a:r>
+            <a:r>
+              <a:rPr lang="ko-KR" altLang="en-US" sz="1400" b="1" dirty="0" smtClean="0">
+                <a:solidFill>
+                  <a:srgbClr val="36D2CE"/>
+                </a:solidFill>
+              </a:rPr>
+              <a:t>를 사용</a:t>
+            </a:r>
+            <a:r>
+              <a:rPr lang="ko-KR" altLang="en-US" sz="1400" dirty="0" smtClean="0">
+                <a:solidFill>
+                  <a:schemeClr val="tx1">
+                    <a:lumMod val="65000"/>
+                    <a:lumOff val="35000"/>
+                  </a:schemeClr>
+                </a:solidFill>
+              </a:rPr>
+              <a:t>하여 문자 복사</a:t>
+            </a:r>
+            <a:endParaRPr lang="en-US" altLang="ko-KR" sz="1400" dirty="0" smtClean="0">
+              <a:solidFill>
+                <a:schemeClr val="tx1">
+                  <a:lumMod val="65000"/>
+                  <a:lumOff val="35000"/>
+                </a:schemeClr>
+              </a:solidFill>
+            </a:endParaRPr>
+          </a:p>
+        </p:txBody>
+      </p:sp>
+      <p:grpSp>
+        <p:nvGrpSpPr>
+          <p:cNvPr id="12" name="그룹 11">
+            <a:extLst>
+              <a:ext uri="{FF2B5EF4-FFF2-40B4-BE49-F238E27FC236}">
+                <a16:creationId xmlns:a16="http://schemas.microsoft.com/office/drawing/2014/main" id="{1B0813F0-0608-43A3-9E53-0BA015EDE231}"/>
+              </a:ext>
+            </a:extLst>
+          </p:cNvPr>
+          <p:cNvGrpSpPr/>
+          <p:nvPr/>
+        </p:nvGrpSpPr>
+        <p:grpSpPr>
+          <a:xfrm>
+            <a:off x="557400" y="188165"/>
+            <a:ext cx="3862199" cy="830997"/>
+            <a:chOff x="3819245" y="188165"/>
+            <a:chExt cx="3862199" cy="830997"/>
+          </a:xfrm>
+        </p:grpSpPr>
+        <p:sp>
+          <p:nvSpPr>
+            <p:cNvPr id="13" name="직사각형 12">
+              <a:extLst>
+                <a:ext uri="{FF2B5EF4-FFF2-40B4-BE49-F238E27FC236}">
+                  <a16:creationId xmlns:a16="http://schemas.microsoft.com/office/drawing/2014/main" id="{7D0033C3-456D-4151-9AAB-F0A2E961A5B6}"/>
+                </a:ext>
+              </a:extLst>
+            </p:cNvPr>
+            <p:cNvSpPr/>
+            <p:nvPr/>
+          </p:nvSpPr>
+          <p:spPr>
+            <a:xfrm>
+              <a:off x="4264699" y="274417"/>
+              <a:ext cx="3416745" cy="523220"/>
+            </a:xfrm>
+            <a:prstGeom prst="rect">
+              <a:avLst/>
+            </a:prstGeom>
+          </p:spPr>
+          <p:txBody>
+            <a:bodyPr wrap="square" anchor="ctr">
+              <a:spAutoFit/>
+            </a:bodyPr>
+            <a:lstStyle/>
+            <a:p>
+              <a:r>
+                <a:rPr lang="ko-KR" altLang="en-US" sz="2800" b="1" dirty="0" err="1" smtClean="0">
+                  <a:solidFill>
+                    <a:schemeClr val="tx1">
+                      <a:lumMod val="65000"/>
+                      <a:lumOff val="35000"/>
+                    </a:schemeClr>
+                  </a:solidFill>
+                  <a:latin typeface="+mn-ea"/>
+                  <a:cs typeface="KoPubWorld돋움체 Bold" panose="00000800000000000000" pitchFamily="2" charset="-127"/>
+                </a:rPr>
+                <a:t>로직</a:t>
+              </a:r>
+              <a:r>
+                <a:rPr lang="ko-KR" altLang="en-US" sz="2800" b="1" dirty="0" smtClean="0">
+                  <a:solidFill>
+                    <a:schemeClr val="tx1">
+                      <a:lumMod val="65000"/>
+                      <a:lumOff val="35000"/>
+                    </a:schemeClr>
+                  </a:solidFill>
+                  <a:latin typeface="+mn-ea"/>
+                  <a:cs typeface="KoPubWorld돋움체 Bold" panose="00000800000000000000" pitchFamily="2" charset="-127"/>
+                </a:rPr>
+                <a:t> 설명</a:t>
+              </a:r>
+              <a:endParaRPr lang="ko-KR" altLang="en-US" sz="2800" b="1" dirty="0">
+                <a:solidFill>
+                  <a:schemeClr val="tx1">
+                    <a:lumMod val="65000"/>
+                    <a:lumOff val="35000"/>
+                  </a:schemeClr>
+                </a:solidFill>
+                <a:latin typeface="+mn-ea"/>
+                <a:cs typeface="KoPubWorld돋움체 Bold" panose="00000800000000000000" pitchFamily="2" charset="-127"/>
+              </a:endParaRPr>
+            </a:p>
+          </p:txBody>
+        </p:sp>
+        <p:sp>
+          <p:nvSpPr>
+            <p:cNvPr id="14" name="TextBox 13">
+              <a:extLst>
+                <a:ext uri="{FF2B5EF4-FFF2-40B4-BE49-F238E27FC236}">
+                  <a16:creationId xmlns:a16="http://schemas.microsoft.com/office/drawing/2014/main" id="{1841637C-F02D-4ED4-9B17-10A92FFC6619}"/>
+                </a:ext>
+              </a:extLst>
+            </p:cNvPr>
+            <p:cNvSpPr txBox="1"/>
+            <p:nvPr/>
+          </p:nvSpPr>
+          <p:spPr>
+            <a:xfrm>
+              <a:off x="3819245" y="188165"/>
+              <a:ext cx="530915" cy="830997"/>
+            </a:xfrm>
+            <a:prstGeom prst="rect">
+              <a:avLst/>
+            </a:prstGeom>
+            <a:noFill/>
+          </p:spPr>
+          <p:txBody>
+            <a:bodyPr wrap="none" rtlCol="0">
+              <a:spAutoFit/>
+            </a:bodyPr>
+            <a:lstStyle/>
+            <a:p>
+              <a:r>
+                <a:rPr lang="en-US" altLang="ko-KR" sz="4800" b="1" dirty="0" smtClean="0">
+                  <a:solidFill>
+                    <a:srgbClr val="64DECF"/>
+                  </a:solidFill>
+                  <a:latin typeface="KoPubWorld돋움체 Bold" panose="00000800000000000000" pitchFamily="2" charset="-127"/>
+                  <a:ea typeface="KoPubWorld돋움체 Bold" panose="00000800000000000000" pitchFamily="2" charset="-127"/>
+                  <a:cs typeface="KoPubWorld돋움체 Bold" panose="00000800000000000000" pitchFamily="2" charset="-127"/>
+                </a:rPr>
+                <a:t>4</a:t>
+              </a:r>
+              <a:endParaRPr lang="ko-KR" altLang="en-US" sz="4800" b="1" dirty="0">
+                <a:solidFill>
+                  <a:srgbClr val="64DECF"/>
+                </a:solidFill>
+                <a:latin typeface="KoPubWorld돋움체 Bold" panose="00000800000000000000" pitchFamily="2" charset="-127"/>
+                <a:ea typeface="KoPubWorld돋움체 Bold" panose="00000800000000000000" pitchFamily="2" charset="-127"/>
+                <a:cs typeface="KoPubWorld돋움체 Bold" panose="00000800000000000000" pitchFamily="2" charset="-127"/>
+              </a:endParaRPr>
+            </a:p>
+          </p:txBody>
+        </p:sp>
+      </p:grpSp>
+    </p:spTree>
+    <p:extLst>
+      <p:ext uri="{BB962C8B-B14F-4D97-AF65-F5344CB8AC3E}">
+        <p14:creationId xmlns:p14="http://schemas.microsoft.com/office/powerpoint/2010/main" val="1432520772"/>
       </p:ext>
     </p:extLst>
   </p:cSld>

--- a/MatchCard.pptx
+++ b/MatchCard.pptx
@@ -33,17 +33,17 @@
   <p:notesSz cx="6858000" cy="9144000"/>
   <p:embeddedFontLst>
     <p:embeddedFont>
-      <p:font typeface="KoPubWorld돋움체 Light" panose="020B0600000101010101" charset="-127"/>
+      <p:font typeface="맑은 고딕" panose="020B0503020000020004" pitchFamily="50" charset="-127"/>
       <p:regular r:id="rId23"/>
+      <p:bold r:id="rId24"/>
     </p:embeddedFont>
     <p:embeddedFont>
-      <p:font typeface="맑은 고딕" panose="020B0503020000020004" pitchFamily="50" charset="-127"/>
-      <p:regular r:id="rId24"/>
+      <p:font typeface="KoPubWorld돋움체 Bold" panose="020B0600000101010101" charset="-127"/>
       <p:bold r:id="rId25"/>
     </p:embeddedFont>
     <p:embeddedFont>
-      <p:font typeface="KoPubWorld돋움체 Bold" panose="020B0600000101010101" charset="-127"/>
-      <p:bold r:id="rId26"/>
+      <p:font typeface="KoPubWorld돋움체 Light" panose="020B0600000101010101" charset="-127"/>
+      <p:regular r:id="rId26"/>
     </p:embeddedFont>
   </p:embeddedFontLst>
   <p:defaultTextStyle>
@@ -234,7 +234,7 @@
           <a:p>
             <a:fld id="{E9CD10F8-C09B-4A70-B6FA-4E09C1F0FE42}" type="datetimeFigureOut">
               <a:rPr lang="ko-KR" altLang="en-US" smtClean="0"/>
-              <a:t>2024-02-25</a:t>
+              <a:t>2024-02-26</a:t>
             </a:fld>
             <a:endParaRPr lang="ko-KR" altLang="en-US"/>
           </a:p>
@@ -653,7 +653,7 @@
           <a:p>
             <a:fld id="{B441A2CC-AD33-4BEB-BEDF-7117FCB0AF3A}" type="datetimeFigureOut">
               <a:rPr lang="ko-KR" altLang="en-US" smtClean="0"/>
-              <a:t>2024-02-25</a:t>
+              <a:t>2024-02-26</a:t>
             </a:fld>
             <a:endParaRPr lang="ko-KR" altLang="en-US"/>
           </a:p>
@@ -851,7 +851,7 @@
           <a:p>
             <a:fld id="{B441A2CC-AD33-4BEB-BEDF-7117FCB0AF3A}" type="datetimeFigureOut">
               <a:rPr lang="ko-KR" altLang="en-US" smtClean="0"/>
-              <a:t>2024-02-25</a:t>
+              <a:t>2024-02-26</a:t>
             </a:fld>
             <a:endParaRPr lang="ko-KR" altLang="en-US"/>
           </a:p>
@@ -1059,7 +1059,7 @@
           <a:p>
             <a:fld id="{B441A2CC-AD33-4BEB-BEDF-7117FCB0AF3A}" type="datetimeFigureOut">
               <a:rPr lang="ko-KR" altLang="en-US" smtClean="0"/>
-              <a:t>2024-02-25</a:t>
+              <a:t>2024-02-26</a:t>
             </a:fld>
             <a:endParaRPr lang="ko-KR" altLang="en-US"/>
           </a:p>
@@ -1266,7 +1266,7 @@
           <a:p>
             <a:fld id="{B441A2CC-AD33-4BEB-BEDF-7117FCB0AF3A}" type="datetimeFigureOut">
               <a:rPr lang="ko-KR" altLang="en-US" smtClean="0"/>
-              <a:t>2024-02-25</a:t>
+              <a:t>2024-02-26</a:t>
             </a:fld>
             <a:endParaRPr lang="ko-KR" altLang="en-US"/>
           </a:p>
@@ -1541,7 +1541,7 @@
           <a:p>
             <a:fld id="{B441A2CC-AD33-4BEB-BEDF-7117FCB0AF3A}" type="datetimeFigureOut">
               <a:rPr lang="ko-KR" altLang="en-US" smtClean="0"/>
-              <a:t>2024-02-25</a:t>
+              <a:t>2024-02-26</a:t>
             </a:fld>
             <a:endParaRPr lang="ko-KR" altLang="en-US"/>
           </a:p>
@@ -1806,7 +1806,7 @@
           <a:p>
             <a:fld id="{B441A2CC-AD33-4BEB-BEDF-7117FCB0AF3A}" type="datetimeFigureOut">
               <a:rPr lang="ko-KR" altLang="en-US" smtClean="0"/>
-              <a:t>2024-02-25</a:t>
+              <a:t>2024-02-26</a:t>
             </a:fld>
             <a:endParaRPr lang="ko-KR" altLang="en-US"/>
           </a:p>
@@ -2218,7 +2218,7 @@
           <a:p>
             <a:fld id="{B441A2CC-AD33-4BEB-BEDF-7117FCB0AF3A}" type="datetimeFigureOut">
               <a:rPr lang="ko-KR" altLang="en-US" smtClean="0"/>
-              <a:t>2024-02-25</a:t>
+              <a:t>2024-02-26</a:t>
             </a:fld>
             <a:endParaRPr lang="ko-KR" altLang="en-US"/>
           </a:p>
@@ -2359,7 +2359,7 @@
           <a:p>
             <a:fld id="{B441A2CC-AD33-4BEB-BEDF-7117FCB0AF3A}" type="datetimeFigureOut">
               <a:rPr lang="ko-KR" altLang="en-US" smtClean="0"/>
-              <a:t>2024-02-25</a:t>
+              <a:t>2024-02-26</a:t>
             </a:fld>
             <a:endParaRPr lang="ko-KR" altLang="en-US"/>
           </a:p>
@@ -2472,7 +2472,7 @@
           <a:p>
             <a:fld id="{B441A2CC-AD33-4BEB-BEDF-7117FCB0AF3A}" type="datetimeFigureOut">
               <a:rPr lang="ko-KR" altLang="en-US" smtClean="0"/>
-              <a:t>2024-02-25</a:t>
+              <a:t>2024-02-26</a:t>
             </a:fld>
             <a:endParaRPr lang="ko-KR" altLang="en-US"/>
           </a:p>
@@ -2783,7 +2783,7 @@
           <a:p>
             <a:fld id="{B441A2CC-AD33-4BEB-BEDF-7117FCB0AF3A}" type="datetimeFigureOut">
               <a:rPr lang="ko-KR" altLang="en-US" smtClean="0"/>
-              <a:t>2024-02-25</a:t>
+              <a:t>2024-02-26</a:t>
             </a:fld>
             <a:endParaRPr lang="ko-KR" altLang="en-US"/>
           </a:p>
@@ -3071,7 +3071,7 @@
           <a:p>
             <a:fld id="{B441A2CC-AD33-4BEB-BEDF-7117FCB0AF3A}" type="datetimeFigureOut">
               <a:rPr lang="ko-KR" altLang="en-US" smtClean="0"/>
-              <a:t>2024-02-25</a:t>
+              <a:t>2024-02-26</a:t>
             </a:fld>
             <a:endParaRPr lang="ko-KR" altLang="en-US"/>
           </a:p>
@@ -3318,7 +3318,7 @@
           <a:p>
             <a:fld id="{B441A2CC-AD33-4BEB-BEDF-7117FCB0AF3A}" type="datetimeFigureOut">
               <a:rPr lang="ko-KR" altLang="en-US" smtClean="0"/>
-              <a:t>2024-02-25</a:t>
+              <a:t>2024-02-26</a:t>
             </a:fld>
             <a:endParaRPr lang="ko-KR" altLang="en-US"/>
           </a:p>
@@ -7420,18 +7420,15 @@
             <a:r>
               <a:rPr lang="en-US" altLang="ko-KR" sz="2000" b="1" dirty="0" smtClean="0">
                 <a:solidFill>
-                  <a:schemeClr val="tx1">
-                    <a:lumMod val="65000"/>
-                    <a:lumOff val="35000"/>
-                  </a:schemeClr>
+                  <a:srgbClr val="36D2CE"/>
                 </a:solidFill>
                 <a:latin typeface="+mn-ea"/>
                 <a:cs typeface="KoPubWorld돋움체 Bold" panose="00000800000000000000" pitchFamily="2" charset="-127"/>
               </a:rPr>
-              <a:t>while (Scene</a:t>
-            </a:r>
-            <a:r>
-              <a:rPr lang="ko-KR" altLang="en-US" sz="2000" b="1" dirty="0" smtClean="0">
+              <a:t>void</a:t>
+            </a:r>
+            <a:r>
+              <a:rPr lang="en-US" altLang="ko-KR" sz="2000" b="1" dirty="0" smtClean="0">
                 <a:solidFill>
                   <a:schemeClr val="tx1">
                     <a:lumMod val="65000"/>
@@ -7444,7 +7441,7 @@
               <a:t> </a:t>
             </a:r>
             <a:r>
-              <a:rPr lang="en-US" altLang="ko-KR" sz="2000" b="1" dirty="0" smtClean="0">
+              <a:rPr lang="en-US" altLang="ko-KR" sz="2000" b="1" dirty="0" err="1" smtClean="0">
                 <a:solidFill>
                   <a:schemeClr val="tx1">
                     <a:lumMod val="65000"/>
@@ -7454,10 +7451,10 @@
                 <a:latin typeface="+mn-ea"/>
                 <a:cs typeface="KoPubWorld돋움체 Bold" panose="00000800000000000000" pitchFamily="2" charset="-127"/>
               </a:rPr>
-              <a:t>==</a:t>
-            </a:r>
-            <a:r>
-              <a:rPr lang="ko-KR" altLang="en-US" sz="2000" b="1" dirty="0" smtClean="0">
+              <a:t>TitleRender</a:t>
+            </a:r>
+            <a:r>
+              <a:rPr lang="en-US" altLang="ko-KR" sz="2000" b="1" dirty="0" smtClean="0">
                 <a:solidFill>
                   <a:schemeClr val="tx1">
                     <a:lumMod val="65000"/>
@@ -7467,20 +7464,7 @@
                 <a:latin typeface="+mn-ea"/>
                 <a:cs typeface="KoPubWorld돋움체 Bold" panose="00000800000000000000" pitchFamily="2" charset="-127"/>
               </a:rPr>
-              <a:t> </a:t>
-            </a:r>
-            <a:r>
-              <a:rPr lang="en-US" altLang="ko-KR" sz="2000" b="1" dirty="0" smtClean="0">
-                <a:solidFill>
-                  <a:schemeClr val="tx1">
-                    <a:lumMod val="65000"/>
-                    <a:lumOff val="35000"/>
-                  </a:schemeClr>
-                </a:solidFill>
-                <a:latin typeface="+mn-ea"/>
-                <a:cs typeface="KoPubWorld돋움체 Bold" panose="00000800000000000000" pitchFamily="2" charset="-127"/>
-              </a:rPr>
-              <a:t>0)</a:t>
+              <a:t>( );</a:t>
             </a:r>
             <a:endParaRPr lang="ko-KR" altLang="en-US" sz="2000" b="1" dirty="0">
               <a:solidFill>
@@ -8558,7 +8542,7 @@
           <a:lstStyle/>
           <a:p>
             <a:r>
-              <a:rPr lang="en-US" altLang="ko-KR" sz="2000" b="1" dirty="0">
+              <a:rPr lang="ko-KR" altLang="en-US" sz="2000" b="1" dirty="0" smtClean="0">
                 <a:solidFill>
                   <a:schemeClr val="tx1">
                     <a:lumMod val="65000"/>
@@ -8568,59 +8552,7 @@
                 <a:latin typeface="+mn-ea"/>
                 <a:cs typeface="KoPubWorld돋움체 Bold" panose="00000800000000000000" pitchFamily="2" charset="-127"/>
               </a:rPr>
-              <a:t>while (Scene</a:t>
-            </a:r>
-            <a:r>
-              <a:rPr lang="ko-KR" altLang="en-US" sz="2000" b="1" dirty="0">
-                <a:solidFill>
-                  <a:schemeClr val="tx1">
-                    <a:lumMod val="65000"/>
-                    <a:lumOff val="35000"/>
-                  </a:schemeClr>
-                </a:solidFill>
-                <a:latin typeface="+mn-ea"/>
-                <a:cs typeface="KoPubWorld돋움체 Bold" panose="00000800000000000000" pitchFamily="2" charset="-127"/>
-              </a:rPr>
-              <a:t> </a:t>
-            </a:r>
-            <a:r>
-              <a:rPr lang="en-US" altLang="ko-KR" sz="2000" b="1" dirty="0">
-                <a:solidFill>
-                  <a:schemeClr val="tx1">
-                    <a:lumMod val="65000"/>
-                    <a:lumOff val="35000"/>
-                  </a:schemeClr>
-                </a:solidFill>
-                <a:latin typeface="+mn-ea"/>
-                <a:cs typeface="KoPubWorld돋움체 Bold" panose="00000800000000000000" pitchFamily="2" charset="-127"/>
-              </a:rPr>
-              <a:t>==</a:t>
-            </a:r>
-            <a:r>
-              <a:rPr lang="ko-KR" altLang="en-US" sz="2000" b="1" dirty="0">
-                <a:solidFill>
-                  <a:schemeClr val="tx1">
-                    <a:lumMod val="65000"/>
-                    <a:lumOff val="35000"/>
-                  </a:schemeClr>
-                </a:solidFill>
-                <a:latin typeface="+mn-ea"/>
-                <a:cs typeface="KoPubWorld돋움체 Bold" panose="00000800000000000000" pitchFamily="2" charset="-127"/>
-              </a:rPr>
-              <a:t> </a:t>
-            </a:r>
-            <a:r>
-              <a:rPr lang="en-US" altLang="ko-KR" sz="2000" b="1" dirty="0">
-                <a:solidFill>
-                  <a:schemeClr val="tx1">
-                    <a:lumMod val="65000"/>
-                    <a:lumOff val="35000"/>
-                  </a:schemeClr>
-                </a:solidFill>
-                <a:latin typeface="+mn-ea"/>
-                <a:cs typeface="KoPubWorld돋움체 Bold" panose="00000800000000000000" pitchFamily="2" charset="-127"/>
-              </a:rPr>
-              <a:t>0)</a:t>
+              <a:t>화살표 출력</a:t>
             </a:r>
             <a:endParaRPr lang="ko-KR" altLang="en-US" sz="2000" b="1" dirty="0">
               <a:solidFill>
@@ -8711,18 +8643,7 @@
                   </a:schemeClr>
                 </a:solidFill>
               </a:rPr>
-              <a:t>함수에 </a:t>
-            </a:r>
-            <a:r>
-              <a:rPr lang="ko-KR" altLang="en-US" sz="1400" dirty="0" smtClean="0">
-                <a:solidFill>
-                  <a:schemeClr val="tx1">
-                    <a:lumMod val="65000"/>
-                    <a:lumOff val="35000"/>
-                  </a:schemeClr>
-                </a:solidFill>
-              </a:rPr>
-              <a:t>매개 변수</a:t>
+              <a:t>함수에 매개 변수</a:t>
             </a:r>
             <a:r>
               <a:rPr lang="en-US" altLang="ko-KR" sz="1400" dirty="0" smtClean="0">
@@ -9360,7 +9281,7 @@
         </p:blipFill>
         <p:spPr>
           <a:xfrm>
-            <a:off x="6562209" y="3428724"/>
+            <a:off x="6562209" y="3215079"/>
             <a:ext cx="4765704" cy="635964"/>
           </a:xfrm>
           <a:prstGeom prst="rect">
@@ -9405,6 +9326,30 @@
           <a:chExt cx="0" cy="0"/>
         </a:xfrm>
       </p:grpSpPr>
+      <p:pic>
+        <p:nvPicPr>
+          <p:cNvPr id="5" name="그림 4"/>
+          <p:cNvPicPr>
+            <a:picLocks noChangeAspect="1"/>
+          </p:cNvPicPr>
+          <p:nvPr/>
+        </p:nvPicPr>
+        <p:blipFill>
+          <a:blip r:embed="rId2"/>
+          <a:stretch>
+            <a:fillRect/>
+          </a:stretch>
+        </p:blipFill>
+        <p:spPr>
+          <a:xfrm>
+            <a:off x="557397" y="1622797"/>
+            <a:ext cx="11077203" cy="2715470"/>
+          </a:xfrm>
+          <a:prstGeom prst="rect">
+            <a:avLst/>
+          </a:prstGeom>
+        </p:spPr>
+      </p:pic>
       <p:sp>
         <p:nvSpPr>
           <p:cNvPr id="23" name="직사각형 22">
@@ -9608,8 +9553,8 @@
         </p:nvSpPr>
         <p:spPr>
           <a:xfrm>
-            <a:off x="557400" y="1222687"/>
-            <a:ext cx="2758368" cy="400110"/>
+            <a:off x="557399" y="1222687"/>
+            <a:ext cx="4450437" cy="400110"/>
           </a:xfrm>
           <a:prstGeom prst="rect">
             <a:avLst/>
@@ -9623,20 +9568,17 @@
           <a:lstStyle/>
           <a:p>
             <a:r>
-              <a:rPr lang="en-US" altLang="ko-KR" sz="2000" b="1" dirty="0">
-                <a:solidFill>
-                  <a:schemeClr val="tx1">
-                    <a:lumMod val="65000"/>
-                    <a:lumOff val="35000"/>
-                  </a:schemeClr>
+              <a:rPr lang="en-US" altLang="ko-KR" sz="2000" b="1" dirty="0" smtClean="0">
+                <a:solidFill>
+                  <a:srgbClr val="36D2CE"/>
                 </a:solidFill>
                 <a:latin typeface="+mn-ea"/>
                 <a:cs typeface="KoPubWorld돋움체 Bold" panose="00000800000000000000" pitchFamily="2" charset="-127"/>
               </a:rPr>
-              <a:t>while (Scene</a:t>
-            </a:r>
-            <a:r>
-              <a:rPr lang="ko-KR" altLang="en-US" sz="2000" b="1" dirty="0">
+              <a:t>void</a:t>
+            </a:r>
+            <a:r>
+              <a:rPr lang="en-US" altLang="ko-KR" sz="2000" b="1" dirty="0" smtClean="0">
                 <a:solidFill>
                   <a:schemeClr val="tx1">
                     <a:lumMod val="65000"/>
@@ -9646,10 +9588,10 @@
                 <a:latin typeface="+mn-ea"/>
                 <a:cs typeface="KoPubWorld돋움체 Bold" panose="00000800000000000000" pitchFamily="2" charset="-127"/>
               </a:rPr>
-              <a:t> </a:t>
-            </a:r>
-            <a:r>
-              <a:rPr lang="en-US" altLang="ko-KR" sz="2000" b="1" dirty="0">
+              <a:t> Keyboard(</a:t>
+            </a:r>
+            <a:r>
+              <a:rPr lang="en-US" altLang="ko-KR" sz="2000" b="1" dirty="0" err="1" smtClean="0">
                 <a:solidFill>
                   <a:schemeClr val="tx1">
                     <a:lumMod val="65000"/>
@@ -9659,10 +9601,10 @@
                 <a:latin typeface="+mn-ea"/>
                 <a:cs typeface="KoPubWorld돋움체 Bold" panose="00000800000000000000" pitchFamily="2" charset="-127"/>
               </a:rPr>
-              <a:t>==</a:t>
-            </a:r>
-            <a:r>
-              <a:rPr lang="ko-KR" altLang="en-US" sz="2000" b="1" dirty="0">
+              <a:t>SelectCard</a:t>
+            </a:r>
+            <a:r>
+              <a:rPr lang="en-US" altLang="ko-KR" sz="2000" b="1" dirty="0" smtClean="0">
                 <a:solidFill>
                   <a:schemeClr val="tx1">
                     <a:lumMod val="65000"/>
@@ -9672,20 +9614,7 @@
                 <a:latin typeface="+mn-ea"/>
                 <a:cs typeface="KoPubWorld돋움체 Bold" panose="00000800000000000000" pitchFamily="2" charset="-127"/>
               </a:rPr>
-              <a:t> </a:t>
-            </a:r>
-            <a:r>
-              <a:rPr lang="en-US" altLang="ko-KR" sz="2000" b="1" dirty="0">
-                <a:solidFill>
-                  <a:schemeClr val="tx1">
-                    <a:lumMod val="65000"/>
-                    <a:lumOff val="35000"/>
-                  </a:schemeClr>
-                </a:solidFill>
-                <a:latin typeface="+mn-ea"/>
-                <a:cs typeface="KoPubWorld돋움체 Bold" panose="00000800000000000000" pitchFamily="2" charset="-127"/>
-              </a:rPr>
-              <a:t>0)</a:t>
+              <a:t> * Select)</a:t>
             </a:r>
             <a:endParaRPr lang="ko-KR" altLang="en-US" sz="2000" b="1" dirty="0">
               <a:solidFill>
@@ -9746,6 +9675,17 @@
               <a:buChar char="•"/>
             </a:pPr>
             <a:r>
+              <a:rPr lang="ko-KR" altLang="en-US" sz="1400" dirty="0" smtClean="0">
+                <a:solidFill>
+                  <a:schemeClr val="tx1">
+                    <a:lumMod val="65000"/>
+                    <a:lumOff val="35000"/>
+                  </a:schemeClr>
+                </a:solidFill>
+              </a:rPr>
+              <a:t>게임을 하면서 좌표</a:t>
+            </a:r>
+            <a:r>
               <a:rPr lang="en-US" altLang="ko-KR" sz="1400" dirty="0" smtClean="0">
                 <a:solidFill>
                   <a:schemeClr val="tx1">
@@ -9754,7 +9694,156 @@
                   </a:schemeClr>
                 </a:solidFill>
               </a:rPr>
-              <a:t>LEFT : Select-&gt;x </a:t>
+              <a:t>(</a:t>
+            </a:r>
+            <a:r>
+              <a:rPr lang="en-US" altLang="ko-KR" sz="1400" dirty="0" err="1" smtClean="0">
+                <a:solidFill>
+                  <a:schemeClr val="tx1">
+                    <a:lumMod val="65000"/>
+                    <a:lumOff val="35000"/>
+                  </a:schemeClr>
+                </a:solidFill>
+              </a:rPr>
+              <a:t>Select.x</a:t>
+            </a:r>
+            <a:r>
+              <a:rPr lang="ko-KR" altLang="en-US" sz="1400" dirty="0">
+                <a:solidFill>
+                  <a:schemeClr val="tx1">
+                    <a:lumMod val="65000"/>
+                    <a:lumOff val="35000"/>
+                  </a:schemeClr>
+                </a:solidFill>
+              </a:rPr>
+              <a:t> </a:t>
+            </a:r>
+            <a:r>
+              <a:rPr lang="en-US" altLang="ko-KR" sz="1400" dirty="0" smtClean="0">
+                <a:solidFill>
+                  <a:schemeClr val="tx1">
+                    <a:lumMod val="65000"/>
+                    <a:lumOff val="35000"/>
+                  </a:schemeClr>
+                </a:solidFill>
+              </a:rPr>
+              <a:t>/</a:t>
+            </a:r>
+            <a:r>
+              <a:rPr lang="ko-KR" altLang="en-US" sz="1400" dirty="0" smtClean="0">
+                <a:solidFill>
+                  <a:schemeClr val="tx1">
+                    <a:lumMod val="65000"/>
+                    <a:lumOff val="35000"/>
+                  </a:schemeClr>
+                </a:solidFill>
+              </a:rPr>
+              <a:t> </a:t>
+            </a:r>
+            <a:r>
+              <a:rPr lang="en-US" altLang="ko-KR" sz="1400" dirty="0" err="1" smtClean="0">
+                <a:solidFill>
+                  <a:schemeClr val="tx1">
+                    <a:lumMod val="65000"/>
+                    <a:lumOff val="35000"/>
+                  </a:schemeClr>
+                </a:solidFill>
+              </a:rPr>
+              <a:t>Select.y</a:t>
+            </a:r>
+            <a:r>
+              <a:rPr lang="en-US" altLang="ko-KR" sz="1400" dirty="0" smtClean="0">
+                <a:solidFill>
+                  <a:schemeClr val="tx1">
+                    <a:lumMod val="65000"/>
+                    <a:lumOff val="35000"/>
+                  </a:schemeClr>
+                </a:solidFill>
+              </a:rPr>
+              <a:t>)</a:t>
+            </a:r>
+            <a:r>
+              <a:rPr lang="ko-KR" altLang="en-US" sz="1400" dirty="0" smtClean="0">
+                <a:solidFill>
+                  <a:schemeClr val="tx1">
+                    <a:lumMod val="65000"/>
+                    <a:lumOff val="35000"/>
+                  </a:schemeClr>
+                </a:solidFill>
+              </a:rPr>
+              <a:t>가 매번 변해야 하기 때문에 </a:t>
+            </a:r>
+            <a:r>
+              <a:rPr lang="ko-KR" altLang="en-US" sz="1400" b="1" dirty="0" smtClean="0">
+                <a:solidFill>
+                  <a:srgbClr val="36D2CE"/>
+                </a:solidFill>
+              </a:rPr>
+              <a:t>주소 값을 함수에 전달</a:t>
+            </a:r>
+            <a:r>
+              <a:rPr lang="ko-KR" altLang="en-US" sz="1400" dirty="0" smtClean="0">
+                <a:solidFill>
+                  <a:schemeClr val="tx1">
+                    <a:lumMod val="65000"/>
+                    <a:lumOff val="35000"/>
+                  </a:schemeClr>
+                </a:solidFill>
+              </a:rPr>
+              <a:t> </a:t>
+            </a:r>
+            <a:r>
+              <a:rPr lang="en-US" altLang="ko-KR" sz="1400" dirty="0" smtClean="0">
+                <a:solidFill>
+                  <a:schemeClr val="tx1">
+                    <a:lumMod val="65000"/>
+                    <a:lumOff val="35000"/>
+                  </a:schemeClr>
+                </a:solidFill>
+              </a:rPr>
+              <a:t>(Call by Reference)</a:t>
+            </a:r>
+          </a:p>
+          <a:p>
+            <a:pPr marL="285750" indent="-285750">
+              <a:buFont typeface="Arial" panose="020B0604020202020204" pitchFamily="34" charset="0"/>
+              <a:buChar char="•"/>
+            </a:pPr>
+            <a:endParaRPr lang="en-US" altLang="ko-KR" sz="1400" dirty="0">
+              <a:solidFill>
+                <a:schemeClr val="tx1">
+                  <a:lumMod val="65000"/>
+                  <a:lumOff val="35000"/>
+                </a:schemeClr>
+              </a:solidFill>
+            </a:endParaRPr>
+          </a:p>
+          <a:p>
+            <a:pPr marL="285750" indent="-285750">
+              <a:buFont typeface="Arial" panose="020B0604020202020204" pitchFamily="34" charset="0"/>
+              <a:buChar char="•"/>
+            </a:pPr>
+            <a:r>
+              <a:rPr lang="en-US" altLang="ko-KR" sz="1400" dirty="0" smtClean="0">
+                <a:solidFill>
+                  <a:schemeClr val="tx1">
+                    <a:lumMod val="65000"/>
+                    <a:lumOff val="35000"/>
+                  </a:schemeClr>
+                </a:solidFill>
+              </a:rPr>
+              <a:t>LEFT </a:t>
+            </a:r>
+            <a:r>
+              <a:rPr lang="en-US" altLang="ko-KR" sz="1400" dirty="0" smtClean="0">
+                <a:solidFill>
+                  <a:schemeClr val="tx1">
+                    <a:lumMod val="65000"/>
+                    <a:lumOff val="35000"/>
+                  </a:schemeClr>
+                </a:solidFill>
+              </a:rPr>
+              <a:t>: Select-&gt;x </a:t>
             </a:r>
             <a:r>
               <a:rPr lang="ko-KR" altLang="en-US" sz="1400" dirty="0" smtClean="0">
@@ -10206,6 +10295,29 @@
           </a:p>
         </p:txBody>
       </p:sp>
+      <p:pic>
+        <p:nvPicPr>
+          <p:cNvPr id="19" name="그림 18"/>
+          <p:cNvPicPr>
+            <a:picLocks noChangeAspect="1"/>
+          </p:cNvPicPr>
+          <p:nvPr/>
+        </p:nvPicPr>
+        <p:blipFill rotWithShape="1">
+          <a:blip r:embed="rId3"/>
+          <a:srcRect l="59476" t="9824" r="7890" b="48039"/>
+          <a:stretch/>
+        </p:blipFill>
+        <p:spPr>
+          <a:xfrm>
+            <a:off x="557398" y="4335997"/>
+            <a:ext cx="11077202" cy="371527"/>
+          </a:xfrm>
+          <a:prstGeom prst="rect">
+            <a:avLst/>
+          </a:prstGeom>
+        </p:spPr>
+      </p:pic>
       <p:grpSp>
         <p:nvGrpSpPr>
           <p:cNvPr id="15" name="그룹 14"/>
@@ -10214,36 +10326,12 @@
         </p:nvGrpSpPr>
         <p:grpSpPr>
           <a:xfrm>
-            <a:off x="557398" y="1622797"/>
-            <a:ext cx="11077202" cy="3170264"/>
-            <a:chOff x="557398" y="1622797"/>
-            <a:chExt cx="11077202" cy="3170264"/>
+            <a:off x="557398" y="4421534"/>
+            <a:ext cx="11077202" cy="371527"/>
+            <a:chOff x="557398" y="4421534"/>
+            <a:chExt cx="11077202" cy="371527"/>
           </a:xfrm>
         </p:grpSpPr>
-        <p:pic>
-          <p:nvPicPr>
-            <p:cNvPr id="3" name="그림 2"/>
-            <p:cNvPicPr>
-              <a:picLocks noChangeAspect="1"/>
-            </p:cNvPicPr>
-            <p:nvPr/>
-          </p:nvPicPr>
-          <p:blipFill>
-            <a:blip r:embed="rId2"/>
-            <a:stretch>
-              <a:fillRect/>
-            </a:stretch>
-          </p:blipFill>
-          <p:spPr>
-            <a:xfrm>
-              <a:off x="557398" y="1622797"/>
-              <a:ext cx="11077202" cy="2798737"/>
-            </a:xfrm>
-            <a:prstGeom prst="rect">
-              <a:avLst/>
-            </a:prstGeom>
-          </p:spPr>
-        </p:pic>
         <p:pic>
           <p:nvPicPr>
             <p:cNvPr id="10" name="그림 9"/>
@@ -10253,7 +10341,7 @@
             <p:nvPr/>
           </p:nvPicPr>
           <p:blipFill>
-            <a:blip r:embed="rId3"/>
+            <a:blip r:embed="rId4"/>
             <a:stretch>
               <a:fillRect/>
             </a:stretch>
@@ -10277,7 +10365,7 @@
             <p:nvPr/>
           </p:nvPicPr>
           <p:blipFill>
-            <a:blip r:embed="rId4"/>
+            <a:blip r:embed="rId5"/>
             <a:stretch>
               <a:fillRect/>
             </a:stretch>
@@ -10301,7 +10389,7 @@
             <p:nvPr/>
           </p:nvPicPr>
           <p:blipFill rotWithShape="1">
-            <a:blip r:embed="rId2"/>
+            <a:blip r:embed="rId3"/>
             <a:srcRect l="59476" t="9824" r="7890" b="48039"/>
             <a:stretch/>
           </p:blipFill>
@@ -10324,7 +10412,7 @@
             <p:nvPr/>
           </p:nvPicPr>
           <p:blipFill rotWithShape="1">
-            <a:blip r:embed="rId2"/>
+            <a:blip r:embed="rId3"/>
             <a:srcRect l="59476" t="9824" r="7890" b="48039"/>
             <a:stretch/>
           </p:blipFill>
@@ -10347,8 +10435,8 @@
         </p:nvSpPr>
         <p:spPr>
           <a:xfrm>
-            <a:off x="1215423" y="4412987"/>
-            <a:ext cx="10381221" cy="337343"/>
+            <a:off x="1215423" y="4421533"/>
+            <a:ext cx="6535613" cy="337343"/>
           </a:xfrm>
           <a:prstGeom prst="roundRect">
             <a:avLst>
@@ -10615,112 +10703,6 @@
       </p:grpSp>
       <p:sp>
         <p:nvSpPr>
-          <p:cNvPr id="11" name="TextBox 10">
-            <a:extLst>
-              <a:ext uri="{FF2B5EF4-FFF2-40B4-BE49-F238E27FC236}">
-                <a16:creationId xmlns:a16="http://schemas.microsoft.com/office/drawing/2014/main" id="{9BD65EA8-75FC-4381-8F1B-C7736D8545B7}"/>
-              </a:ext>
-            </a:extLst>
-          </p:cNvPr>
-          <p:cNvSpPr txBox="1"/>
-          <p:nvPr/>
-        </p:nvSpPr>
-        <p:spPr>
-          <a:xfrm>
-            <a:off x="557400" y="1222687"/>
-            <a:ext cx="2758368" cy="400110"/>
-          </a:xfrm>
-          <a:prstGeom prst="rect">
-            <a:avLst/>
-          </a:prstGeom>
-          <a:noFill/>
-        </p:spPr>
-        <p:txBody>
-          <a:bodyPr wrap="square" rtlCol="0" anchor="ctr">
-            <a:spAutoFit/>
-          </a:bodyPr>
-          <a:lstStyle/>
-          <a:p>
-            <a:r>
-              <a:rPr lang="en-US" altLang="ko-KR" sz="2000" b="1" dirty="0">
-                <a:solidFill>
-                  <a:schemeClr val="tx1">
-                    <a:lumMod val="65000"/>
-                    <a:lumOff val="35000"/>
-                  </a:schemeClr>
-                </a:solidFill>
-                <a:latin typeface="+mn-ea"/>
-                <a:cs typeface="KoPubWorld돋움체 Bold" panose="00000800000000000000" pitchFamily="2" charset="-127"/>
-              </a:rPr>
-              <a:t>while (Scene</a:t>
-            </a:r>
-            <a:r>
-              <a:rPr lang="ko-KR" altLang="en-US" sz="2000" b="1" dirty="0">
-                <a:solidFill>
-                  <a:schemeClr val="tx1">
-                    <a:lumMod val="65000"/>
-                    <a:lumOff val="35000"/>
-                  </a:schemeClr>
-                </a:solidFill>
-                <a:latin typeface="+mn-ea"/>
-                <a:cs typeface="KoPubWorld돋움체 Bold" panose="00000800000000000000" pitchFamily="2" charset="-127"/>
-              </a:rPr>
-              <a:t> </a:t>
-            </a:r>
-            <a:r>
-              <a:rPr lang="en-US" altLang="ko-KR" sz="2000" b="1" dirty="0">
-                <a:solidFill>
-                  <a:schemeClr val="tx1">
-                    <a:lumMod val="65000"/>
-                    <a:lumOff val="35000"/>
-                  </a:schemeClr>
-                </a:solidFill>
-                <a:latin typeface="+mn-ea"/>
-                <a:cs typeface="KoPubWorld돋움체 Bold" panose="00000800000000000000" pitchFamily="2" charset="-127"/>
-              </a:rPr>
-              <a:t>==</a:t>
-            </a:r>
-            <a:r>
-              <a:rPr lang="ko-KR" altLang="en-US" sz="2000" b="1" dirty="0">
-                <a:solidFill>
-                  <a:schemeClr val="tx1">
-                    <a:lumMod val="65000"/>
-                    <a:lumOff val="35000"/>
-                  </a:schemeClr>
-                </a:solidFill>
-                <a:latin typeface="+mn-ea"/>
-                <a:cs typeface="KoPubWorld돋움체 Bold" panose="00000800000000000000" pitchFamily="2" charset="-127"/>
-              </a:rPr>
-              <a:t> </a:t>
-            </a:r>
-            <a:r>
-              <a:rPr lang="en-US" altLang="ko-KR" sz="2000" b="1" dirty="0">
-                <a:solidFill>
-                  <a:schemeClr val="tx1">
-                    <a:lumMod val="65000"/>
-                    <a:lumOff val="35000"/>
-                  </a:schemeClr>
-                </a:solidFill>
-                <a:latin typeface="+mn-ea"/>
-                <a:cs typeface="KoPubWorld돋움체 Bold" panose="00000800000000000000" pitchFamily="2" charset="-127"/>
-              </a:rPr>
-              <a:t>0)</a:t>
-            </a:r>
-            <a:endParaRPr lang="ko-KR" altLang="en-US" sz="2000" b="1" dirty="0">
-              <a:solidFill>
-                <a:schemeClr val="tx1">
-                  <a:lumMod val="65000"/>
-                  <a:lumOff val="35000"/>
-                </a:schemeClr>
-              </a:solidFill>
-              <a:latin typeface="+mn-ea"/>
-              <a:cs typeface="KoPubWorld돋움체 Bold" panose="00000800000000000000" pitchFamily="2" charset="-127"/>
-            </a:endParaRPr>
-          </a:p>
-        </p:txBody>
-      </p:sp>
-      <p:sp>
-        <p:nvSpPr>
           <p:cNvPr id="17" name="직사각형 16"/>
           <p:cNvSpPr/>
           <p:nvPr/>
@@ -10878,7 +10860,7 @@
               <a:t>함수에 매개 변수 </a:t>
             </a:r>
             <a:r>
-              <a:rPr lang="en-US" altLang="ko-KR" sz="1100" dirty="0" smtClean="0">
+              <a:rPr lang="en-US" altLang="ko-KR" sz="1100" u="sng" dirty="0" smtClean="0">
                 <a:solidFill>
                   <a:schemeClr val="tx1">
                     <a:lumMod val="65000"/>
@@ -11044,7 +11026,7 @@
               <a:t>함수에 매개 변수 </a:t>
             </a:r>
             <a:r>
-              <a:rPr lang="en-US" altLang="ko-KR" sz="1100" dirty="0" smtClean="0">
+              <a:rPr lang="en-US" altLang="ko-KR" sz="1100" u="sng" dirty="0" smtClean="0">
                 <a:solidFill>
                   <a:schemeClr val="tx1">
                     <a:lumMod val="65000"/>
@@ -11265,7 +11247,7 @@
               <a:t>함수에 매개 변수 </a:t>
             </a:r>
             <a:r>
-              <a:rPr lang="en-US" altLang="ko-KR" sz="1100" dirty="0" smtClean="0">
+              <a:rPr lang="en-US" altLang="ko-KR" sz="1100" u="sng" dirty="0" smtClean="0">
                 <a:solidFill>
                   <a:schemeClr val="tx1">
                     <a:lumMod val="65000"/>
@@ -11319,54 +11301,167 @@
           </a:p>
         </p:txBody>
       </p:sp>
+      <p:sp>
+        <p:nvSpPr>
+          <p:cNvPr id="19" name="TextBox 18">
+            <a:extLst>
+              <a:ext uri="{FF2B5EF4-FFF2-40B4-BE49-F238E27FC236}">
+                <a16:creationId xmlns:a16="http://schemas.microsoft.com/office/drawing/2014/main" id="{9BD65EA8-75FC-4381-8F1B-C7736D8545B7}"/>
+              </a:ext>
+            </a:extLst>
+          </p:cNvPr>
+          <p:cNvSpPr txBox="1"/>
+          <p:nvPr/>
+        </p:nvSpPr>
+        <p:spPr>
+          <a:xfrm>
+            <a:off x="557399" y="1222687"/>
+            <a:ext cx="4450437" cy="400110"/>
+          </a:xfrm>
+          <a:prstGeom prst="rect">
+            <a:avLst/>
+          </a:prstGeom>
+          <a:noFill/>
+        </p:spPr>
+        <p:txBody>
+          <a:bodyPr wrap="square" rtlCol="0" anchor="ctr">
+            <a:spAutoFit/>
+          </a:bodyPr>
+          <a:lstStyle/>
+          <a:p>
+            <a:r>
+              <a:rPr lang="en-US" altLang="ko-KR" sz="2000" b="1" dirty="0" smtClean="0">
+                <a:solidFill>
+                  <a:srgbClr val="36D2CE"/>
+                </a:solidFill>
+                <a:latin typeface="+mn-ea"/>
+                <a:cs typeface="KoPubWorld돋움체 Bold" panose="00000800000000000000" pitchFamily="2" charset="-127"/>
+              </a:rPr>
+              <a:t>void</a:t>
+            </a:r>
+            <a:r>
+              <a:rPr lang="en-US" altLang="ko-KR" sz="2000" b="1" dirty="0" smtClean="0">
+                <a:solidFill>
+                  <a:schemeClr val="tx1">
+                    <a:lumMod val="65000"/>
+                    <a:lumOff val="35000"/>
+                  </a:schemeClr>
+                </a:solidFill>
+                <a:latin typeface="+mn-ea"/>
+                <a:cs typeface="KoPubWorld돋움체 Bold" panose="00000800000000000000" pitchFamily="2" charset="-127"/>
+              </a:rPr>
+              <a:t> Keyboard(</a:t>
+            </a:r>
+            <a:r>
+              <a:rPr lang="en-US" altLang="ko-KR" sz="2000" b="1" dirty="0" err="1" smtClean="0">
+                <a:solidFill>
+                  <a:schemeClr val="tx1">
+                    <a:lumMod val="65000"/>
+                    <a:lumOff val="35000"/>
+                  </a:schemeClr>
+                </a:solidFill>
+                <a:latin typeface="+mn-ea"/>
+                <a:cs typeface="KoPubWorld돋움체 Bold" panose="00000800000000000000" pitchFamily="2" charset="-127"/>
+              </a:rPr>
+              <a:t>SelectCard</a:t>
+            </a:r>
+            <a:r>
+              <a:rPr lang="en-US" altLang="ko-KR" sz="2000" b="1" dirty="0" smtClean="0">
+                <a:solidFill>
+                  <a:schemeClr val="tx1">
+                    <a:lumMod val="65000"/>
+                    <a:lumOff val="35000"/>
+                  </a:schemeClr>
+                </a:solidFill>
+                <a:latin typeface="+mn-ea"/>
+                <a:cs typeface="KoPubWorld돋움체 Bold" panose="00000800000000000000" pitchFamily="2" charset="-127"/>
+              </a:rPr>
+              <a:t> * Select)</a:t>
+            </a:r>
+            <a:endParaRPr lang="ko-KR" altLang="en-US" sz="2000" b="1" dirty="0">
+              <a:solidFill>
+                <a:schemeClr val="tx1">
+                  <a:lumMod val="65000"/>
+                  <a:lumOff val="35000"/>
+                </a:schemeClr>
+              </a:solidFill>
+              <a:latin typeface="+mn-ea"/>
+              <a:cs typeface="KoPubWorld돋움체 Bold" panose="00000800000000000000" pitchFamily="2" charset="-127"/>
+            </a:endParaRPr>
+          </a:p>
+        </p:txBody>
+      </p:sp>
+      <p:pic>
+        <p:nvPicPr>
+          <p:cNvPr id="21" name="그림 20"/>
+          <p:cNvPicPr>
+            <a:picLocks noChangeAspect="1"/>
+          </p:cNvPicPr>
+          <p:nvPr/>
+        </p:nvPicPr>
+        <p:blipFill>
+          <a:blip r:embed="rId2"/>
+          <a:stretch>
+            <a:fillRect/>
+          </a:stretch>
+        </p:blipFill>
+        <p:spPr>
+          <a:xfrm>
+            <a:off x="557397" y="1622797"/>
+            <a:ext cx="11077203" cy="2715470"/>
+          </a:xfrm>
+          <a:prstGeom prst="rect">
+            <a:avLst/>
+          </a:prstGeom>
+        </p:spPr>
+      </p:pic>
+      <p:pic>
+        <p:nvPicPr>
+          <p:cNvPr id="24" name="그림 23"/>
+          <p:cNvPicPr>
+            <a:picLocks noChangeAspect="1"/>
+          </p:cNvPicPr>
+          <p:nvPr/>
+        </p:nvPicPr>
+        <p:blipFill rotWithShape="1">
+          <a:blip r:embed="rId3"/>
+          <a:srcRect l="59476" t="9824" r="7890" b="48039"/>
+          <a:stretch/>
+        </p:blipFill>
+        <p:spPr>
+          <a:xfrm>
+            <a:off x="557398" y="4335997"/>
+            <a:ext cx="11077202" cy="371527"/>
+          </a:xfrm>
+          <a:prstGeom prst="rect">
+            <a:avLst/>
+          </a:prstGeom>
+        </p:spPr>
+      </p:pic>
       <p:grpSp>
         <p:nvGrpSpPr>
-          <p:cNvPr id="15" name="그룹 14"/>
+          <p:cNvPr id="25" name="그룹 24"/>
           <p:cNvGrpSpPr/>
           <p:nvPr/>
         </p:nvGrpSpPr>
         <p:grpSpPr>
           <a:xfrm>
-            <a:off x="557398" y="1622797"/>
-            <a:ext cx="11077202" cy="3170264"/>
-            <a:chOff x="557398" y="1622797"/>
-            <a:chExt cx="11077202" cy="3170264"/>
+            <a:off x="557398" y="4421534"/>
+            <a:ext cx="11077202" cy="371527"/>
+            <a:chOff x="557398" y="4421534"/>
+            <a:chExt cx="11077202" cy="371527"/>
           </a:xfrm>
         </p:grpSpPr>
         <p:pic>
           <p:nvPicPr>
-            <p:cNvPr id="3" name="그림 2"/>
+            <p:cNvPr id="26" name="그림 25"/>
             <p:cNvPicPr>
               <a:picLocks noChangeAspect="1"/>
             </p:cNvPicPr>
             <p:nvPr/>
           </p:nvPicPr>
           <p:blipFill>
-            <a:blip r:embed="rId2"/>
-            <a:stretch>
-              <a:fillRect/>
-            </a:stretch>
-          </p:blipFill>
-          <p:spPr>
-            <a:xfrm>
-              <a:off x="557398" y="1622797"/>
-              <a:ext cx="11077202" cy="2798737"/>
-            </a:xfrm>
-            <a:prstGeom prst="rect">
-              <a:avLst/>
-            </a:prstGeom>
-          </p:spPr>
-        </p:pic>
-        <p:pic>
-          <p:nvPicPr>
-            <p:cNvPr id="10" name="그림 9"/>
-            <p:cNvPicPr>
-              <a:picLocks noChangeAspect="1"/>
-            </p:cNvPicPr>
-            <p:nvPr/>
-          </p:nvPicPr>
-          <p:blipFill>
-            <a:blip r:embed="rId3"/>
+            <a:blip r:embed="rId4"/>
             <a:stretch>
               <a:fillRect/>
             </a:stretch>
@@ -11383,14 +11478,14 @@
         </p:pic>
         <p:pic>
           <p:nvPicPr>
-            <p:cNvPr id="12" name="그림 11"/>
+            <p:cNvPr id="27" name="그림 26"/>
             <p:cNvPicPr>
               <a:picLocks noChangeAspect="1"/>
             </p:cNvPicPr>
             <p:nvPr/>
           </p:nvPicPr>
           <p:blipFill>
-            <a:blip r:embed="rId4"/>
+            <a:blip r:embed="rId5"/>
             <a:stretch>
               <a:fillRect/>
             </a:stretch>
@@ -11407,14 +11502,14 @@
         </p:pic>
         <p:pic>
           <p:nvPicPr>
-            <p:cNvPr id="18" name="그림 17"/>
+            <p:cNvPr id="28" name="그림 27"/>
             <p:cNvPicPr>
               <a:picLocks noChangeAspect="1"/>
             </p:cNvPicPr>
             <p:nvPr/>
           </p:nvPicPr>
           <p:blipFill rotWithShape="1">
-            <a:blip r:embed="rId2"/>
+            <a:blip r:embed="rId3"/>
             <a:srcRect l="59476" t="9824" r="7890" b="48039"/>
             <a:stretch/>
           </p:blipFill>
@@ -11430,14 +11525,14 @@
         </p:pic>
         <p:pic>
           <p:nvPicPr>
-            <p:cNvPr id="20" name="그림 19"/>
+            <p:cNvPr id="29" name="그림 28"/>
             <p:cNvPicPr>
               <a:picLocks noChangeAspect="1"/>
             </p:cNvPicPr>
             <p:nvPr/>
           </p:nvPicPr>
           <p:blipFill rotWithShape="1">
-            <a:blip r:embed="rId2"/>
+            <a:blip r:embed="rId3"/>
             <a:srcRect l="59476" t="9824" r="7890" b="48039"/>
             <a:stretch/>
           </p:blipFill>
@@ -11454,14 +11549,14 @@
       </p:grpSp>
       <p:sp>
         <p:nvSpPr>
-          <p:cNvPr id="22" name="모서리가 둥근 직사각형 21"/>
+          <p:cNvPr id="30" name="모서리가 둥근 직사각형 29"/>
           <p:cNvSpPr/>
           <p:nvPr/>
         </p:nvSpPr>
         <p:spPr>
           <a:xfrm>
-            <a:off x="1215423" y="3826445"/>
-            <a:ext cx="10381221" cy="595089"/>
+            <a:off x="1215423" y="3788349"/>
+            <a:ext cx="10304308" cy="547648"/>
           </a:xfrm>
           <a:prstGeom prst="roundRect">
             <a:avLst>
@@ -11496,7 +11591,7 @@
           <a:lstStyle/>
           <a:p>
             <a:pPr algn="ctr"/>
-            <a:endParaRPr lang="ko-KR" altLang="en-US"/>
+            <a:endParaRPr lang="ko-KR" altLang="en-US" dirty="0"/>
           </a:p>
         </p:txBody>
       </p:sp>
@@ -11752,64 +11847,6 @@
       </p:grpSp>
       <p:sp>
         <p:nvSpPr>
-          <p:cNvPr id="11" name="TextBox 10">
-            <a:extLst>
-              <a:ext uri="{FF2B5EF4-FFF2-40B4-BE49-F238E27FC236}">
-                <a16:creationId xmlns:a16="http://schemas.microsoft.com/office/drawing/2014/main" id="{9BD65EA8-75FC-4381-8F1B-C7736D8545B7}"/>
-              </a:ext>
-            </a:extLst>
-          </p:cNvPr>
-          <p:cNvSpPr txBox="1"/>
-          <p:nvPr/>
-        </p:nvSpPr>
-        <p:spPr>
-          <a:xfrm>
-            <a:off x="557400" y="1222687"/>
-            <a:ext cx="2621636" cy="400110"/>
-          </a:xfrm>
-          <a:prstGeom prst="rect">
-            <a:avLst/>
-          </a:prstGeom>
-          <a:noFill/>
-        </p:spPr>
-        <p:txBody>
-          <a:bodyPr wrap="square" rtlCol="0" anchor="ctr">
-            <a:spAutoFit/>
-          </a:bodyPr>
-          <a:lstStyle/>
-          <a:p>
-            <a:r>
-              <a:rPr lang="en-US" altLang="ko-KR" sz="2000" b="1" dirty="0" err="1" smtClean="0">
-                <a:solidFill>
-                  <a:srgbClr val="FF0000"/>
-                </a:solidFill>
-                <a:latin typeface="+mn-ea"/>
-                <a:cs typeface="KoPubWorld돋움체 Bold" panose="00000800000000000000" pitchFamily="2" charset="-127"/>
-              </a:rPr>
-              <a:t>CreateCard</a:t>
-            </a:r>
-            <a:r>
-              <a:rPr lang="en-US" altLang="ko-KR" sz="2000" b="1" dirty="0" smtClean="0">
-                <a:solidFill>
-                  <a:srgbClr val="FF0000"/>
-                </a:solidFill>
-                <a:latin typeface="+mn-ea"/>
-                <a:cs typeface="KoPubWorld돋움체 Bold" panose="00000800000000000000" pitchFamily="2" charset="-127"/>
-              </a:rPr>
-              <a:t>( );</a:t>
-            </a:r>
-            <a:endParaRPr lang="ko-KR" altLang="en-US" sz="2000" b="1" dirty="0">
-              <a:solidFill>
-                <a:srgbClr val="FF0000"/>
-              </a:solidFill>
-              <a:latin typeface="+mn-ea"/>
-              <a:cs typeface="KoPubWorld돋움체 Bold" panose="00000800000000000000" pitchFamily="2" charset="-127"/>
-            </a:endParaRPr>
-          </a:p>
-        </p:txBody>
-      </p:sp>
-      <p:sp>
-        <p:nvSpPr>
           <p:cNvPr id="17" name="직사각형 16"/>
           <p:cNvSpPr/>
           <p:nvPr/>
@@ -11862,7 +11899,42 @@
                   </a:schemeClr>
                 </a:solidFill>
               </a:rPr>
-              <a:t>Keyboard </a:t>
+              <a:t>Card</a:t>
+            </a:r>
+            <a:r>
+              <a:rPr lang="en-US" altLang="ko-KR" sz="1400" b="1" dirty="0" smtClean="0">
+                <a:solidFill>
+                  <a:srgbClr val="36D2CE"/>
+                </a:solidFill>
+              </a:rPr>
+              <a:t>’</a:t>
+            </a:r>
+            <a:r>
+              <a:rPr lang="ko-KR" altLang="en-US" sz="1400" b="1" dirty="0" smtClean="0">
+                <a:solidFill>
+                  <a:srgbClr val="36D2CE"/>
+                </a:solidFill>
+              </a:rPr>
+              <a:t>선택한 난이도</a:t>
+            </a:r>
+            <a:r>
+              <a:rPr lang="en-US" altLang="ko-KR" sz="1400" b="1" dirty="0" smtClean="0">
+                <a:solidFill>
+                  <a:srgbClr val="36D2CE"/>
+                </a:solidFill>
+              </a:rPr>
+              <a:t>’</a:t>
+            </a:r>
+            <a:r>
+              <a:rPr lang="en-US" altLang="ko-KR" sz="1400" dirty="0" smtClean="0">
+                <a:solidFill>
+                  <a:schemeClr val="tx1">
+                    <a:lumMod val="65000"/>
+                    <a:lumOff val="35000"/>
+                  </a:schemeClr>
+                </a:solidFill>
+              </a:rPr>
+              <a:t> 2</a:t>
             </a:r>
             <a:r>
               <a:rPr lang="ko-KR" altLang="en-US" sz="1400" dirty="0" smtClean="0">
@@ -11873,7 +11945,18 @@
                   </a:schemeClr>
                 </a:solidFill>
               </a:rPr>
-              <a:t>함수에 의해</a:t>
+              <a:t>차원 배열을 난이도 별 설정된 가로 </a:t>
+            </a:r>
+            <a:r>
+              <a:rPr lang="en-US" altLang="ko-KR" sz="1400" dirty="0" smtClean="0">
+                <a:solidFill>
+                  <a:schemeClr val="tx1">
+                    <a:lumMod val="65000"/>
+                    <a:lumOff val="35000"/>
+                  </a:schemeClr>
+                </a:solidFill>
+              </a:rPr>
+              <a:t>&amp; </a:t>
             </a:r>
             <a:r>
               <a:rPr lang="ko-KR" altLang="en-US" sz="1400" dirty="0" smtClean="0">
@@ -11884,7 +11967,7 @@
                   </a:schemeClr>
                 </a:solidFill>
               </a:rPr>
-              <a:t> 스페이스 바를 누르게 되면 </a:t>
+              <a:t>세로  데이터의 </a:t>
             </a:r>
             <a:r>
               <a:rPr lang="en-US" altLang="ko-KR" sz="1400" dirty="0" smtClean="0">
@@ -11895,7 +11978,7 @@
                   </a:schemeClr>
                 </a:solidFill>
               </a:rPr>
-              <a:t>Scene</a:t>
+              <a:t>2</a:t>
             </a:r>
             <a:r>
               <a:rPr lang="ko-KR" altLang="en-US" sz="1400" dirty="0" smtClean="0">
@@ -11906,71 +11989,61 @@
                   </a:schemeClr>
                 </a:solidFill>
               </a:rPr>
-              <a:t>이 </a:t>
-            </a:r>
-            <a:r>
-              <a:rPr lang="en-US" altLang="ko-KR" sz="1400" dirty="0" smtClean="0">
-                <a:solidFill>
-                  <a:schemeClr val="tx1">
-                    <a:lumMod val="65000"/>
-                    <a:lumOff val="35000"/>
-                  </a:schemeClr>
-                </a:solidFill>
-              </a:rPr>
-              <a:t>1</a:t>
-            </a:r>
-            <a:r>
-              <a:rPr lang="ko-KR" altLang="en-US" sz="1400" dirty="0" smtClean="0">
-                <a:solidFill>
-                  <a:schemeClr val="tx1">
-                    <a:lumMod val="65000"/>
-                    <a:lumOff val="35000"/>
-                  </a:schemeClr>
-                </a:solidFill>
-              </a:rPr>
-              <a:t>이 되면서 </a:t>
-            </a:r>
-            <a:r>
-              <a:rPr lang="en-US" altLang="ko-KR" sz="1400" dirty="0" smtClean="0">
-                <a:solidFill>
-                  <a:schemeClr val="tx1">
-                    <a:lumMod val="65000"/>
-                    <a:lumOff val="35000"/>
-                  </a:schemeClr>
-                </a:solidFill>
-              </a:rPr>
-              <a:t>while</a:t>
-            </a:r>
-            <a:r>
-              <a:rPr lang="ko-KR" altLang="en-US" sz="1400" dirty="0" smtClean="0">
-                <a:solidFill>
-                  <a:schemeClr val="tx1">
-                    <a:lumMod val="65000"/>
-                    <a:lumOff val="35000"/>
-                  </a:schemeClr>
-                </a:solidFill>
-              </a:rPr>
-              <a:t>문 탈출 후 </a:t>
-            </a:r>
-            <a:r>
-              <a:rPr lang="en-US" altLang="ko-KR" sz="1400" b="1" dirty="0" smtClean="0">
-                <a:solidFill>
-                  <a:srgbClr val="36D2CE"/>
-                </a:solidFill>
-              </a:rPr>
-              <a:t>Countdown </a:t>
-            </a:r>
-            <a:r>
-              <a:rPr lang="ko-KR" altLang="en-US" sz="1400" b="1" dirty="0" smtClean="0">
-                <a:solidFill>
-                  <a:srgbClr val="36D2CE"/>
-                </a:solidFill>
-              </a:rPr>
-              <a:t>함수를 출력</a:t>
-            </a:r>
-            <a:endParaRPr lang="en-US" altLang="ko-KR" sz="1400" b="1" dirty="0" smtClean="0">
+              <a:t>배 길이만큼 제작</a:t>
+            </a:r>
+            <a:endParaRPr lang="en-US" altLang="ko-KR" sz="1400" dirty="0" smtClean="0">
               <a:solidFill>
-                <a:srgbClr val="36D2CE"/>
+                <a:schemeClr val="tx1">
+                  <a:lumMod val="65000"/>
+                  <a:lumOff val="35000"/>
+                </a:schemeClr>
+              </a:solidFill>
+            </a:endParaRPr>
+          </a:p>
+          <a:p>
+            <a:pPr marL="742950" lvl="1" indent="-285750">
+              <a:buFont typeface="Wingdings" panose="05000000000000000000" pitchFamily="2" charset="2"/>
+              <a:buChar char="Ø"/>
+            </a:pPr>
+            <a:r>
+              <a:rPr lang="ko-KR" altLang="en-US" sz="1100" dirty="0" smtClean="0">
+                <a:solidFill>
+                  <a:schemeClr val="tx1">
+                    <a:lumMod val="65000"/>
+                    <a:lumOff val="35000"/>
+                  </a:schemeClr>
+                </a:solidFill>
+              </a:rPr>
+              <a:t>보드를 </a:t>
+            </a:r>
+            <a:r>
+              <a:rPr lang="en-US" altLang="ko-KR" sz="1100" dirty="0" smtClean="0">
+                <a:solidFill>
+                  <a:schemeClr val="tx1">
+                    <a:lumMod val="65000"/>
+                    <a:lumOff val="35000"/>
+                  </a:schemeClr>
+                </a:solidFill>
+              </a:rPr>
+              <a:t>2</a:t>
+            </a:r>
+            <a:r>
+              <a:rPr lang="ko-KR" altLang="en-US" sz="1100" dirty="0" smtClean="0">
+                <a:solidFill>
+                  <a:schemeClr val="tx1">
+                    <a:lumMod val="65000"/>
+                    <a:lumOff val="35000"/>
+                  </a:schemeClr>
+                </a:solidFill>
+              </a:rPr>
+              <a:t>배 길이로 만들어야 하는 이유</a:t>
+            </a:r>
+            <a:endParaRPr lang="en-US" altLang="ko-KR" sz="1100" dirty="0" smtClean="0">
+              <a:solidFill>
+                <a:schemeClr val="tx1">
+                  <a:lumMod val="65000"/>
+                  <a:lumOff val="35000"/>
+                </a:schemeClr>
               </a:solidFill>
             </a:endParaRPr>
           </a:p>
@@ -12078,371 +12151,6 @@
               <a:buChar char="•"/>
             </a:pPr>
             <a:endParaRPr lang="en-US" altLang="ko-KR" sz="1400" dirty="0">
-              <a:solidFill>
-                <a:schemeClr val="tx1">
-                  <a:lumMod val="65000"/>
-                  <a:lumOff val="35000"/>
-                </a:schemeClr>
-              </a:solidFill>
-            </a:endParaRPr>
-          </a:p>
-          <a:p>
-            <a:pPr marL="285750" indent="-285750">
-              <a:buFont typeface="Arial" panose="020B0604020202020204" pitchFamily="34" charset="0"/>
-              <a:buChar char="•"/>
-            </a:pPr>
-            <a:endParaRPr lang="en-US" altLang="ko-KR" sz="1400" dirty="0" smtClean="0">
-              <a:solidFill>
-                <a:schemeClr val="tx1">
-                  <a:lumMod val="65000"/>
-                  <a:lumOff val="35000"/>
-                </a:schemeClr>
-              </a:solidFill>
-            </a:endParaRPr>
-          </a:p>
-          <a:p>
-            <a:pPr marL="285750" indent="-285750">
-              <a:buFont typeface="Arial" panose="020B0604020202020204" pitchFamily="34" charset="0"/>
-              <a:buChar char="•"/>
-            </a:pPr>
-            <a:endParaRPr lang="en-US" altLang="ko-KR" sz="1400" dirty="0">
-              <a:solidFill>
-                <a:schemeClr val="tx1">
-                  <a:lumMod val="65000"/>
-                  <a:lumOff val="35000"/>
-                </a:schemeClr>
-              </a:solidFill>
-            </a:endParaRPr>
-          </a:p>
-          <a:p>
-            <a:pPr marL="285750" indent="-285750">
-              <a:buFont typeface="Arial" panose="020B0604020202020204" pitchFamily="34" charset="0"/>
-              <a:buChar char="•"/>
-            </a:pPr>
-            <a:endParaRPr lang="en-US" altLang="ko-KR" sz="1400" dirty="0" smtClean="0">
-              <a:solidFill>
-                <a:schemeClr val="tx1">
-                  <a:lumMod val="65000"/>
-                  <a:lumOff val="35000"/>
-                </a:schemeClr>
-              </a:solidFill>
-            </a:endParaRPr>
-          </a:p>
-          <a:p>
-            <a:pPr marL="285750" indent="-285750">
-              <a:buFont typeface="Arial" panose="020B0604020202020204" pitchFamily="34" charset="0"/>
-              <a:buChar char="•"/>
-            </a:pPr>
-            <a:endParaRPr lang="en-US" altLang="ko-KR" sz="1400" dirty="0">
-              <a:solidFill>
-                <a:schemeClr val="tx1">
-                  <a:lumMod val="65000"/>
-                  <a:lumOff val="35000"/>
-                </a:schemeClr>
-              </a:solidFill>
-            </a:endParaRPr>
-          </a:p>
-          <a:p>
-            <a:pPr marL="285750" indent="-285750">
-              <a:buFont typeface="Arial" panose="020B0604020202020204" pitchFamily="34" charset="0"/>
-              <a:buChar char="•"/>
-            </a:pPr>
-            <a:endParaRPr lang="en-US" altLang="ko-KR" sz="1400" dirty="0" smtClean="0">
-              <a:solidFill>
-                <a:schemeClr val="tx1">
-                  <a:lumMod val="65000"/>
-                  <a:lumOff val="35000"/>
-                </a:schemeClr>
-              </a:solidFill>
-            </a:endParaRPr>
-          </a:p>
-          <a:p>
-            <a:pPr marL="285750" indent="-285750">
-              <a:buFont typeface="Arial" panose="020B0604020202020204" pitchFamily="34" charset="0"/>
-              <a:buChar char="•"/>
-            </a:pPr>
-            <a:endParaRPr lang="en-US" altLang="ko-KR" sz="1400" dirty="0">
-              <a:solidFill>
-                <a:schemeClr val="tx1">
-                  <a:lumMod val="65000"/>
-                  <a:lumOff val="35000"/>
-                </a:schemeClr>
-              </a:solidFill>
-            </a:endParaRPr>
-          </a:p>
-          <a:p>
-            <a:pPr marL="285750" indent="-285750">
-              <a:buFont typeface="Arial" panose="020B0604020202020204" pitchFamily="34" charset="0"/>
-              <a:buChar char="•"/>
-            </a:pPr>
-            <a:endParaRPr lang="en-US" altLang="ko-KR" sz="1400" dirty="0" smtClean="0">
-              <a:solidFill>
-                <a:schemeClr val="tx1">
-                  <a:lumMod val="65000"/>
-                  <a:lumOff val="35000"/>
-                </a:schemeClr>
-              </a:solidFill>
-            </a:endParaRPr>
-          </a:p>
-          <a:p>
-            <a:pPr marL="285750" indent="-285750">
-              <a:buFont typeface="Arial" panose="020B0604020202020204" pitchFamily="34" charset="0"/>
-              <a:buChar char="•"/>
-            </a:pPr>
-            <a:endParaRPr lang="en-US" altLang="ko-KR" sz="1400" dirty="0">
-              <a:solidFill>
-                <a:schemeClr val="tx1">
-                  <a:lumMod val="65000"/>
-                  <a:lumOff val="35000"/>
-                </a:schemeClr>
-              </a:solidFill>
-            </a:endParaRPr>
-          </a:p>
-          <a:p>
-            <a:pPr marL="285750" indent="-285750">
-              <a:buFont typeface="Arial" panose="020B0604020202020204" pitchFamily="34" charset="0"/>
-              <a:buChar char="•"/>
-            </a:pPr>
-            <a:endParaRPr lang="en-US" altLang="ko-KR" sz="1400" dirty="0" smtClean="0">
-              <a:solidFill>
-                <a:schemeClr val="tx1">
-                  <a:lumMod val="65000"/>
-                  <a:lumOff val="35000"/>
-                </a:schemeClr>
-              </a:solidFill>
-            </a:endParaRPr>
-          </a:p>
-          <a:p>
-            <a:pPr marL="285750" indent="-285750">
-              <a:buFont typeface="Arial" panose="020B0604020202020204" pitchFamily="34" charset="0"/>
-              <a:buChar char="•"/>
-            </a:pPr>
-            <a:endParaRPr lang="en-US" altLang="ko-KR" sz="1400" dirty="0">
-              <a:solidFill>
-                <a:schemeClr val="tx1">
-                  <a:lumMod val="65000"/>
-                  <a:lumOff val="35000"/>
-                </a:schemeClr>
-              </a:solidFill>
-            </a:endParaRPr>
-          </a:p>
-          <a:p>
-            <a:pPr marL="285750" indent="-285750">
-              <a:buFont typeface="Arial" panose="020B0604020202020204" pitchFamily="34" charset="0"/>
-              <a:buChar char="•"/>
-            </a:pPr>
-            <a:r>
-              <a:rPr lang="en-US" altLang="ko-KR" sz="1400" dirty="0" smtClean="0">
-                <a:solidFill>
-                  <a:schemeClr val="tx1">
-                    <a:lumMod val="65000"/>
-                    <a:lumOff val="35000"/>
-                  </a:schemeClr>
-                </a:solidFill>
-              </a:rPr>
-              <a:t>Sleep(1000)</a:t>
-            </a:r>
-            <a:r>
-              <a:rPr lang="ko-KR" altLang="en-US" sz="1400" dirty="0" smtClean="0">
-                <a:solidFill>
-                  <a:schemeClr val="tx1">
-                    <a:lumMod val="65000"/>
-                    <a:lumOff val="35000"/>
-                  </a:schemeClr>
-                </a:solidFill>
-              </a:rPr>
-              <a:t>에 의해 결과값이 </a:t>
-            </a:r>
-            <a:r>
-              <a:rPr lang="en-US" altLang="ko-KR" sz="1400" b="1" dirty="0" smtClean="0">
-                <a:solidFill>
-                  <a:srgbClr val="36D2CE"/>
-                </a:solidFill>
-              </a:rPr>
-              <a:t>1</a:t>
-            </a:r>
-            <a:r>
-              <a:rPr lang="ko-KR" altLang="en-US" sz="1400" b="1" dirty="0" smtClean="0">
-                <a:solidFill>
-                  <a:srgbClr val="36D2CE"/>
-                </a:solidFill>
-              </a:rPr>
-              <a:t>초씩 </a:t>
-            </a:r>
-            <a:r>
-              <a:rPr lang="ko-KR" altLang="en-US" sz="1400" b="1" dirty="0" err="1" smtClean="0">
-                <a:solidFill>
-                  <a:srgbClr val="36D2CE"/>
-                </a:solidFill>
-              </a:rPr>
-              <a:t>딜레이</a:t>
-            </a:r>
-            <a:r>
-              <a:rPr lang="ko-KR" altLang="en-US" sz="1400" b="1" dirty="0" smtClean="0">
-                <a:solidFill>
-                  <a:srgbClr val="36D2CE"/>
-                </a:solidFill>
-              </a:rPr>
-              <a:t> 됨</a:t>
-            </a:r>
-            <a:endParaRPr lang="en-US" altLang="ko-KR" sz="1400" b="1" dirty="0" smtClean="0">
-              <a:solidFill>
-                <a:srgbClr val="36D2CE"/>
-              </a:solidFill>
-            </a:endParaRPr>
-          </a:p>
-          <a:p>
-            <a:pPr marL="742950" lvl="1" indent="-285750">
-              <a:buFont typeface="Wingdings" panose="05000000000000000000" pitchFamily="2" charset="2"/>
-              <a:buChar char="Ø"/>
-            </a:pPr>
-            <a:r>
-              <a:rPr lang="en-US" altLang="ko-KR" sz="1100" u="sng" dirty="0" smtClean="0">
-                <a:solidFill>
-                  <a:schemeClr val="tx1">
-                    <a:lumMod val="65000"/>
-                    <a:lumOff val="35000"/>
-                  </a:schemeClr>
-                </a:solidFill>
-              </a:rPr>
-              <a:t>‘3’, ‘2’, ‘1’</a:t>
-            </a:r>
-            <a:r>
-              <a:rPr lang="en-US" altLang="ko-KR" sz="1100" dirty="0" smtClean="0">
-                <a:solidFill>
-                  <a:schemeClr val="tx1">
-                    <a:lumMod val="65000"/>
-                    <a:lumOff val="35000"/>
-                  </a:schemeClr>
-                </a:solidFill>
-              </a:rPr>
-              <a:t> </a:t>
-            </a:r>
-            <a:r>
-              <a:rPr lang="ko-KR" altLang="en-US" sz="1100" dirty="0" smtClean="0">
-                <a:solidFill>
-                  <a:schemeClr val="tx1">
-                    <a:lumMod val="65000"/>
-                    <a:lumOff val="35000"/>
-                  </a:schemeClr>
-                </a:solidFill>
-              </a:rPr>
-              <a:t>문구가 </a:t>
-            </a:r>
-            <a:r>
-              <a:rPr lang="en-US" altLang="ko-KR" sz="1100" dirty="0" smtClean="0">
-                <a:solidFill>
-                  <a:schemeClr val="tx1">
-                    <a:lumMod val="65000"/>
-                    <a:lumOff val="35000"/>
-                  </a:schemeClr>
-                </a:solidFill>
-              </a:rPr>
-              <a:t>1</a:t>
-            </a:r>
-            <a:r>
-              <a:rPr lang="ko-KR" altLang="en-US" sz="1100" dirty="0" smtClean="0">
-                <a:solidFill>
-                  <a:schemeClr val="tx1">
-                    <a:lumMod val="65000"/>
-                    <a:lumOff val="35000"/>
-                  </a:schemeClr>
-                </a:solidFill>
-              </a:rPr>
-              <a:t>초 간격을 두고 출력</a:t>
-            </a:r>
-            <a:endParaRPr lang="en-US" altLang="ko-KR" sz="1100" dirty="0" smtClean="0">
-              <a:solidFill>
-                <a:schemeClr val="tx1">
-                  <a:lumMod val="65000"/>
-                  <a:lumOff val="35000"/>
-                </a:schemeClr>
-              </a:solidFill>
-            </a:endParaRPr>
-          </a:p>
-          <a:p>
-            <a:pPr marL="742950" lvl="1" indent="-285750">
-              <a:buFont typeface="Wingdings" panose="05000000000000000000" pitchFamily="2" charset="2"/>
-              <a:buChar char="Ø"/>
-            </a:pPr>
-            <a:r>
-              <a:rPr lang="en-US" altLang="ko-KR" sz="1100" dirty="0" smtClean="0">
-                <a:solidFill>
-                  <a:schemeClr val="tx1">
-                    <a:lumMod val="65000"/>
-                    <a:lumOff val="35000"/>
-                  </a:schemeClr>
-                </a:solidFill>
-              </a:rPr>
-              <a:t>‘G O !!’</a:t>
-            </a:r>
-            <a:r>
-              <a:rPr lang="ko-KR" altLang="en-US" sz="1100" dirty="0">
-                <a:solidFill>
-                  <a:schemeClr val="tx1">
-                    <a:lumMod val="65000"/>
-                    <a:lumOff val="35000"/>
-                  </a:schemeClr>
-                </a:solidFill>
-              </a:rPr>
-              <a:t> </a:t>
-            </a:r>
-            <a:r>
-              <a:rPr lang="ko-KR" altLang="en-US" sz="1100" dirty="0" smtClean="0">
-                <a:solidFill>
-                  <a:schemeClr val="tx1">
-                    <a:lumMod val="65000"/>
-                    <a:lumOff val="35000"/>
-                  </a:schemeClr>
-                </a:solidFill>
-              </a:rPr>
-              <a:t>문구 출력 후 </a:t>
-            </a:r>
-            <a:r>
-              <a:rPr lang="en-US" altLang="ko-KR" sz="1100" dirty="0" smtClean="0">
-                <a:solidFill>
-                  <a:schemeClr val="tx1">
-                    <a:lumMod val="65000"/>
-                    <a:lumOff val="35000"/>
-                  </a:schemeClr>
-                </a:solidFill>
-              </a:rPr>
-              <a:t>0.5</a:t>
-            </a:r>
-            <a:r>
-              <a:rPr lang="ko-KR" altLang="en-US" sz="1100" dirty="0" smtClean="0">
-                <a:solidFill>
-                  <a:schemeClr val="tx1">
-                    <a:lumMod val="65000"/>
-                    <a:lumOff val="35000"/>
-                  </a:schemeClr>
-                </a:solidFill>
-              </a:rPr>
-              <a:t>초 뒤 함수가 종료되고 </a:t>
-            </a:r>
-            <a:r>
-              <a:rPr lang="en-US" altLang="ko-KR" sz="1100" u="sng" dirty="0" smtClean="0">
-                <a:solidFill>
-                  <a:schemeClr val="tx1">
-                    <a:lumMod val="65000"/>
-                    <a:lumOff val="35000"/>
-                  </a:schemeClr>
-                </a:solidFill>
-              </a:rPr>
-              <a:t>while (Scene == 1)</a:t>
-            </a:r>
-            <a:r>
-              <a:rPr lang="ko-KR" altLang="en-US" sz="1100" u="sng" dirty="0" smtClean="0">
-                <a:solidFill>
-                  <a:schemeClr val="tx1">
-                    <a:lumMod val="65000"/>
-                    <a:lumOff val="35000"/>
-                  </a:schemeClr>
-                </a:solidFill>
-              </a:rPr>
-              <a:t>문으로 이동</a:t>
-            </a:r>
-            <a:endParaRPr lang="en-US" altLang="ko-KR" sz="1100" u="sng" dirty="0">
               <a:solidFill>
                 <a:schemeClr val="tx1">
                   <a:lumMod val="65000"/>
@@ -12525,30 +12233,183 @@
           </a:p>
         </p:txBody>
       </p:sp>
-      <p:pic>
-        <p:nvPicPr>
-          <p:cNvPr id="2" name="그림 1"/>
-          <p:cNvPicPr>
-            <a:picLocks noChangeAspect="1"/>
-          </p:cNvPicPr>
+      <p:sp>
+        <p:nvSpPr>
+          <p:cNvPr id="12" name="TextBox 11">
+            <a:extLst>
+              <a:ext uri="{FF2B5EF4-FFF2-40B4-BE49-F238E27FC236}">
+                <a16:creationId xmlns:a16="http://schemas.microsoft.com/office/drawing/2014/main" id="{9BD65EA8-75FC-4381-8F1B-C7736D8545B7}"/>
+              </a:ext>
+            </a:extLst>
+          </p:cNvPr>
+          <p:cNvSpPr txBox="1"/>
           <p:nvPr/>
-        </p:nvPicPr>
-        <p:blipFill>
-          <a:blip r:embed="rId3"/>
-          <a:stretch>
-            <a:fillRect/>
-          </a:stretch>
-        </p:blipFill>
+        </p:nvSpPr>
         <p:spPr>
           <a:xfrm>
-            <a:off x="6096000" y="2116755"/>
-            <a:ext cx="2781688" cy="3496163"/>
+            <a:off x="557399" y="1222687"/>
+            <a:ext cx="4450437" cy="400110"/>
           </a:xfrm>
           <a:prstGeom prst="rect">
             <a:avLst/>
           </a:prstGeom>
+          <a:noFill/>
         </p:spPr>
-      </p:pic>
+        <p:txBody>
+          <a:bodyPr wrap="square" rtlCol="0" anchor="ctr">
+            <a:spAutoFit/>
+          </a:bodyPr>
+          <a:lstStyle/>
+          <a:p>
+            <a:r>
+              <a:rPr lang="en-US" altLang="ko-KR" sz="2000" b="1" dirty="0" smtClean="0">
+                <a:solidFill>
+                  <a:srgbClr val="36D2CE"/>
+                </a:solidFill>
+                <a:latin typeface="+mn-ea"/>
+                <a:cs typeface="KoPubWorld돋움체 Bold" panose="00000800000000000000" pitchFamily="2" charset="-127"/>
+              </a:rPr>
+              <a:t>void</a:t>
+            </a:r>
+            <a:r>
+              <a:rPr lang="en-US" altLang="ko-KR" sz="2000" b="1" dirty="0" smtClean="0">
+                <a:solidFill>
+                  <a:schemeClr val="tx1">
+                    <a:lumMod val="65000"/>
+                    <a:lumOff val="35000"/>
+                  </a:schemeClr>
+                </a:solidFill>
+                <a:latin typeface="+mn-ea"/>
+                <a:cs typeface="KoPubWorld돋움체 Bold" panose="00000800000000000000" pitchFamily="2" charset="-127"/>
+              </a:rPr>
+              <a:t> </a:t>
+            </a:r>
+            <a:r>
+              <a:rPr lang="en-US" altLang="ko-KR" sz="2000" b="1" dirty="0" err="1" smtClean="0">
+                <a:solidFill>
+                  <a:schemeClr val="tx1">
+                    <a:lumMod val="65000"/>
+                    <a:lumOff val="35000"/>
+                  </a:schemeClr>
+                </a:solidFill>
+                <a:latin typeface="+mn-ea"/>
+                <a:cs typeface="KoPubWorld돋움체 Bold" panose="00000800000000000000" pitchFamily="2" charset="-127"/>
+              </a:rPr>
+              <a:t>CreateCard</a:t>
+            </a:r>
+            <a:r>
+              <a:rPr lang="en-US" altLang="ko-KR" sz="2000" b="1" dirty="0" smtClean="0">
+                <a:solidFill>
+                  <a:schemeClr val="tx1">
+                    <a:lumMod val="65000"/>
+                    <a:lumOff val="35000"/>
+                  </a:schemeClr>
+                </a:solidFill>
+                <a:latin typeface="+mn-ea"/>
+                <a:cs typeface="KoPubWorld돋움체 Bold" panose="00000800000000000000" pitchFamily="2" charset="-127"/>
+              </a:rPr>
+              <a:t>(</a:t>
+            </a:r>
+            <a:r>
+              <a:rPr lang="en-US" altLang="ko-KR" sz="2000" b="1" dirty="0" err="1" smtClean="0">
+                <a:solidFill>
+                  <a:schemeClr val="tx1">
+                    <a:lumMod val="65000"/>
+                    <a:lumOff val="35000"/>
+                  </a:schemeClr>
+                </a:solidFill>
+                <a:latin typeface="+mn-ea"/>
+                <a:cs typeface="KoPubWorld돋움체 Bold" panose="00000800000000000000" pitchFamily="2" charset="-127"/>
+              </a:rPr>
+              <a:t>enum</a:t>
+            </a:r>
+            <a:r>
+              <a:rPr lang="en-US" altLang="ko-KR" sz="2000" b="1" dirty="0" smtClean="0">
+                <a:solidFill>
+                  <a:schemeClr val="tx1">
+                    <a:lumMod val="65000"/>
+                    <a:lumOff val="35000"/>
+                  </a:schemeClr>
+                </a:solidFill>
+                <a:latin typeface="+mn-ea"/>
+                <a:cs typeface="KoPubWorld돋움체 Bold" panose="00000800000000000000" pitchFamily="2" charset="-127"/>
+              </a:rPr>
+              <a:t> Diff diff);</a:t>
+            </a:r>
+            <a:endParaRPr lang="ko-KR" altLang="en-US" sz="2000" b="1" dirty="0">
+              <a:solidFill>
+                <a:schemeClr val="tx1">
+                  <a:lumMod val="65000"/>
+                  <a:lumOff val="35000"/>
+                </a:schemeClr>
+              </a:solidFill>
+              <a:latin typeface="+mn-ea"/>
+              <a:cs typeface="KoPubWorld돋움체 Bold" panose="00000800000000000000" pitchFamily="2" charset="-127"/>
+            </a:endParaRPr>
+          </a:p>
+        </p:txBody>
+      </p:sp>
+      <p:grpSp>
+        <p:nvGrpSpPr>
+          <p:cNvPr id="6" name="그룹 5"/>
+          <p:cNvGrpSpPr/>
+          <p:nvPr/>
+        </p:nvGrpSpPr>
+        <p:grpSpPr>
+          <a:xfrm>
+            <a:off x="6571715" y="2254442"/>
+            <a:ext cx="4683096" cy="229346"/>
+            <a:chOff x="6096001" y="2117710"/>
+            <a:chExt cx="4689717" cy="229670"/>
+          </a:xfrm>
+        </p:grpSpPr>
+        <p:pic>
+          <p:nvPicPr>
+            <p:cNvPr id="5" name="그림 4"/>
+            <p:cNvPicPr>
+              <a:picLocks noChangeAspect="1"/>
+            </p:cNvPicPr>
+            <p:nvPr/>
+          </p:nvPicPr>
+          <p:blipFill rotWithShape="1">
+            <a:blip r:embed="rId3"/>
+            <a:srcRect r="36016"/>
+            <a:stretch/>
+          </p:blipFill>
+          <p:spPr>
+            <a:xfrm>
+              <a:off x="6096001" y="2117710"/>
+              <a:ext cx="3470274" cy="229670"/>
+            </a:xfrm>
+            <a:prstGeom prst="rect">
+              <a:avLst/>
+            </a:prstGeom>
+          </p:spPr>
+        </p:pic>
+        <p:pic>
+          <p:nvPicPr>
+            <p:cNvPr id="15" name="그림 14"/>
+            <p:cNvPicPr>
+              <a:picLocks noChangeAspect="1"/>
+            </p:cNvPicPr>
+            <p:nvPr/>
+          </p:nvPicPr>
+          <p:blipFill rotWithShape="1">
+            <a:blip r:embed="rId3"/>
+            <a:srcRect l="77517" r="-1"/>
+            <a:stretch/>
+          </p:blipFill>
+          <p:spPr>
+            <a:xfrm>
+              <a:off x="9566275" y="2117710"/>
+              <a:ext cx="1219443" cy="229670"/>
+            </a:xfrm>
+            <a:prstGeom prst="rect">
+              <a:avLst/>
+            </a:prstGeom>
+          </p:spPr>
+        </p:pic>
+      </p:grpSp>
     </p:spTree>
     <p:extLst>
       <p:ext uri="{BB962C8B-B14F-4D97-AF65-F5344CB8AC3E}">
@@ -12830,15 +12691,38 @@
             <a:r>
               <a:rPr lang="en-US" altLang="ko-KR" sz="2000" b="1" dirty="0" smtClean="0">
                 <a:solidFill>
-                  <a:schemeClr val="tx1">
-                    <a:lumMod val="65000"/>
-                    <a:lumOff val="35000"/>
-                  </a:schemeClr>
+                  <a:srgbClr val="36D2CE"/>
                 </a:solidFill>
                 <a:latin typeface="+mn-ea"/>
                 <a:cs typeface="KoPubWorld돋움체 Bold" panose="00000800000000000000" pitchFamily="2" charset="-127"/>
               </a:rPr>
-              <a:t>Countdown( );</a:t>
+              <a:t>void</a:t>
+            </a:r>
+            <a:r>
+              <a:rPr lang="en-US" altLang="ko-KR" sz="2000" b="1" dirty="0" smtClean="0">
+                <a:solidFill>
+                  <a:schemeClr val="tx1">
+                    <a:lumMod val="65000"/>
+                    <a:lumOff val="35000"/>
+                  </a:schemeClr>
+                </a:solidFill>
+                <a:latin typeface="+mn-ea"/>
+                <a:cs typeface="KoPubWorld돋움체 Bold" panose="00000800000000000000" pitchFamily="2" charset="-127"/>
+              </a:rPr>
+              <a:t> Countdown</a:t>
+            </a:r>
+            <a:r>
+              <a:rPr lang="en-US" altLang="ko-KR" sz="2000" b="1" dirty="0" smtClean="0">
+                <a:solidFill>
+                  <a:schemeClr val="tx1">
+                    <a:lumMod val="65000"/>
+                    <a:lumOff val="35000"/>
+                  </a:schemeClr>
+                </a:solidFill>
+                <a:latin typeface="+mn-ea"/>
+                <a:cs typeface="KoPubWorld돋움체 Bold" panose="00000800000000000000" pitchFamily="2" charset="-127"/>
+              </a:rPr>
+              <a:t>( );</a:t>
             </a:r>
             <a:endParaRPr lang="ko-KR" altLang="en-US" sz="2000" b="1" dirty="0">
               <a:solidFill>
@@ -12918,18 +12802,7 @@
                   </a:schemeClr>
                 </a:solidFill>
               </a:rPr>
-              <a:t>함수에 의해</a:t>
-            </a:r>
-            <a:r>
-              <a:rPr lang="ko-KR" altLang="en-US" sz="1400" dirty="0" smtClean="0">
-                <a:solidFill>
-                  <a:schemeClr val="tx1">
-                    <a:lumMod val="65000"/>
-                    <a:lumOff val="35000"/>
-                  </a:schemeClr>
-                </a:solidFill>
-              </a:rPr>
-              <a:t> 스페이스 바를 누르게 되면 </a:t>
+              <a:t>함수에 의해 스페이스 바를 누르게 되면 </a:t>
             </a:r>
             <a:r>
               <a:rPr lang="en-US" altLang="ko-KR" sz="1400" dirty="0" smtClean="0">
@@ -15066,9 +14939,9 @@
         <p:grpSpPr>
           <a:xfrm>
             <a:off x="5291773" y="1373856"/>
-            <a:ext cx="1856919" cy="830997"/>
+            <a:ext cx="1608454" cy="830997"/>
             <a:chOff x="3403338" y="2598003"/>
-            <a:chExt cx="1856919" cy="830997"/>
+            <a:chExt cx="1608454" cy="830997"/>
           </a:xfrm>
         </p:grpSpPr>
         <p:sp>
@@ -15136,7 +15009,7 @@
           <p:spPr>
             <a:xfrm>
               <a:off x="3934253" y="2667984"/>
-              <a:ext cx="1326004" cy="584775"/>
+              <a:ext cx="1077539" cy="338554"/>
             </a:xfrm>
             <a:prstGeom prst="rect">
               <a:avLst/>
@@ -15160,23 +15033,8 @@
                   <a:latin typeface="+mn-ea"/>
                   <a:cs typeface="KoPubWorld돋움체 Bold" panose="00000800000000000000" pitchFamily="2" charset="-127"/>
                 </a:rPr>
-                <a:t>게임 소개 </a:t>
+                <a:t>게임 </a:t>
               </a:r>
-              <a:r>
-                <a:rPr lang="en-US" altLang="ko-KR" sz="1600" b="1" dirty="0" smtClean="0">
-                  <a:solidFill>
-                    <a:schemeClr val="tx1">
-                      <a:lumMod val="65000"/>
-                      <a:lumOff val="35000"/>
-                    </a:schemeClr>
-                  </a:solidFill>
-                  <a:latin typeface="+mn-ea"/>
-                  <a:cs typeface="KoPubWorld돋움체 Bold" panose="00000800000000000000" pitchFamily="2" charset="-127"/>
-                </a:rPr>
-                <a:t>&amp;</a:t>
-              </a:r>
-            </a:p>
-            <a:p>
               <a:r>
                 <a:rPr lang="ko-KR" altLang="en-US" sz="1600" b="1" dirty="0" smtClean="0">
                   <a:solidFill>
@@ -15188,9 +15046,9 @@
                   <a:latin typeface="+mn-ea"/>
                   <a:cs typeface="KoPubWorld돋움체 Bold" panose="00000800000000000000" pitchFamily="2" charset="-127"/>
                 </a:rPr>
-                <a:t>플레이 영상</a:t>
+                <a:t>소개</a:t>
               </a:r>
-              <a:endParaRPr lang="ko-KR" altLang="en-US" sz="1600" b="1" dirty="0">
+              <a:endParaRPr lang="en-US" altLang="ko-KR" sz="1600" b="1" dirty="0" smtClean="0">
                 <a:solidFill>
                   <a:schemeClr val="tx1">
                     <a:lumMod val="65000"/>
@@ -15198,7 +15056,7 @@
                   </a:schemeClr>
                 </a:solidFill>
                 <a:latin typeface="+mn-ea"/>
-                <a:cs typeface="KoPubWorld돋움체 Light" panose="00000300000000000000" pitchFamily="2" charset="-127"/>
+                <a:cs typeface="KoPubWorld돋움체 Bold" panose="00000800000000000000" pitchFamily="2" charset="-127"/>
               </a:endParaRPr>
             </a:p>
           </p:txBody>
@@ -15890,33 +15748,7 @@
                   <a:latin typeface="+mn-ea"/>
                   <a:cs typeface="KoPubWorld돋움체 Bold" panose="00000800000000000000" pitchFamily="2" charset="-127"/>
                 </a:rPr>
-                <a:t>소개 </a:t>
-              </a:r>
-              <a:r>
-                <a:rPr lang="en-US" altLang="ko-KR" sz="2800" b="1" dirty="0" smtClean="0">
-                  <a:solidFill>
-                    <a:schemeClr val="tx1">
-                      <a:lumMod val="65000"/>
-                      <a:lumOff val="35000"/>
-                    </a:schemeClr>
-                  </a:solidFill>
-                  <a:latin typeface="+mn-ea"/>
-                  <a:cs typeface="KoPubWorld돋움체 Bold" panose="00000800000000000000" pitchFamily="2" charset="-127"/>
-                </a:rPr>
-                <a:t>&amp; </a:t>
-              </a:r>
-              <a:r>
-                <a:rPr lang="ko-KR" altLang="en-US" sz="2800" b="1" dirty="0" smtClean="0">
-                  <a:solidFill>
-                    <a:schemeClr val="tx1">
-                      <a:lumMod val="65000"/>
-                      <a:lumOff val="35000"/>
-                    </a:schemeClr>
-                  </a:solidFill>
-                  <a:latin typeface="+mn-ea"/>
-                  <a:cs typeface="KoPubWorld돋움체 Bold" panose="00000800000000000000" pitchFamily="2" charset="-127"/>
-                </a:rPr>
-                <a:t>플레이 영상</a:t>
+                <a:t>소개</a:t>
               </a:r>
               <a:endParaRPr lang="ko-KR" altLang="en-US" sz="2800" b="1" dirty="0">
                 <a:solidFill>
@@ -16620,33 +16452,7 @@
                   <a:latin typeface="+mn-ea"/>
                   <a:cs typeface="KoPubWorld돋움체 Bold" panose="00000800000000000000" pitchFamily="2" charset="-127"/>
                 </a:rPr>
-                <a:t>소개 </a:t>
-              </a:r>
-              <a:r>
-                <a:rPr lang="en-US" altLang="ko-KR" sz="2800" b="1" dirty="0" smtClean="0">
-                  <a:solidFill>
-                    <a:schemeClr val="tx1">
-                      <a:lumMod val="65000"/>
-                      <a:lumOff val="35000"/>
-                    </a:schemeClr>
-                  </a:solidFill>
-                  <a:latin typeface="+mn-ea"/>
-                  <a:cs typeface="KoPubWorld돋움체 Bold" panose="00000800000000000000" pitchFamily="2" charset="-127"/>
-                </a:rPr>
-                <a:t>&amp; </a:t>
-              </a:r>
-              <a:r>
-                <a:rPr lang="ko-KR" altLang="en-US" sz="2800" b="1" dirty="0" smtClean="0">
-                  <a:solidFill>
-                    <a:schemeClr val="tx1">
-                      <a:lumMod val="65000"/>
-                      <a:lumOff val="35000"/>
-                    </a:schemeClr>
-                  </a:solidFill>
-                  <a:latin typeface="+mn-ea"/>
-                  <a:cs typeface="KoPubWorld돋움체 Bold" panose="00000800000000000000" pitchFamily="2" charset="-127"/>
-                </a:rPr>
-                <a:t>플레이 영상</a:t>
+                <a:t>소개</a:t>
               </a:r>
               <a:endParaRPr lang="ko-KR" altLang="en-US" sz="2800" b="1" dirty="0">
                 <a:solidFill>
@@ -17770,40 +17576,6 @@
           </a:p>
         </p:txBody>
       </p:sp>
-      <p:pic>
-        <p:nvPicPr>
-          <p:cNvPr id="3" name="MatchCard">
-            <a:hlinkClick r:id="" action="ppaction://media"/>
-          </p:cNvPr>
-          <p:cNvPicPr>
-            <a:picLocks noChangeAspect="1"/>
-          </p:cNvPicPr>
-          <p:nvPr>
-            <a:videoFile r:link="rId1"/>
-            <p:extLst>
-              <p:ext uri="{DAA4B4D4-6D71-4841-9C94-3DE7FCFB9230}">
-                <p14:media xmlns:p14="http://schemas.microsoft.com/office/powerpoint/2010/main" r:embed="rId2">
-                  <p14:trim end="2687.4333"/>
-                </p14:media>
-              </p:ext>
-            </p:extLst>
-          </p:nvPr>
-        </p:nvPicPr>
-        <p:blipFill rotWithShape="1">
-          <a:blip r:embed="rId4"/>
-          <a:srcRect l="-2" r="35622" b="74829"/>
-          <a:stretch/>
-        </p:blipFill>
-        <p:spPr>
-          <a:xfrm>
-            <a:off x="2612164" y="2758128"/>
-            <a:ext cx="6967672" cy="2170182"/>
-          </a:xfrm>
-          <a:prstGeom prst="rect">
-            <a:avLst/>
-          </a:prstGeom>
-        </p:spPr>
-      </p:pic>
       <p:grpSp>
         <p:nvGrpSpPr>
           <p:cNvPr id="10" name="그룹 9">
@@ -17875,33 +17647,7 @@
                   <a:latin typeface="+mn-ea"/>
                   <a:cs typeface="KoPubWorld돋움체 Bold" panose="00000800000000000000" pitchFamily="2" charset="-127"/>
                 </a:rPr>
-                <a:t>소개 </a:t>
-              </a:r>
-              <a:r>
-                <a:rPr lang="en-US" altLang="ko-KR" sz="2800" b="1" dirty="0" smtClean="0">
-                  <a:solidFill>
-                    <a:schemeClr val="tx1">
-                      <a:lumMod val="65000"/>
-                      <a:lumOff val="35000"/>
-                    </a:schemeClr>
-                  </a:solidFill>
-                  <a:latin typeface="+mn-ea"/>
-                  <a:cs typeface="KoPubWorld돋움체 Bold" panose="00000800000000000000" pitchFamily="2" charset="-127"/>
-                </a:rPr>
-                <a:t>&amp; </a:t>
-              </a:r>
-              <a:r>
-                <a:rPr lang="ko-KR" altLang="en-US" sz="2800" b="1" dirty="0" smtClean="0">
-                  <a:solidFill>
-                    <a:schemeClr val="tx1">
-                      <a:lumMod val="65000"/>
-                      <a:lumOff val="35000"/>
-                    </a:schemeClr>
-                  </a:solidFill>
-                  <a:latin typeface="+mn-ea"/>
-                  <a:cs typeface="KoPubWorld돋움체 Bold" panose="00000800000000000000" pitchFamily="2" charset="-127"/>
-                </a:rPr>
-                <a:t>플레이 영상</a:t>
+                <a:t>소개</a:t>
               </a:r>
               <a:endParaRPr lang="ko-KR" altLang="en-US" sz="2800" b="1" dirty="0">
                 <a:solidFill>
@@ -17967,6 +17713,788 @@
           </p:txBody>
         </p:sp>
       </p:grpSp>
+      <p:grpSp>
+        <p:nvGrpSpPr>
+          <p:cNvPr id="4" name="그룹 3"/>
+          <p:cNvGrpSpPr/>
+          <p:nvPr/>
+        </p:nvGrpSpPr>
+        <p:grpSpPr>
+          <a:xfrm>
+            <a:off x="2612164" y="2044249"/>
+            <a:ext cx="6967672" cy="318689"/>
+            <a:chOff x="557399" y="2256572"/>
+            <a:chExt cx="2880000" cy="318689"/>
+          </a:xfrm>
+        </p:grpSpPr>
+        <p:sp>
+          <p:nvSpPr>
+            <p:cNvPr id="13" name="직사각형 12">
+              <a:extLst>
+                <a:ext uri="{FF2B5EF4-FFF2-40B4-BE49-F238E27FC236}">
+                  <a16:creationId xmlns:a16="http://schemas.microsoft.com/office/drawing/2014/main" id="{8298B826-E1A7-4AAD-A2E9-FEF678DBFCF4}"/>
+                </a:ext>
+              </a:extLst>
+            </p:cNvPr>
+            <p:cNvSpPr/>
+            <p:nvPr/>
+          </p:nvSpPr>
+          <p:spPr>
+            <a:xfrm>
+              <a:off x="557399" y="2256572"/>
+              <a:ext cx="2880000" cy="317904"/>
+            </a:xfrm>
+            <a:prstGeom prst="rect">
+              <a:avLst/>
+            </a:prstGeom>
+            <a:solidFill>
+              <a:srgbClr val="64DECF"/>
+            </a:solidFill>
+            <a:ln>
+              <a:noFill/>
+            </a:ln>
+          </p:spPr>
+          <p:style>
+            <a:lnRef idx="2">
+              <a:schemeClr val="accent1">
+                <a:shade val="50000"/>
+              </a:schemeClr>
+            </a:lnRef>
+            <a:fillRef idx="1">
+              <a:schemeClr val="accent1"/>
+            </a:fillRef>
+            <a:effectRef idx="0">
+              <a:schemeClr val="accent1"/>
+            </a:effectRef>
+            <a:fontRef idx="minor">
+              <a:schemeClr val="lt1"/>
+            </a:fontRef>
+          </p:style>
+          <p:txBody>
+            <a:bodyPr rtlCol="0" anchor="ctr"/>
+            <a:lstStyle/>
+            <a:p>
+              <a:pPr algn="ctr"/>
+              <a:endParaRPr lang="ko-KR" altLang="en-US"/>
+            </a:p>
+          </p:txBody>
+        </p:sp>
+        <p:sp>
+          <p:nvSpPr>
+            <p:cNvPr id="14" name="TextBox 13">
+              <a:extLst>
+                <a:ext uri="{FF2B5EF4-FFF2-40B4-BE49-F238E27FC236}">
+                  <a16:creationId xmlns:a16="http://schemas.microsoft.com/office/drawing/2014/main" id="{5D5AC252-1EF4-4FE1-84A7-F28040F580A5}"/>
+                </a:ext>
+              </a:extLst>
+            </p:cNvPr>
+            <p:cNvSpPr txBox="1"/>
+            <p:nvPr/>
+          </p:nvSpPr>
+          <p:spPr>
+            <a:xfrm>
+              <a:off x="935263" y="2267484"/>
+              <a:ext cx="2124270" cy="307777"/>
+            </a:xfrm>
+            <a:prstGeom prst="rect">
+              <a:avLst/>
+            </a:prstGeom>
+            <a:noFill/>
+          </p:spPr>
+          <p:txBody>
+            <a:bodyPr wrap="square" rtlCol="0">
+              <a:spAutoFit/>
+            </a:bodyPr>
+            <a:lstStyle>
+              <a:defPPr>
+                <a:defRPr lang="ko-KR"/>
+              </a:defPPr>
+              <a:lvl1pPr algn="ctr">
+                <a:defRPr sz="1400" b="1">
+                  <a:solidFill>
+                    <a:schemeClr val="bg1"/>
+                  </a:solidFill>
+                  <a:latin typeface="+mn-ea"/>
+                  <a:cs typeface="KoPubWorld돋움체 Light" panose="00000300000000000000" pitchFamily="2" charset="-127"/>
+                </a:defRPr>
+              </a:lvl1pPr>
+            </a:lstStyle>
+            <a:p>
+              <a:r>
+                <a:rPr lang="ko-KR" altLang="en-US" dirty="0" smtClean="0"/>
+                <a:t>플레이 영상</a:t>
+              </a:r>
+              <a:endParaRPr lang="ko-KR" altLang="en-US" dirty="0"/>
+            </a:p>
+          </p:txBody>
+        </p:sp>
+      </p:grpSp>
+      <p:pic>
+        <p:nvPicPr>
+          <p:cNvPr id="3" name="MatchCard">
+            <a:hlinkClick r:id="" action="ppaction://media"/>
+          </p:cNvPr>
+          <p:cNvPicPr>
+            <a:picLocks noChangeAspect="1"/>
+          </p:cNvPicPr>
+          <p:nvPr>
+            <a:videoFile r:link="rId1"/>
+            <p:extLst>
+              <p:ext uri="{DAA4B4D4-6D71-4841-9C94-3DE7FCFB9230}">
+                <p14:media xmlns:p14="http://schemas.microsoft.com/office/powerpoint/2010/main" r:embed="rId2">
+                  <p14:trim end="2687.4333"/>
+                </p14:media>
+              </p:ext>
+            </p:extLst>
+          </p:nvPr>
+        </p:nvPicPr>
+        <p:blipFill rotWithShape="1">
+          <a:blip r:embed="rId4"/>
+          <a:srcRect l="-2" r="35622" b="74829"/>
+          <a:stretch/>
+        </p:blipFill>
+        <p:spPr>
+          <a:xfrm>
+            <a:off x="2612164" y="2362938"/>
+            <a:ext cx="6967672" cy="2170182"/>
+          </a:xfrm>
+          <a:prstGeom prst="rect">
+            <a:avLst/>
+          </a:prstGeom>
+        </p:spPr>
+      </p:pic>
+      <p:graphicFrame>
+        <p:nvGraphicFramePr>
+          <p:cNvPr id="2" name="표 1"/>
+          <p:cNvGraphicFramePr>
+            <a:graphicFrameLocks noGrp="1"/>
+          </p:cNvGraphicFramePr>
+          <p:nvPr>
+            <p:extLst>
+              <p:ext uri="{D42A27DB-BD31-4B8C-83A1-F6EECF244321}">
+                <p14:modId xmlns:p14="http://schemas.microsoft.com/office/powerpoint/2010/main" val="4025075437"/>
+              </p:ext>
+            </p:extLst>
+          </p:nvPr>
+        </p:nvGraphicFramePr>
+        <p:xfrm>
+          <a:off x="2612164" y="4533120"/>
+          <a:ext cx="6967672" cy="828040"/>
+        </p:xfrm>
+        <a:graphic>
+          <a:graphicData uri="http://schemas.openxmlformats.org/drawingml/2006/table">
+            <a:tbl>
+              <a:tblPr firstRow="1" bandRow="1">
+                <a:tableStyleId>{5FD0F851-EC5A-4D38-B0AD-8093EC10F338}</a:tableStyleId>
+              </a:tblPr>
+              <a:tblGrid>
+                <a:gridCol w="1216352">
+                  <a:extLst>
+                    <a:ext uri="{9D8B030D-6E8A-4147-A177-3AD203B41FA5}">
+                      <a16:colId xmlns:a16="http://schemas.microsoft.com/office/drawing/2014/main" val="203095064"/>
+                    </a:ext>
+                  </a:extLst>
+                </a:gridCol>
+                <a:gridCol w="1917107">
+                  <a:extLst>
+                    <a:ext uri="{9D8B030D-6E8A-4147-A177-3AD203B41FA5}">
+                      <a16:colId xmlns:a16="http://schemas.microsoft.com/office/drawing/2014/main" val="1748360691"/>
+                    </a:ext>
+                  </a:extLst>
+                </a:gridCol>
+                <a:gridCol w="1917106">
+                  <a:extLst>
+                    <a:ext uri="{9D8B030D-6E8A-4147-A177-3AD203B41FA5}">
+                      <a16:colId xmlns:a16="http://schemas.microsoft.com/office/drawing/2014/main" val="1893318521"/>
+                    </a:ext>
+                  </a:extLst>
+                </a:gridCol>
+                <a:gridCol w="1917107">
+                  <a:extLst>
+                    <a:ext uri="{9D8B030D-6E8A-4147-A177-3AD203B41FA5}">
+                      <a16:colId xmlns:a16="http://schemas.microsoft.com/office/drawing/2014/main" val="1361754540"/>
+                    </a:ext>
+                  </a:extLst>
+                </a:gridCol>
+              </a:tblGrid>
+              <a:tr h="370840">
+                <a:tc>
+                  <a:txBody>
+                    <a:bodyPr/>
+                    <a:lstStyle/>
+                    <a:p>
+                      <a:pPr algn="ctr" latinLnBrk="1"/>
+                      <a:r>
+                        <a:rPr lang="ko-KR" altLang="en-US" sz="1400" dirty="0" smtClean="0"/>
+                        <a:t>난이도</a:t>
+                      </a:r>
+                      <a:endParaRPr lang="ko-KR" altLang="en-US" sz="1400" dirty="0">
+                        <a:solidFill>
+                          <a:schemeClr val="tx1">
+                            <a:lumMod val="65000"/>
+                            <a:lumOff val="35000"/>
+                          </a:schemeClr>
+                        </a:solidFill>
+                      </a:endParaRPr>
+                    </a:p>
+                  </a:txBody>
+                  <a:tcPr anchor="ctr">
+                    <a:lnL w="12700" cap="flat" cmpd="sng" algn="ctr">
+                      <a:solidFill>
+                        <a:srgbClr val="36D2CE"/>
+                      </a:solidFill>
+                      <a:prstDash val="solid"/>
+                      <a:round/>
+                      <a:headEnd type="none" w="med" len="med"/>
+                      <a:tailEnd type="none" w="med" len="med"/>
+                    </a:lnL>
+                    <a:lnR w="12700" cap="flat" cmpd="sng" algn="ctr">
+                      <a:solidFill>
+                        <a:srgbClr val="36D2CE"/>
+                      </a:solidFill>
+                      <a:prstDash val="solid"/>
+                      <a:round/>
+                      <a:headEnd type="none" w="med" len="med"/>
+                      <a:tailEnd type="none" w="med" len="med"/>
+                    </a:lnR>
+                    <a:lnT w="12700" cap="flat" cmpd="sng" algn="ctr">
+                      <a:solidFill>
+                        <a:srgbClr val="36D2CE"/>
+                      </a:solidFill>
+                      <a:prstDash val="solid"/>
+                      <a:round/>
+                      <a:headEnd type="none" w="med" len="med"/>
+                      <a:tailEnd type="none" w="med" len="med"/>
+                    </a:lnT>
+                    <a:lnB w="12700" cap="flat" cmpd="sng" algn="ctr">
+                      <a:solidFill>
+                        <a:srgbClr val="36D2CE"/>
+                      </a:solidFill>
+                      <a:prstDash val="solid"/>
+                      <a:round/>
+                      <a:headEnd type="none" w="med" len="med"/>
+                      <a:tailEnd type="none" w="med" len="med"/>
+                    </a:lnB>
+                    <a:solidFill>
+                      <a:srgbClr val="36D2CE">
+                        <a:alpha val="20000"/>
+                      </a:srgbClr>
+                    </a:solidFill>
+                  </a:tcPr>
+                </a:tc>
+                <a:tc>
+                  <a:txBody>
+                    <a:bodyPr/>
+                    <a:lstStyle/>
+                    <a:p>
+                      <a:pPr algn="ctr" latinLnBrk="1"/>
+                      <a:r>
+                        <a:rPr lang="en-US" altLang="ko-KR" sz="1400" dirty="0" smtClean="0"/>
+                        <a:t>Easy</a:t>
+                      </a:r>
+                      <a:endParaRPr lang="ko-KR" altLang="en-US" sz="1400" dirty="0">
+                        <a:solidFill>
+                          <a:schemeClr val="tx1">
+                            <a:lumMod val="65000"/>
+                            <a:lumOff val="35000"/>
+                          </a:schemeClr>
+                        </a:solidFill>
+                      </a:endParaRPr>
+                    </a:p>
+                  </a:txBody>
+                  <a:tcPr anchor="ctr">
+                    <a:lnL w="12700" cap="flat" cmpd="sng" algn="ctr">
+                      <a:solidFill>
+                        <a:srgbClr val="36D2CE"/>
+                      </a:solidFill>
+                      <a:prstDash val="solid"/>
+                      <a:round/>
+                      <a:headEnd type="none" w="med" len="med"/>
+                      <a:tailEnd type="none" w="med" len="med"/>
+                    </a:lnL>
+                    <a:lnR w="12700" cap="flat" cmpd="sng" algn="ctr">
+                      <a:solidFill>
+                        <a:srgbClr val="36D2CE"/>
+                      </a:solidFill>
+                      <a:prstDash val="solid"/>
+                      <a:round/>
+                      <a:headEnd type="none" w="med" len="med"/>
+                      <a:tailEnd type="none" w="med" len="med"/>
+                    </a:lnR>
+                    <a:lnT w="12700" cap="flat" cmpd="sng" algn="ctr">
+                      <a:solidFill>
+                        <a:srgbClr val="36D2CE"/>
+                      </a:solidFill>
+                      <a:prstDash val="solid"/>
+                      <a:round/>
+                      <a:headEnd type="none" w="med" len="med"/>
+                      <a:tailEnd type="none" w="med" len="med"/>
+                    </a:lnT>
+                    <a:lnB w="12700" cap="flat" cmpd="sng" algn="ctr">
+                      <a:solidFill>
+                        <a:srgbClr val="36D2CE"/>
+                      </a:solidFill>
+                      <a:prstDash val="solid"/>
+                      <a:round/>
+                      <a:headEnd type="none" w="med" len="med"/>
+                      <a:tailEnd type="none" w="med" len="med"/>
+                    </a:lnB>
+                    <a:solidFill>
+                      <a:srgbClr val="36D2CE">
+                        <a:alpha val="20000"/>
+                      </a:srgbClr>
+                    </a:solidFill>
+                  </a:tcPr>
+                </a:tc>
+                <a:tc>
+                  <a:txBody>
+                    <a:bodyPr/>
+                    <a:lstStyle/>
+                    <a:p>
+                      <a:pPr marL="0" marR="0" indent="0" algn="ctr" defTabSz="914400" rtl="0" eaLnBrk="1" fontAlgn="auto" latinLnBrk="1" hangingPunct="1">
+                        <a:lnSpc>
+                          <a:spcPct val="100000"/>
+                        </a:lnSpc>
+                        <a:spcBef>
+                          <a:spcPts val="0"/>
+                        </a:spcBef>
+                        <a:spcAft>
+                          <a:spcPts val="0"/>
+                        </a:spcAft>
+                        <a:buClrTx/>
+                        <a:buSzTx/>
+                        <a:buFontTx/>
+                        <a:buNone/>
+                        <a:tabLst/>
+                        <a:defRPr/>
+                      </a:pPr>
+                      <a:r>
+                        <a:rPr lang="en-US" altLang="ko-KR" sz="1400" dirty="0" smtClean="0"/>
+                        <a:t>Normal</a:t>
+                      </a:r>
+                      <a:endParaRPr lang="ko-KR" altLang="en-US" sz="1400" dirty="0" smtClean="0">
+                        <a:solidFill>
+                          <a:schemeClr val="tx1">
+                            <a:lumMod val="65000"/>
+                            <a:lumOff val="35000"/>
+                          </a:schemeClr>
+                        </a:solidFill>
+                      </a:endParaRPr>
+                    </a:p>
+                  </a:txBody>
+                  <a:tcPr anchor="ctr">
+                    <a:lnL w="12700" cap="flat" cmpd="sng" algn="ctr">
+                      <a:solidFill>
+                        <a:srgbClr val="36D2CE"/>
+                      </a:solidFill>
+                      <a:prstDash val="solid"/>
+                      <a:round/>
+                      <a:headEnd type="none" w="med" len="med"/>
+                      <a:tailEnd type="none" w="med" len="med"/>
+                    </a:lnL>
+                    <a:lnR w="12700" cap="flat" cmpd="sng" algn="ctr">
+                      <a:solidFill>
+                        <a:srgbClr val="36D2CE"/>
+                      </a:solidFill>
+                      <a:prstDash val="solid"/>
+                      <a:round/>
+                      <a:headEnd type="none" w="med" len="med"/>
+                      <a:tailEnd type="none" w="med" len="med"/>
+                    </a:lnR>
+                    <a:lnT w="12700" cap="flat" cmpd="sng" algn="ctr">
+                      <a:solidFill>
+                        <a:srgbClr val="36D2CE"/>
+                      </a:solidFill>
+                      <a:prstDash val="solid"/>
+                      <a:round/>
+                      <a:headEnd type="none" w="med" len="med"/>
+                      <a:tailEnd type="none" w="med" len="med"/>
+                    </a:lnT>
+                    <a:lnB w="12700" cap="flat" cmpd="sng" algn="ctr">
+                      <a:solidFill>
+                        <a:srgbClr val="36D2CE"/>
+                      </a:solidFill>
+                      <a:prstDash val="solid"/>
+                      <a:round/>
+                      <a:headEnd type="none" w="med" len="med"/>
+                      <a:tailEnd type="none" w="med" len="med"/>
+                    </a:lnB>
+                    <a:solidFill>
+                      <a:srgbClr val="36D2CE">
+                        <a:alpha val="20000"/>
+                      </a:srgbClr>
+                    </a:solidFill>
+                  </a:tcPr>
+                </a:tc>
+                <a:tc>
+                  <a:txBody>
+                    <a:bodyPr/>
+                    <a:lstStyle/>
+                    <a:p>
+                      <a:pPr marL="0" marR="0" indent="0" algn="ctr" defTabSz="914400" rtl="0" eaLnBrk="1" fontAlgn="auto" latinLnBrk="1" hangingPunct="1">
+                        <a:lnSpc>
+                          <a:spcPct val="100000"/>
+                        </a:lnSpc>
+                        <a:spcBef>
+                          <a:spcPts val="0"/>
+                        </a:spcBef>
+                        <a:spcAft>
+                          <a:spcPts val="0"/>
+                        </a:spcAft>
+                        <a:buClrTx/>
+                        <a:buSzTx/>
+                        <a:buFontTx/>
+                        <a:buNone/>
+                        <a:tabLst/>
+                        <a:defRPr/>
+                      </a:pPr>
+                      <a:r>
+                        <a:rPr lang="en-US" altLang="ko-KR" sz="1400" dirty="0" smtClean="0"/>
+                        <a:t>Hard</a:t>
+                      </a:r>
+                      <a:endParaRPr lang="ko-KR" altLang="en-US" sz="1400" dirty="0" smtClean="0">
+                        <a:solidFill>
+                          <a:schemeClr val="tx1">
+                            <a:lumMod val="65000"/>
+                            <a:lumOff val="35000"/>
+                          </a:schemeClr>
+                        </a:solidFill>
+                      </a:endParaRPr>
+                    </a:p>
+                  </a:txBody>
+                  <a:tcPr anchor="ctr">
+                    <a:lnL w="12700" cap="flat" cmpd="sng" algn="ctr">
+                      <a:solidFill>
+                        <a:srgbClr val="36D2CE"/>
+                      </a:solidFill>
+                      <a:prstDash val="solid"/>
+                      <a:round/>
+                      <a:headEnd type="none" w="med" len="med"/>
+                      <a:tailEnd type="none" w="med" len="med"/>
+                    </a:lnL>
+                    <a:lnR w="12700" cap="flat" cmpd="sng" algn="ctr">
+                      <a:solidFill>
+                        <a:srgbClr val="36D2CE"/>
+                      </a:solidFill>
+                      <a:prstDash val="solid"/>
+                      <a:round/>
+                      <a:headEnd type="none" w="med" len="med"/>
+                      <a:tailEnd type="none" w="med" len="med"/>
+                    </a:lnR>
+                    <a:lnT w="12700" cap="flat" cmpd="sng" algn="ctr">
+                      <a:solidFill>
+                        <a:srgbClr val="36D2CE"/>
+                      </a:solidFill>
+                      <a:prstDash val="solid"/>
+                      <a:round/>
+                      <a:headEnd type="none" w="med" len="med"/>
+                      <a:tailEnd type="none" w="med" len="med"/>
+                    </a:lnT>
+                    <a:lnB w="12700" cap="flat" cmpd="sng" algn="ctr">
+                      <a:solidFill>
+                        <a:srgbClr val="36D2CE"/>
+                      </a:solidFill>
+                      <a:prstDash val="solid"/>
+                      <a:round/>
+                      <a:headEnd type="none" w="med" len="med"/>
+                      <a:tailEnd type="none" w="med" len="med"/>
+                    </a:lnB>
+                    <a:solidFill>
+                      <a:srgbClr val="36D2CE">
+                        <a:alpha val="20000"/>
+                      </a:srgbClr>
+                    </a:solidFill>
+                  </a:tcPr>
+                </a:tc>
+                <a:extLst>
+                  <a:ext uri="{0D108BD9-81ED-4DB2-BD59-A6C34878D82A}">
+                    <a16:rowId xmlns:a16="http://schemas.microsoft.com/office/drawing/2014/main" val="2024300112"/>
+                  </a:ext>
+                </a:extLst>
+              </a:tr>
+              <a:tr h="370840">
+                <a:tc>
+                  <a:txBody>
+                    <a:bodyPr/>
+                    <a:lstStyle/>
+                    <a:p>
+                      <a:pPr algn="ctr" latinLnBrk="1"/>
+                      <a:r>
+                        <a:rPr lang="ko-KR" altLang="en-US" sz="1200" dirty="0" smtClean="0"/>
+                        <a:t>보드 </a:t>
+                      </a:r>
+                      <a:r>
+                        <a:rPr lang="ko-KR" altLang="en-US" sz="1200" dirty="0" smtClean="0"/>
+                        <a:t>크기</a:t>
+                      </a:r>
+                      <a:endParaRPr lang="en-US" altLang="ko-KR" sz="1200" dirty="0" smtClean="0"/>
+                    </a:p>
+                    <a:p>
+                      <a:pPr algn="ctr" latinLnBrk="1"/>
+                      <a:r>
+                        <a:rPr lang="en-US" altLang="ko-KR" sz="1200" dirty="0" smtClean="0"/>
+                        <a:t>(</a:t>
+                      </a:r>
+                      <a:r>
+                        <a:rPr lang="ko-KR" altLang="en-US" sz="1200" dirty="0" smtClean="0"/>
+                        <a:t>가로 </a:t>
+                      </a:r>
+                      <a:r>
+                        <a:rPr lang="en-US" altLang="ko-KR" sz="1200" dirty="0" smtClean="0"/>
+                        <a:t>X</a:t>
+                      </a:r>
+                      <a:r>
+                        <a:rPr lang="en-US" altLang="ko-KR" sz="1200" baseline="0" dirty="0" smtClean="0"/>
+                        <a:t> </a:t>
+                      </a:r>
+                      <a:r>
+                        <a:rPr lang="ko-KR" altLang="en-US" sz="1200" baseline="0" dirty="0" smtClean="0"/>
+                        <a:t>세로</a:t>
+                      </a:r>
+                      <a:r>
+                        <a:rPr lang="en-US" altLang="ko-KR" sz="1200" baseline="0" dirty="0" smtClean="0"/>
+                        <a:t>)</a:t>
+                      </a:r>
+                      <a:endParaRPr lang="ko-KR" altLang="en-US" sz="1200" dirty="0"/>
+                    </a:p>
+                  </a:txBody>
+                  <a:tcPr anchor="ctr">
+                    <a:lnL w="12700" cap="flat" cmpd="sng" algn="ctr">
+                      <a:solidFill>
+                        <a:srgbClr val="36D2CE"/>
+                      </a:solidFill>
+                      <a:prstDash val="solid"/>
+                      <a:round/>
+                      <a:headEnd type="none" w="med" len="med"/>
+                      <a:tailEnd type="none" w="med" len="med"/>
+                    </a:lnL>
+                    <a:lnR w="12700" cap="flat" cmpd="sng" algn="ctr">
+                      <a:solidFill>
+                        <a:srgbClr val="36D2CE"/>
+                      </a:solidFill>
+                      <a:prstDash val="solid"/>
+                      <a:round/>
+                      <a:headEnd type="none" w="med" len="med"/>
+                      <a:tailEnd type="none" w="med" len="med"/>
+                    </a:lnR>
+                    <a:lnT w="12700" cap="flat" cmpd="sng" algn="ctr">
+                      <a:solidFill>
+                        <a:srgbClr val="36D2CE"/>
+                      </a:solidFill>
+                      <a:prstDash val="solid"/>
+                      <a:round/>
+                      <a:headEnd type="none" w="med" len="med"/>
+                      <a:tailEnd type="none" w="med" len="med"/>
+                    </a:lnT>
+                    <a:lnB w="12700" cap="flat" cmpd="sng" algn="ctr">
+                      <a:solidFill>
+                        <a:srgbClr val="36D2CE"/>
+                      </a:solidFill>
+                      <a:prstDash val="solid"/>
+                      <a:round/>
+                      <a:headEnd type="none" w="med" len="med"/>
+                      <a:tailEnd type="none" w="med" len="med"/>
+                    </a:lnB>
+                    <a:solidFill>
+                      <a:schemeClr val="bg1"/>
+                    </a:solidFill>
+                  </a:tcPr>
+                </a:tc>
+                <a:tc>
+                  <a:txBody>
+                    <a:bodyPr/>
+                    <a:lstStyle/>
+                    <a:p>
+                      <a:pPr algn="ctr" latinLnBrk="1"/>
+                      <a:r>
+                        <a:rPr lang="en-US" altLang="ko-KR" sz="1200" dirty="0" smtClean="0"/>
+                        <a:t>5 X 4</a:t>
+                      </a:r>
+                      <a:endParaRPr lang="ko-KR" altLang="en-US" sz="1200" dirty="0"/>
+                    </a:p>
+                  </a:txBody>
+                  <a:tcPr anchor="ctr">
+                    <a:lnL w="12700" cap="flat" cmpd="sng" algn="ctr">
+                      <a:solidFill>
+                        <a:srgbClr val="36D2CE"/>
+                      </a:solidFill>
+                      <a:prstDash val="solid"/>
+                      <a:round/>
+                      <a:headEnd type="none" w="med" len="med"/>
+                      <a:tailEnd type="none" w="med" len="med"/>
+                    </a:lnL>
+                    <a:lnR w="12700" cap="flat" cmpd="sng" algn="ctr">
+                      <a:solidFill>
+                        <a:srgbClr val="36D2CE"/>
+                      </a:solidFill>
+                      <a:prstDash val="solid"/>
+                      <a:round/>
+                      <a:headEnd type="none" w="med" len="med"/>
+                      <a:tailEnd type="none" w="med" len="med"/>
+                    </a:lnR>
+                    <a:lnT w="12700" cap="flat" cmpd="sng" algn="ctr">
+                      <a:solidFill>
+                        <a:srgbClr val="36D2CE"/>
+                      </a:solidFill>
+                      <a:prstDash val="solid"/>
+                      <a:round/>
+                      <a:headEnd type="none" w="med" len="med"/>
+                      <a:tailEnd type="none" w="med" len="med"/>
+                    </a:lnT>
+                    <a:lnB w="12700" cap="flat" cmpd="sng" algn="ctr">
+                      <a:solidFill>
+                        <a:srgbClr val="36D2CE"/>
+                      </a:solidFill>
+                      <a:prstDash val="solid"/>
+                      <a:round/>
+                      <a:headEnd type="none" w="med" len="med"/>
+                      <a:tailEnd type="none" w="med" len="med"/>
+                    </a:lnB>
+                    <a:solidFill>
+                      <a:schemeClr val="bg1"/>
+                    </a:solidFill>
+                  </a:tcPr>
+                </a:tc>
+                <a:tc>
+                  <a:txBody>
+                    <a:bodyPr/>
+                    <a:lstStyle/>
+                    <a:p>
+                      <a:pPr algn="ctr" latinLnBrk="1"/>
+                      <a:r>
+                        <a:rPr lang="en-US" altLang="ko-KR" sz="1200" dirty="0" smtClean="0"/>
+                        <a:t>8 X 6</a:t>
+                      </a:r>
+                      <a:endParaRPr lang="ko-KR" altLang="en-US" sz="1200" dirty="0"/>
+                    </a:p>
+                  </a:txBody>
+                  <a:tcPr anchor="ctr">
+                    <a:lnL w="12700" cap="flat" cmpd="sng" algn="ctr">
+                      <a:solidFill>
+                        <a:srgbClr val="36D2CE"/>
+                      </a:solidFill>
+                      <a:prstDash val="solid"/>
+                      <a:round/>
+                      <a:headEnd type="none" w="med" len="med"/>
+                      <a:tailEnd type="none" w="med" len="med"/>
+                    </a:lnL>
+                    <a:lnR w="12700" cap="flat" cmpd="sng" algn="ctr">
+                      <a:solidFill>
+                        <a:srgbClr val="36D2CE"/>
+                      </a:solidFill>
+                      <a:prstDash val="solid"/>
+                      <a:round/>
+                      <a:headEnd type="none" w="med" len="med"/>
+                      <a:tailEnd type="none" w="med" len="med"/>
+                    </a:lnR>
+                    <a:lnT w="12700" cap="flat" cmpd="sng" algn="ctr">
+                      <a:solidFill>
+                        <a:srgbClr val="36D2CE"/>
+                      </a:solidFill>
+                      <a:prstDash val="solid"/>
+                      <a:round/>
+                      <a:headEnd type="none" w="med" len="med"/>
+                      <a:tailEnd type="none" w="med" len="med"/>
+                    </a:lnT>
+                    <a:lnB w="12700" cap="flat" cmpd="sng" algn="ctr">
+                      <a:solidFill>
+                        <a:srgbClr val="36D2CE"/>
+                      </a:solidFill>
+                      <a:prstDash val="solid"/>
+                      <a:round/>
+                      <a:headEnd type="none" w="med" len="med"/>
+                      <a:tailEnd type="none" w="med" len="med"/>
+                    </a:lnB>
+                    <a:solidFill>
+                      <a:schemeClr val="bg1"/>
+                    </a:solidFill>
+                  </a:tcPr>
+                </a:tc>
+                <a:tc>
+                  <a:txBody>
+                    <a:bodyPr/>
+                    <a:lstStyle/>
+                    <a:p>
+                      <a:pPr marL="0" marR="0" indent="0" algn="ctr" defTabSz="914400" rtl="0" eaLnBrk="1" fontAlgn="auto" latinLnBrk="1" hangingPunct="1">
+                        <a:lnSpc>
+                          <a:spcPct val="100000"/>
+                        </a:lnSpc>
+                        <a:spcBef>
+                          <a:spcPts val="0"/>
+                        </a:spcBef>
+                        <a:spcAft>
+                          <a:spcPts val="0"/>
+                        </a:spcAft>
+                        <a:buClrTx/>
+                        <a:buSzTx/>
+                        <a:buFontTx/>
+                        <a:buNone/>
+                        <a:tabLst/>
+                        <a:defRPr/>
+                      </a:pPr>
+                      <a:r>
+                        <a:rPr lang="en-US" altLang="ko-KR" sz="1200" dirty="0" smtClean="0"/>
+                        <a:t>12</a:t>
+                      </a:r>
+                      <a:r>
+                        <a:rPr lang="en-US" altLang="ko-KR" sz="1200" baseline="0" dirty="0" smtClean="0"/>
+                        <a:t> X 8</a:t>
+                      </a:r>
+                      <a:endParaRPr lang="ko-KR" altLang="en-US" sz="1200" dirty="0" smtClean="0"/>
+                    </a:p>
+                  </a:txBody>
+                  <a:tcPr anchor="ctr">
+                    <a:lnL w="12700" cap="flat" cmpd="sng" algn="ctr">
+                      <a:solidFill>
+                        <a:srgbClr val="36D2CE"/>
+                      </a:solidFill>
+                      <a:prstDash val="solid"/>
+                      <a:round/>
+                      <a:headEnd type="none" w="med" len="med"/>
+                      <a:tailEnd type="none" w="med" len="med"/>
+                    </a:lnL>
+                    <a:lnR w="12700" cap="flat" cmpd="sng" algn="ctr">
+                      <a:solidFill>
+                        <a:srgbClr val="36D2CE"/>
+                      </a:solidFill>
+                      <a:prstDash val="solid"/>
+                      <a:round/>
+                      <a:headEnd type="none" w="med" len="med"/>
+                      <a:tailEnd type="none" w="med" len="med"/>
+                    </a:lnR>
+                    <a:lnT w="12700" cap="flat" cmpd="sng" algn="ctr">
+                      <a:solidFill>
+                        <a:srgbClr val="36D2CE"/>
+                      </a:solidFill>
+                      <a:prstDash val="solid"/>
+                      <a:round/>
+                      <a:headEnd type="none" w="med" len="med"/>
+                      <a:tailEnd type="none" w="med" len="med"/>
+                    </a:lnT>
+                    <a:lnB w="12700" cap="flat" cmpd="sng" algn="ctr">
+                      <a:solidFill>
+                        <a:srgbClr val="36D2CE"/>
+                      </a:solidFill>
+                      <a:prstDash val="solid"/>
+                      <a:round/>
+                      <a:headEnd type="none" w="med" len="med"/>
+                      <a:tailEnd type="none" w="med" len="med"/>
+                    </a:lnB>
+                    <a:solidFill>
+                      <a:schemeClr val="bg1"/>
+                    </a:solidFill>
+                  </a:tcPr>
+                </a:tc>
+                <a:extLst>
+                  <a:ext uri="{0D108BD9-81ED-4DB2-BD59-A6C34878D82A}">
+                    <a16:rowId xmlns:a16="http://schemas.microsoft.com/office/drawing/2014/main" val="1161142150"/>
+                  </a:ext>
+                </a:extLst>
+              </a:tr>
+            </a:tbl>
+          </a:graphicData>
+        </a:graphic>
+      </p:graphicFrame>
     </p:spTree>
     <p:extLst>
       <p:ext uri="{BB962C8B-B14F-4D97-AF65-F5344CB8AC3E}">
@@ -19407,30 +19935,6 @@
           </a:prstGeom>
         </p:spPr>
       </p:pic>
-      <p:pic>
-        <p:nvPicPr>
-          <p:cNvPr id="10" name="그림 9"/>
-          <p:cNvPicPr>
-            <a:picLocks noChangeAspect="1"/>
-          </p:cNvPicPr>
-          <p:nvPr/>
-        </p:nvPicPr>
-        <p:blipFill>
-          <a:blip r:embed="rId3"/>
-          <a:stretch>
-            <a:fillRect/>
-          </a:stretch>
-        </p:blipFill>
-        <p:spPr>
-          <a:xfrm>
-            <a:off x="4758139" y="1622795"/>
-            <a:ext cx="6876461" cy="4945058"/>
-          </a:xfrm>
-          <a:prstGeom prst="rect">
-            <a:avLst/>
-          </a:prstGeom>
-        </p:spPr>
-      </p:pic>
       <p:sp>
         <p:nvSpPr>
           <p:cNvPr id="12" name="TextBox 11">
@@ -19485,6 +19989,29 @@
           </a:p>
         </p:txBody>
       </p:sp>
+      <p:pic>
+        <p:nvPicPr>
+          <p:cNvPr id="13" name="그림 12"/>
+          <p:cNvPicPr>
+            <a:picLocks noChangeAspect="1"/>
+          </p:cNvPicPr>
+          <p:nvPr/>
+        </p:nvPicPr>
+        <p:blipFill rotWithShape="1">
+          <a:blip r:embed="rId3"/>
+          <a:srcRect r="544"/>
+          <a:stretch/>
+        </p:blipFill>
+        <p:spPr>
+          <a:xfrm>
+            <a:off x="4758139" y="1622795"/>
+            <a:ext cx="6864141" cy="4945058"/>
+          </a:xfrm>
+          <a:prstGeom prst="rect">
+            <a:avLst/>
+          </a:prstGeom>
+        </p:spPr>
+      </p:pic>
     </p:spTree>
     <p:extLst>
       <p:ext uri="{BB962C8B-B14F-4D97-AF65-F5344CB8AC3E}">
